--- a/week7進度報告.pptx
+++ b/week7進度報告.pptx
@@ -5,20 +5,25 @@
     <p:sldMasterId id="2147483648" r:id="rId1"/>
   </p:sldMasterIdLst>
   <p:notesMasterIdLst>
-    <p:notesMasterId r:id="rId13"/>
+    <p:notesMasterId r:id="rId18"/>
   </p:notesMasterIdLst>
   <p:sldIdLst>
     <p:sldId id="256" r:id="rId2"/>
-    <p:sldId id="262" r:id="rId3"/>
-    <p:sldId id="295" r:id="rId4"/>
-    <p:sldId id="296" r:id="rId5"/>
-    <p:sldId id="298" r:id="rId6"/>
-    <p:sldId id="305" r:id="rId7"/>
-    <p:sldId id="306" r:id="rId8"/>
-    <p:sldId id="294" r:id="rId9"/>
-    <p:sldId id="265" r:id="rId10"/>
-    <p:sldId id="293" r:id="rId11"/>
-    <p:sldId id="266" r:id="rId12"/>
+    <p:sldId id="295" r:id="rId3"/>
+    <p:sldId id="296" r:id="rId4"/>
+    <p:sldId id="298" r:id="rId5"/>
+    <p:sldId id="305" r:id="rId6"/>
+    <p:sldId id="306" r:id="rId7"/>
+    <p:sldId id="311" r:id="rId8"/>
+    <p:sldId id="307" r:id="rId9"/>
+    <p:sldId id="309" r:id="rId10"/>
+    <p:sldId id="308" r:id="rId11"/>
+    <p:sldId id="310" r:id="rId12"/>
+    <p:sldId id="312" r:id="rId13"/>
+    <p:sldId id="294" r:id="rId14"/>
+    <p:sldId id="265" r:id="rId15"/>
+    <p:sldId id="293" r:id="rId16"/>
+    <p:sldId id="266" r:id="rId17"/>
   </p:sldIdLst>
   <p:sldSz cx="12192000" cy="6858000"/>
   <p:notesSz cx="6858000" cy="9144000"/>
@@ -3866,124 +3871,10 @@
       </p:grpSpPr>
       <p:sp>
         <p:nvSpPr>
-          <p:cNvPr id="2" name="標題 1">
-            <a:extLst>
-              <a:ext uri="{FF2B5EF4-FFF2-40B4-BE49-F238E27FC236}">
-                <a16:creationId xmlns:a16="http://schemas.microsoft.com/office/drawing/2014/main" id="{F2DBD8B3-A2CD-3697-EA3B-2A41774F4F60}"/>
-              </a:ext>
-            </a:extLst>
-          </p:cNvPr>
-          <p:cNvSpPr>
-            <a:spLocks noGrp="1"/>
-          </p:cNvSpPr>
-          <p:nvPr>
-            <p:ph type="title"/>
-          </p:nvPr>
-        </p:nvSpPr>
-        <p:spPr/>
-        <p:txBody>
-          <a:bodyPr/>
-          <a:lstStyle/>
-          <a:p>
-            <a:pPr algn="ctr"/>
-            <a:r>
-              <a:rPr lang="zh-TW" altLang="en-US" dirty="0">
-                <a:latin typeface="標楷體" panose="03000509000000000000" pitchFamily="65" charset="-120"/>
-                <a:ea typeface="標楷體" panose="03000509000000000000" pitchFamily="65" charset="-120"/>
-              </a:rPr>
-              <a:t>檢驗結果</a:t>
-            </a:r>
-          </a:p>
-        </p:txBody>
-      </p:sp>
-      <p:sp>
-        <p:nvSpPr>
-          <p:cNvPr id="3" name="內容版面配置區 2">
-            <a:extLst>
-              <a:ext uri="{FF2B5EF4-FFF2-40B4-BE49-F238E27FC236}">
-                <a16:creationId xmlns:a16="http://schemas.microsoft.com/office/drawing/2014/main" id="{D3AA2138-14F7-2F4F-ED61-97CD079E634A}"/>
-              </a:ext>
-            </a:extLst>
-          </p:cNvPr>
-          <p:cNvSpPr>
-            <a:spLocks noGrp="1"/>
-          </p:cNvSpPr>
-          <p:nvPr>
-            <p:ph idx="1"/>
-          </p:nvPr>
-        </p:nvSpPr>
-        <p:spPr/>
-        <p:txBody>
-          <a:bodyPr/>
-          <a:lstStyle/>
-          <a:p>
-            <a:pPr marL="0" indent="0">
-              <a:buNone/>
-            </a:pPr>
-            <a:r>
-              <a:rPr lang="zh-TW" altLang="en-US" dirty="0">
-                <a:latin typeface="標楷體" panose="03000509000000000000" pitchFamily="65" charset="-120"/>
-                <a:ea typeface="標楷體" panose="03000509000000000000" pitchFamily="65" charset="-120"/>
-              </a:rPr>
-              <a:t>上圖所繪製黃線，是輔助我自己做人工檢驗，並不會由模型自行產生。由身體中線至右分別為第一條、第二條、第三條。第一條與第二條表示</a:t>
-            </a:r>
-            <a:r>
-              <a:rPr lang="en-US" altLang="zh-TW" dirty="0">
-                <a:latin typeface="標楷體" panose="03000509000000000000" pitchFamily="65" charset="-120"/>
-                <a:ea typeface="標楷體" panose="03000509000000000000" pitchFamily="65" charset="-120"/>
-              </a:rPr>
-              <a:t>0.5</a:t>
-            </a:r>
-            <a:r>
-              <a:rPr lang="zh-TW" altLang="en-US" dirty="0">
-                <a:latin typeface="標楷體" panose="03000509000000000000" pitchFamily="65" charset="-120"/>
-                <a:ea typeface="標楷體" panose="03000509000000000000" pitchFamily="65" charset="-120"/>
-              </a:rPr>
-              <a:t>個肩寬。</a:t>
-            </a:r>
-            <a:endParaRPr lang="en-US" altLang="zh-TW" dirty="0">
-              <a:latin typeface="標楷體" panose="03000509000000000000" pitchFamily="65" charset="-120"/>
-              <a:ea typeface="標楷體" panose="03000509000000000000" pitchFamily="65" charset="-120"/>
-            </a:endParaRPr>
-          </a:p>
-          <a:p>
-            <a:pPr marL="0" indent="0">
-              <a:buNone/>
-            </a:pPr>
-            <a:r>
-              <a:rPr lang="zh-TW" altLang="en-US" dirty="0">
-                <a:latin typeface="標楷體" panose="03000509000000000000" pitchFamily="65" charset="-120"/>
-                <a:ea typeface="標楷體" panose="03000509000000000000" pitchFamily="65" charset="-120"/>
-              </a:rPr>
-              <a:t>根據研究指出深蹲雙膝距離約為</a:t>
-            </a:r>
-            <a:r>
-              <a:rPr lang="en-US" altLang="zh-TW" dirty="0">
-                <a:latin typeface="標楷體" panose="03000509000000000000" pitchFamily="65" charset="-120"/>
-                <a:ea typeface="標楷體" panose="03000509000000000000" pitchFamily="65" charset="-120"/>
-              </a:rPr>
-              <a:t>1~1.5</a:t>
-            </a:r>
-            <a:r>
-              <a:rPr lang="zh-TW" altLang="en-US" dirty="0">
-                <a:latin typeface="標楷體" panose="03000509000000000000" pitchFamily="65" charset="-120"/>
-                <a:ea typeface="標楷體" panose="03000509000000000000" pitchFamily="65" charset="-120"/>
-              </a:rPr>
-              <a:t>個肩寬。那麼只要我第二條與第三條的黃線間隔不超過第一條與第二條，那麼即使測試集中所生成的圖片與原始圖片有差距，其矯正結果還是可以使用的。</a:t>
-            </a:r>
-            <a:endParaRPr lang="en-US" altLang="zh-TW" dirty="0">
-              <a:latin typeface="標楷體" panose="03000509000000000000" pitchFamily="65" charset="-120"/>
-              <a:ea typeface="標楷體" panose="03000509000000000000" pitchFamily="65" charset="-120"/>
-            </a:endParaRPr>
-          </a:p>
-        </p:txBody>
-      </p:sp>
-      <p:sp>
-        <p:nvSpPr>
           <p:cNvPr id="4" name="投影片編號版面配置區 3">
             <a:extLst>
               <a:ext uri="{FF2B5EF4-FFF2-40B4-BE49-F238E27FC236}">
-                <a16:creationId xmlns:a16="http://schemas.microsoft.com/office/drawing/2014/main" id="{AE76D782-6624-7066-4183-2984061874E9}"/>
+                <a16:creationId xmlns:a16="http://schemas.microsoft.com/office/drawing/2014/main" id="{31517F90-05D8-7462-FBD3-2F29679ABED7}"/>
               </a:ext>
             </a:extLst>
           </p:cNvPr>
@@ -4007,10 +3898,429 @@
           </a:p>
         </p:txBody>
       </p:sp>
+      <p:sp>
+        <p:nvSpPr>
+          <p:cNvPr id="5" name="標題 1">
+            <a:extLst>
+              <a:ext uri="{FF2B5EF4-FFF2-40B4-BE49-F238E27FC236}">
+                <a16:creationId xmlns:a16="http://schemas.microsoft.com/office/drawing/2014/main" id="{3CDD09E6-4FF8-B6C6-B7FC-A98C12BE1D25}"/>
+              </a:ext>
+            </a:extLst>
+          </p:cNvPr>
+          <p:cNvSpPr>
+            <a:spLocks noGrp="1"/>
+          </p:cNvSpPr>
+          <p:nvPr>
+            <p:ph type="title"/>
+          </p:nvPr>
+        </p:nvSpPr>
+        <p:spPr>
+          <a:xfrm>
+            <a:off x="838200" y="365125"/>
+            <a:ext cx="10515600" cy="1325563"/>
+          </a:xfrm>
+        </p:spPr>
+        <p:txBody>
+          <a:bodyPr/>
+          <a:lstStyle/>
+          <a:p>
+            <a:pPr algn="ctr"/>
+            <a:r>
+              <a:rPr lang="zh-TW" altLang="en-US" dirty="0">
+                <a:latin typeface="標楷體" panose="03000509000000000000" pitchFamily="65" charset="-120"/>
+                <a:ea typeface="標楷體" panose="03000509000000000000" pitchFamily="65" charset="-120"/>
+              </a:rPr>
+              <a:t>獨立測試集的</a:t>
+            </a:r>
+            <a:r>
+              <a:rPr lang="zh-TW" altLang="en-US" sz="4400" dirty="0">
+                <a:latin typeface="標楷體" panose="03000509000000000000" pitchFamily="65" charset="-120"/>
+                <a:ea typeface="標楷體" panose="03000509000000000000" pitchFamily="65" charset="-120"/>
+              </a:rPr>
+              <a:t>數量</a:t>
+            </a:r>
+            <a:endParaRPr lang="zh-TW" altLang="en-US" dirty="0">
+              <a:latin typeface="標楷體" panose="03000509000000000000" pitchFamily="65" charset="-120"/>
+              <a:ea typeface="標楷體" panose="03000509000000000000" pitchFamily="65" charset="-120"/>
+            </a:endParaRPr>
+          </a:p>
+        </p:txBody>
+      </p:sp>
+      <p:sp>
+        <p:nvSpPr>
+          <p:cNvPr id="6" name="內容版面配置區 2">
+            <a:extLst>
+              <a:ext uri="{FF2B5EF4-FFF2-40B4-BE49-F238E27FC236}">
+                <a16:creationId xmlns:a16="http://schemas.microsoft.com/office/drawing/2014/main" id="{8802161C-36E4-8DAD-E956-B12B200BE932}"/>
+              </a:ext>
+            </a:extLst>
+          </p:cNvPr>
+          <p:cNvSpPr>
+            <a:spLocks noGrp="1"/>
+          </p:cNvSpPr>
+          <p:nvPr>
+            <p:ph idx="1"/>
+          </p:nvPr>
+        </p:nvSpPr>
+        <p:spPr>
+          <a:xfrm>
+            <a:off x="838200" y="1825625"/>
+            <a:ext cx="10515600" cy="4351338"/>
+          </a:xfrm>
+        </p:spPr>
+        <p:txBody>
+          <a:bodyPr>
+            <a:normAutofit fontScale="92500" lnSpcReduction="10000"/>
+          </a:bodyPr>
+          <a:lstStyle/>
+          <a:p>
+            <a:pPr marL="0" indent="0" algn="ctr">
+              <a:buFont typeface="Arial" panose="020B0604020202020204" pitchFamily="34" charset="0"/>
+              <a:buNone/>
+            </a:pPr>
+            <a:r>
+              <a:rPr lang="zh-TW" altLang="en-US" sz="2800" dirty="0">
+                <a:latin typeface="標楷體" panose="03000509000000000000" pitchFamily="65" charset="-120"/>
+                <a:ea typeface="標楷體" panose="03000509000000000000" pitchFamily="65" charset="-120"/>
+              </a:rPr>
+              <a:t>雙腳距離</a:t>
+            </a:r>
+            <a:r>
+              <a:rPr lang="en-US" altLang="zh-TW" sz="2800" dirty="0">
+                <a:latin typeface="標楷體" panose="03000509000000000000" pitchFamily="65" charset="-120"/>
+                <a:ea typeface="標楷體" panose="03000509000000000000" pitchFamily="65" charset="-120"/>
+              </a:rPr>
+              <a:t>_</a:t>
+            </a:r>
+            <a:r>
+              <a:rPr lang="zh-TW" altLang="en-US" sz="2800" dirty="0">
+                <a:latin typeface="標楷體" panose="03000509000000000000" pitchFamily="65" charset="-120"/>
+                <a:ea typeface="標楷體" panose="03000509000000000000" pitchFamily="65" charset="-120"/>
+              </a:rPr>
+              <a:t>膝蓋距離</a:t>
+            </a:r>
+            <a:endParaRPr lang="en-US" altLang="zh-TW" sz="2800" dirty="0">
+              <a:latin typeface="標楷體" panose="03000509000000000000" pitchFamily="65" charset="-120"/>
+              <a:ea typeface="標楷體" panose="03000509000000000000" pitchFamily="65" charset="-120"/>
+            </a:endParaRPr>
+          </a:p>
+          <a:p>
+            <a:pPr marL="0" indent="0" algn="ctr">
+              <a:buFont typeface="Arial" panose="020B0604020202020204" pitchFamily="34" charset="0"/>
+              <a:buNone/>
+            </a:pPr>
+            <a:r>
+              <a:rPr lang="zh-TW" altLang="en-US" sz="2800" dirty="0">
+                <a:latin typeface="標楷體" panose="03000509000000000000" pitchFamily="65" charset="-120"/>
+                <a:ea typeface="標楷體" panose="03000509000000000000" pitchFamily="65" charset="-120"/>
+              </a:rPr>
+              <a:t>標準</a:t>
+            </a:r>
+            <a:r>
+              <a:rPr lang="en-US" altLang="zh-TW" sz="2800" dirty="0">
+                <a:latin typeface="標楷體" panose="03000509000000000000" pitchFamily="65" charset="-120"/>
+                <a:ea typeface="標楷體" panose="03000509000000000000" pitchFamily="65" charset="-120"/>
+              </a:rPr>
+              <a:t>_</a:t>
+            </a:r>
+            <a:r>
+              <a:rPr lang="zh-TW" altLang="en-US" sz="2800" dirty="0">
+                <a:latin typeface="標楷體" panose="03000509000000000000" pitchFamily="65" charset="-120"/>
+                <a:ea typeface="標楷體" panose="03000509000000000000" pitchFamily="65" charset="-120"/>
+              </a:rPr>
+              <a:t>標準：</a:t>
+            </a:r>
+            <a:r>
+              <a:rPr lang="en-US" altLang="zh-TW" sz="2800" dirty="0">
+                <a:latin typeface="標楷體" panose="03000509000000000000" pitchFamily="65" charset="-120"/>
+                <a:ea typeface="標楷體" panose="03000509000000000000" pitchFamily="65" charset="-120"/>
+              </a:rPr>
+              <a:t>123</a:t>
+            </a:r>
+          </a:p>
+          <a:p>
+            <a:pPr marL="0" indent="0" algn="ctr">
+              <a:buFont typeface="Arial" panose="020B0604020202020204" pitchFamily="34" charset="0"/>
+              <a:buNone/>
+            </a:pPr>
+            <a:r>
+              <a:rPr lang="zh-TW" altLang="en-US" sz="2800" dirty="0">
+                <a:latin typeface="標楷體" panose="03000509000000000000" pitchFamily="65" charset="-120"/>
+                <a:ea typeface="標楷體" panose="03000509000000000000" pitchFamily="65" charset="-120"/>
+              </a:rPr>
+              <a:t>標準</a:t>
+            </a:r>
+            <a:r>
+              <a:rPr lang="en-US" altLang="zh-TW" sz="2800" dirty="0">
+                <a:latin typeface="標楷體" panose="03000509000000000000" pitchFamily="65" charset="-120"/>
+                <a:ea typeface="標楷體" panose="03000509000000000000" pitchFamily="65" charset="-120"/>
+              </a:rPr>
+              <a:t>_</a:t>
+            </a:r>
+            <a:r>
+              <a:rPr lang="zh-TW" altLang="en-US" sz="2800" dirty="0">
+                <a:latin typeface="標楷體" panose="03000509000000000000" pitchFamily="65" charset="-120"/>
+                <a:ea typeface="標楷體" panose="03000509000000000000" pitchFamily="65" charset="-120"/>
+              </a:rPr>
+              <a:t>過窄：</a:t>
+            </a:r>
+            <a:r>
+              <a:rPr lang="en-US" altLang="zh-TW" sz="2800" dirty="0">
+                <a:latin typeface="標楷體" panose="03000509000000000000" pitchFamily="65" charset="-120"/>
+                <a:ea typeface="標楷體" panose="03000509000000000000" pitchFamily="65" charset="-120"/>
+              </a:rPr>
+              <a:t>175</a:t>
+            </a:r>
+            <a:br>
+              <a:rPr lang="en-US" altLang="zh-TW" sz="2800" dirty="0">
+                <a:latin typeface="標楷體" panose="03000509000000000000" pitchFamily="65" charset="-120"/>
+                <a:ea typeface="標楷體" panose="03000509000000000000" pitchFamily="65" charset="-120"/>
+              </a:rPr>
+            </a:br>
+            <a:r>
+              <a:rPr lang="zh-TW" altLang="en-US" sz="2800" dirty="0">
+                <a:latin typeface="標楷體" panose="03000509000000000000" pitchFamily="65" charset="-120"/>
+                <a:ea typeface="標楷體" panose="03000509000000000000" pitchFamily="65" charset="-120"/>
+              </a:rPr>
+              <a:t>標準</a:t>
+            </a:r>
+            <a:r>
+              <a:rPr lang="en-US" altLang="zh-TW" sz="2800" dirty="0">
+                <a:latin typeface="標楷體" panose="03000509000000000000" pitchFamily="65" charset="-120"/>
+                <a:ea typeface="標楷體" panose="03000509000000000000" pitchFamily="65" charset="-120"/>
+              </a:rPr>
+              <a:t>_</a:t>
+            </a:r>
+            <a:r>
+              <a:rPr lang="zh-TW" altLang="en-US" sz="2800" dirty="0">
+                <a:latin typeface="標楷體" panose="03000509000000000000" pitchFamily="65" charset="-120"/>
+                <a:ea typeface="標楷體" panose="03000509000000000000" pitchFamily="65" charset="-120"/>
+              </a:rPr>
+              <a:t>過寬：</a:t>
+            </a:r>
+            <a:r>
+              <a:rPr lang="en-US" altLang="zh-TW" dirty="0">
+                <a:latin typeface="標楷體" panose="03000509000000000000" pitchFamily="65" charset="-120"/>
+                <a:ea typeface="標楷體" panose="03000509000000000000" pitchFamily="65" charset="-120"/>
+              </a:rPr>
+              <a:t>146</a:t>
+            </a:r>
+          </a:p>
+          <a:p>
+            <a:pPr marL="0" indent="0" algn="ctr">
+              <a:buFont typeface="Arial" panose="020B0604020202020204" pitchFamily="34" charset="0"/>
+              <a:buNone/>
+            </a:pPr>
+            <a:r>
+              <a:rPr lang="zh-TW" altLang="en-US" sz="2800" dirty="0">
+                <a:latin typeface="標楷體" panose="03000509000000000000" pitchFamily="65" charset="-120"/>
+                <a:ea typeface="標楷體" panose="03000509000000000000" pitchFamily="65" charset="-120"/>
+              </a:rPr>
+              <a:t>過窄</a:t>
+            </a:r>
+            <a:r>
+              <a:rPr lang="en-US" altLang="zh-TW" sz="2800" dirty="0">
+                <a:latin typeface="標楷體" panose="03000509000000000000" pitchFamily="65" charset="-120"/>
+                <a:ea typeface="標楷體" panose="03000509000000000000" pitchFamily="65" charset="-120"/>
+              </a:rPr>
+              <a:t>_</a:t>
+            </a:r>
+            <a:r>
+              <a:rPr lang="zh-TW" altLang="en-US" sz="2800" dirty="0">
+                <a:latin typeface="標楷體" panose="03000509000000000000" pitchFamily="65" charset="-120"/>
+                <a:ea typeface="標楷體" panose="03000509000000000000" pitchFamily="65" charset="-120"/>
+              </a:rPr>
+              <a:t>標準：</a:t>
+            </a:r>
+            <a:r>
+              <a:rPr lang="en-US" altLang="zh-TW" sz="2800" dirty="0">
+                <a:latin typeface="標楷體" panose="03000509000000000000" pitchFamily="65" charset="-120"/>
+                <a:ea typeface="標楷體" panose="03000509000000000000" pitchFamily="65" charset="-120"/>
+              </a:rPr>
+              <a:t>205</a:t>
+            </a:r>
+          </a:p>
+          <a:p>
+            <a:pPr marL="0" indent="0" algn="ctr">
+              <a:buFont typeface="Arial" panose="020B0604020202020204" pitchFamily="34" charset="0"/>
+              <a:buNone/>
+            </a:pPr>
+            <a:r>
+              <a:rPr lang="zh-TW" altLang="en-US" sz="2800" dirty="0">
+                <a:latin typeface="標楷體" panose="03000509000000000000" pitchFamily="65" charset="-120"/>
+                <a:ea typeface="標楷體" panose="03000509000000000000" pitchFamily="65" charset="-120"/>
+              </a:rPr>
+              <a:t>過窄</a:t>
+            </a:r>
+            <a:r>
+              <a:rPr lang="en-US" altLang="zh-TW" sz="2800" dirty="0">
+                <a:latin typeface="標楷體" panose="03000509000000000000" pitchFamily="65" charset="-120"/>
+                <a:ea typeface="標楷體" panose="03000509000000000000" pitchFamily="65" charset="-120"/>
+              </a:rPr>
+              <a:t>_</a:t>
+            </a:r>
+            <a:r>
+              <a:rPr lang="zh-TW" altLang="en-US" sz="2800" dirty="0">
+                <a:latin typeface="標楷體" panose="03000509000000000000" pitchFamily="65" charset="-120"/>
+                <a:ea typeface="標楷體" panose="03000509000000000000" pitchFamily="65" charset="-120"/>
+              </a:rPr>
+              <a:t>過窄：</a:t>
+            </a:r>
+            <a:r>
+              <a:rPr lang="en-US" altLang="zh-TW" sz="2800" dirty="0">
+                <a:latin typeface="標楷體" panose="03000509000000000000" pitchFamily="65" charset="-120"/>
+                <a:ea typeface="標楷體" panose="03000509000000000000" pitchFamily="65" charset="-120"/>
+              </a:rPr>
+              <a:t>118</a:t>
+            </a:r>
+          </a:p>
+          <a:p>
+            <a:pPr marL="0" indent="0" algn="ctr">
+              <a:buFont typeface="Arial" panose="020B0604020202020204" pitchFamily="34" charset="0"/>
+              <a:buNone/>
+            </a:pPr>
+            <a:r>
+              <a:rPr lang="zh-TW" altLang="en-US" sz="2800" dirty="0">
+                <a:latin typeface="標楷體" panose="03000509000000000000" pitchFamily="65" charset="-120"/>
+                <a:ea typeface="標楷體" panose="03000509000000000000" pitchFamily="65" charset="-120"/>
+              </a:rPr>
+              <a:t>過窄</a:t>
+            </a:r>
+            <a:r>
+              <a:rPr lang="en-US" altLang="zh-TW" sz="2800" dirty="0">
+                <a:latin typeface="標楷體" panose="03000509000000000000" pitchFamily="65" charset="-120"/>
+                <a:ea typeface="標楷體" panose="03000509000000000000" pitchFamily="65" charset="-120"/>
+              </a:rPr>
+              <a:t>_</a:t>
+            </a:r>
+            <a:r>
+              <a:rPr lang="zh-TW" altLang="en-US" sz="2800" dirty="0">
+                <a:latin typeface="標楷體" panose="03000509000000000000" pitchFamily="65" charset="-120"/>
+                <a:ea typeface="標楷體" panose="03000509000000000000" pitchFamily="65" charset="-120"/>
+              </a:rPr>
+              <a:t>過寬：</a:t>
+            </a:r>
+            <a:r>
+              <a:rPr lang="en-US" altLang="zh-TW" dirty="0">
+                <a:latin typeface="標楷體" panose="03000509000000000000" pitchFamily="65" charset="-120"/>
+                <a:ea typeface="標楷體" panose="03000509000000000000" pitchFamily="65" charset="-120"/>
+              </a:rPr>
+              <a:t>244</a:t>
+            </a:r>
+          </a:p>
+          <a:p>
+            <a:pPr marL="0" indent="0" algn="ctr">
+              <a:buFont typeface="Arial" panose="020B0604020202020204" pitchFamily="34" charset="0"/>
+              <a:buNone/>
+            </a:pPr>
+            <a:r>
+              <a:rPr lang="zh-TW" altLang="en-US" sz="2800" dirty="0">
+                <a:latin typeface="標楷體" panose="03000509000000000000" pitchFamily="65" charset="-120"/>
+                <a:ea typeface="標楷體" panose="03000509000000000000" pitchFamily="65" charset="-120"/>
+              </a:rPr>
+              <a:t>過寬</a:t>
+            </a:r>
+            <a:r>
+              <a:rPr lang="en-US" altLang="zh-TW" sz="2800" dirty="0">
+                <a:latin typeface="標楷體" panose="03000509000000000000" pitchFamily="65" charset="-120"/>
+                <a:ea typeface="標楷體" panose="03000509000000000000" pitchFamily="65" charset="-120"/>
+              </a:rPr>
+              <a:t>_</a:t>
+            </a:r>
+            <a:r>
+              <a:rPr lang="zh-TW" altLang="en-US" sz="2800" dirty="0">
+                <a:latin typeface="標楷體" panose="03000509000000000000" pitchFamily="65" charset="-120"/>
+                <a:ea typeface="標楷體" panose="03000509000000000000" pitchFamily="65" charset="-120"/>
+              </a:rPr>
+              <a:t>標準：</a:t>
+            </a:r>
+            <a:r>
+              <a:rPr lang="en-US" altLang="zh-TW" dirty="0">
+                <a:latin typeface="標楷體" panose="03000509000000000000" pitchFamily="65" charset="-120"/>
+                <a:ea typeface="標楷體" panose="03000509000000000000" pitchFamily="65" charset="-120"/>
+              </a:rPr>
+              <a:t>165</a:t>
+            </a:r>
+            <a:endParaRPr lang="en-US" altLang="zh-TW" sz="2800" dirty="0">
+              <a:latin typeface="標楷體" panose="03000509000000000000" pitchFamily="65" charset="-120"/>
+              <a:ea typeface="標楷體" panose="03000509000000000000" pitchFamily="65" charset="-120"/>
+            </a:endParaRPr>
+          </a:p>
+          <a:p>
+            <a:pPr marL="0" indent="0" algn="ctr">
+              <a:buFont typeface="Arial" panose="020B0604020202020204" pitchFamily="34" charset="0"/>
+              <a:buNone/>
+            </a:pPr>
+            <a:r>
+              <a:rPr lang="zh-TW" altLang="en-US" sz="2800" dirty="0">
+                <a:latin typeface="標楷體" panose="03000509000000000000" pitchFamily="65" charset="-120"/>
+                <a:ea typeface="標楷體" panose="03000509000000000000" pitchFamily="65" charset="-120"/>
+              </a:rPr>
+              <a:t>過寬</a:t>
+            </a:r>
+            <a:r>
+              <a:rPr lang="en-US" altLang="zh-TW" sz="2800" dirty="0">
+                <a:latin typeface="標楷體" panose="03000509000000000000" pitchFamily="65" charset="-120"/>
+                <a:ea typeface="標楷體" panose="03000509000000000000" pitchFamily="65" charset="-120"/>
+              </a:rPr>
+              <a:t>_</a:t>
+            </a:r>
+            <a:r>
+              <a:rPr lang="zh-TW" altLang="en-US" sz="2800" dirty="0">
+                <a:latin typeface="標楷體" panose="03000509000000000000" pitchFamily="65" charset="-120"/>
+                <a:ea typeface="標楷體" panose="03000509000000000000" pitchFamily="65" charset="-120"/>
+              </a:rPr>
+              <a:t>過窄：</a:t>
+            </a:r>
+            <a:r>
+              <a:rPr lang="en-US" altLang="zh-TW" dirty="0">
+                <a:latin typeface="標楷體" panose="03000509000000000000" pitchFamily="65" charset="-120"/>
+                <a:ea typeface="標楷體" panose="03000509000000000000" pitchFamily="65" charset="-120"/>
+              </a:rPr>
+              <a:t>81</a:t>
+            </a:r>
+          </a:p>
+          <a:p>
+            <a:pPr marL="0" indent="0" algn="ctr">
+              <a:buFont typeface="Arial" panose="020B0604020202020204" pitchFamily="34" charset="0"/>
+              <a:buNone/>
+            </a:pPr>
+            <a:r>
+              <a:rPr lang="zh-TW" altLang="en-US" sz="2800" dirty="0">
+                <a:latin typeface="標楷體" panose="03000509000000000000" pitchFamily="65" charset="-120"/>
+                <a:ea typeface="標楷體" panose="03000509000000000000" pitchFamily="65" charset="-120"/>
+              </a:rPr>
+              <a:t>過寬</a:t>
+            </a:r>
+            <a:r>
+              <a:rPr lang="en-US" altLang="zh-TW" sz="2800" dirty="0">
+                <a:latin typeface="標楷體" panose="03000509000000000000" pitchFamily="65" charset="-120"/>
+                <a:ea typeface="標楷體" panose="03000509000000000000" pitchFamily="65" charset="-120"/>
+              </a:rPr>
+              <a:t>_</a:t>
+            </a:r>
+            <a:r>
+              <a:rPr lang="zh-TW" altLang="en-US" sz="2800" dirty="0">
+                <a:latin typeface="標楷體" panose="03000509000000000000" pitchFamily="65" charset="-120"/>
+                <a:ea typeface="標楷體" panose="03000509000000000000" pitchFamily="65" charset="-120"/>
+              </a:rPr>
+              <a:t>過寬：</a:t>
+            </a:r>
+            <a:r>
+              <a:rPr lang="en-US" altLang="zh-TW" sz="2800" dirty="0">
+                <a:latin typeface="標楷體" panose="03000509000000000000" pitchFamily="65" charset="-120"/>
+                <a:ea typeface="標楷體" panose="03000509000000000000" pitchFamily="65" charset="-120"/>
+              </a:rPr>
+              <a:t>92</a:t>
+            </a:r>
+            <a:endParaRPr lang="zh-TW" altLang="en-US" dirty="0"/>
+          </a:p>
+        </p:txBody>
+      </p:sp>
     </p:spTree>
     <p:extLst>
       <p:ext uri="{BB962C8B-B14F-4D97-AF65-F5344CB8AC3E}">
-        <p14:creationId xmlns:p14="http://schemas.microsoft.com/office/powerpoint/2010/main" val="3807767162"/>
+        <p14:creationId xmlns:p14="http://schemas.microsoft.com/office/powerpoint/2010/main" val="1976329443"/>
       </p:ext>
     </p:extLst>
   </p:cSld>
@@ -4021,149 +4331,6 @@
 </file>
 
 <file path=ppt/slides/slide11.xml><?xml version="1.0" encoding="utf-8"?>
-<p:sld xmlns:a="http://schemas.openxmlformats.org/drawingml/2006/main" xmlns:r="http://schemas.openxmlformats.org/officeDocument/2006/relationships" xmlns:p="http://schemas.openxmlformats.org/presentationml/2006/main" show="0">
-  <p:cSld>
-    <p:spTree>
-      <p:nvGrpSpPr>
-        <p:cNvPr id="1" name=""/>
-        <p:cNvGrpSpPr/>
-        <p:nvPr/>
-      </p:nvGrpSpPr>
-      <p:grpSpPr>
-        <a:xfrm>
-          <a:off x="0" y="0"/>
-          <a:ext cx="0" cy="0"/>
-          <a:chOff x="0" y="0"/>
-          <a:chExt cx="0" cy="0"/>
-        </a:xfrm>
-      </p:grpSpPr>
-      <p:sp>
-        <p:nvSpPr>
-          <p:cNvPr id="2" name="標題 1">
-            <a:extLst>
-              <a:ext uri="{FF2B5EF4-FFF2-40B4-BE49-F238E27FC236}">
-                <a16:creationId xmlns:a16="http://schemas.microsoft.com/office/drawing/2014/main" id="{BE66D029-5990-A6A6-8100-3616ECE9F98E}"/>
-              </a:ext>
-            </a:extLst>
-          </p:cNvPr>
-          <p:cNvSpPr>
-            <a:spLocks noGrp="1"/>
-          </p:cNvSpPr>
-          <p:nvPr>
-            <p:ph type="title"/>
-          </p:nvPr>
-        </p:nvSpPr>
-        <p:spPr/>
-        <p:txBody>
-          <a:bodyPr/>
-          <a:lstStyle/>
-          <a:p>
-            <a:pPr algn="ctr"/>
-            <a:r>
-              <a:rPr lang="zh-TW" altLang="en-US" dirty="0">
-                <a:latin typeface="標楷體" panose="03000509000000000000" pitchFamily="65" charset="-120"/>
-                <a:ea typeface="標楷體" panose="03000509000000000000" pitchFamily="65" charset="-120"/>
-              </a:rPr>
-              <a:t>系統整合</a:t>
-            </a:r>
-          </a:p>
-        </p:txBody>
-      </p:sp>
-      <p:sp>
-        <p:nvSpPr>
-          <p:cNvPr id="3" name="內容版面配置區 2">
-            <a:extLst>
-              <a:ext uri="{FF2B5EF4-FFF2-40B4-BE49-F238E27FC236}">
-                <a16:creationId xmlns:a16="http://schemas.microsoft.com/office/drawing/2014/main" id="{700CC637-DFFD-2833-BEB3-FC121E0ABE94}"/>
-              </a:ext>
-            </a:extLst>
-          </p:cNvPr>
-          <p:cNvSpPr>
-            <a:spLocks noGrp="1"/>
-          </p:cNvSpPr>
-          <p:nvPr>
-            <p:ph idx="1"/>
-          </p:nvPr>
-        </p:nvSpPr>
-        <p:spPr/>
-        <p:txBody>
-          <a:bodyPr/>
-          <a:lstStyle/>
-          <a:p>
-            <a:r>
-              <a:rPr lang="en-US" altLang="zh-TW" dirty="0">
-                <a:latin typeface="標楷體" panose="03000509000000000000" pitchFamily="65" charset="-120"/>
-                <a:ea typeface="標楷體" panose="03000509000000000000" pitchFamily="65" charset="-120"/>
-              </a:rPr>
-              <a:t>LSTM</a:t>
-            </a:r>
-            <a:r>
-              <a:rPr lang="zh-TW" altLang="en-US" dirty="0">
-                <a:latin typeface="標楷體" panose="03000509000000000000" pitchFamily="65" charset="-120"/>
-                <a:ea typeface="標楷體" panose="03000509000000000000" pitchFamily="65" charset="-120"/>
-              </a:rPr>
-              <a:t>模型對深蹲影片進行姿勢判定後，將姿勢錯誤的影片逐幀輸出圖片並餵給</a:t>
-            </a:r>
-            <a:r>
-              <a:rPr lang="en-US" altLang="zh-TW" dirty="0">
-                <a:latin typeface="標楷體" panose="03000509000000000000" pitchFamily="65" charset="-120"/>
-                <a:ea typeface="標楷體" panose="03000509000000000000" pitchFamily="65" charset="-120"/>
-              </a:rPr>
-              <a:t>pix2pix</a:t>
-            </a:r>
-            <a:r>
-              <a:rPr lang="zh-TW" altLang="en-US" dirty="0">
-                <a:latin typeface="標楷體" panose="03000509000000000000" pitchFamily="65" charset="-120"/>
-                <a:ea typeface="標楷體" panose="03000509000000000000" pitchFamily="65" charset="-120"/>
-              </a:rPr>
-              <a:t>模型進行矯正，最後將結果個別在網頁上呈現</a:t>
-            </a:r>
-          </a:p>
-        </p:txBody>
-      </p:sp>
-      <p:sp>
-        <p:nvSpPr>
-          <p:cNvPr id="4" name="投影片編號版面配置區 3">
-            <a:extLst>
-              <a:ext uri="{FF2B5EF4-FFF2-40B4-BE49-F238E27FC236}">
-                <a16:creationId xmlns:a16="http://schemas.microsoft.com/office/drawing/2014/main" id="{D37CF85B-DC21-DA85-6089-F97421DA7FBC}"/>
-              </a:ext>
-            </a:extLst>
-          </p:cNvPr>
-          <p:cNvSpPr>
-            <a:spLocks noGrp="1"/>
-          </p:cNvSpPr>
-          <p:nvPr>
-            <p:ph type="sldNum" sz="quarter" idx="12"/>
-          </p:nvPr>
-        </p:nvSpPr>
-        <p:spPr/>
-        <p:txBody>
-          <a:bodyPr/>
-          <a:lstStyle/>
-          <a:p>
-            <a:fld id="{983C7559-4B51-43AB-8024-A24F832BBAF1}" type="slidenum">
-              <a:rPr lang="zh-TW" altLang="en-US" smtClean="0"/>
-              <a:t>11</a:t>
-            </a:fld>
-            <a:endParaRPr lang="zh-TW" altLang="en-US"/>
-          </a:p>
-        </p:txBody>
-      </p:sp>
-    </p:spTree>
-    <p:extLst>
-      <p:ext uri="{BB962C8B-B14F-4D97-AF65-F5344CB8AC3E}">
-        <p14:creationId xmlns:p14="http://schemas.microsoft.com/office/powerpoint/2010/main" val="3535504983"/>
-      </p:ext>
-    </p:extLst>
-  </p:cSld>
-  <p:clrMapOvr>
-    <a:masterClrMapping/>
-  </p:clrMapOvr>
-</p:sld>
-</file>
-
-<file path=ppt/slides/slide2.xml><?xml version="1.0" encoding="utf-8"?>
 <p:sld xmlns:a="http://schemas.openxmlformats.org/drawingml/2006/main" xmlns:r="http://schemas.openxmlformats.org/officeDocument/2006/relationships" xmlns:p="http://schemas.openxmlformats.org/presentationml/2006/main">
   <p:cSld>
     <p:spTree>
@@ -4180,106 +4347,157 @@
           <a:chExt cx="0" cy="0"/>
         </a:xfrm>
       </p:grpSpPr>
+      <p:sp>
+        <p:nvSpPr>
+          <p:cNvPr id="2" name="標題 1">
+            <a:extLst>
+              <a:ext uri="{FF2B5EF4-FFF2-40B4-BE49-F238E27FC236}">
+                <a16:creationId xmlns:a16="http://schemas.microsoft.com/office/drawing/2014/main" id="{C2E4CEBA-197D-67B1-B85C-8E6DF431719A}"/>
+              </a:ext>
+            </a:extLst>
+          </p:cNvPr>
+          <p:cNvSpPr>
+            <a:spLocks noGrp="1"/>
+          </p:cNvSpPr>
+          <p:nvPr>
+            <p:ph type="title"/>
+          </p:nvPr>
+        </p:nvSpPr>
+        <p:spPr/>
+        <p:txBody>
+          <a:bodyPr/>
+          <a:lstStyle/>
+          <a:p>
+            <a:pPr algn="ctr"/>
+            <a:r>
+              <a:rPr lang="zh-TW" altLang="en-US" dirty="0">
+                <a:latin typeface="標楷體" panose="03000509000000000000" pitchFamily="65" charset="-120"/>
+                <a:ea typeface="標楷體" panose="03000509000000000000" pitchFamily="65" charset="-120"/>
+              </a:rPr>
+              <a:t>獨立測試集的測試結果</a:t>
+            </a:r>
+            <a:endParaRPr lang="zh-TW" altLang="en-US" dirty="0"/>
+          </a:p>
+        </p:txBody>
+      </p:sp>
+      <p:sp>
+        <p:nvSpPr>
+          <p:cNvPr id="3" name="內容版面配置區 2">
+            <a:extLst>
+              <a:ext uri="{FF2B5EF4-FFF2-40B4-BE49-F238E27FC236}">
+                <a16:creationId xmlns:a16="http://schemas.microsoft.com/office/drawing/2014/main" id="{D882DD63-0C36-03A8-E750-07ED1FC78B5A}"/>
+              </a:ext>
+            </a:extLst>
+          </p:cNvPr>
+          <p:cNvSpPr>
+            <a:spLocks noGrp="1"/>
+          </p:cNvSpPr>
+          <p:nvPr>
+            <p:ph idx="1"/>
+          </p:nvPr>
+        </p:nvSpPr>
+        <p:spPr/>
+        <p:txBody>
+          <a:bodyPr/>
+          <a:lstStyle/>
+          <a:p>
+            <a:endParaRPr lang="zh-TW" altLang="en-US" dirty="0"/>
+          </a:p>
+        </p:txBody>
+      </p:sp>
+      <p:sp>
+        <p:nvSpPr>
+          <p:cNvPr id="4" name="投影片編號版面配置區 3">
+            <a:extLst>
+              <a:ext uri="{FF2B5EF4-FFF2-40B4-BE49-F238E27FC236}">
+                <a16:creationId xmlns:a16="http://schemas.microsoft.com/office/drawing/2014/main" id="{312B5BCB-EBE2-4DDF-FE1B-B9BF32751D4B}"/>
+              </a:ext>
+            </a:extLst>
+          </p:cNvPr>
+          <p:cNvSpPr>
+            <a:spLocks noGrp="1"/>
+          </p:cNvSpPr>
+          <p:nvPr>
+            <p:ph type="sldNum" sz="quarter" idx="12"/>
+          </p:nvPr>
+        </p:nvSpPr>
+        <p:spPr/>
+        <p:txBody>
+          <a:bodyPr/>
+          <a:lstStyle/>
+          <a:p>
+            <a:fld id="{983C7559-4B51-43AB-8024-A24F832BBAF1}" type="slidenum">
+              <a:rPr lang="zh-TW" altLang="en-US" smtClean="0"/>
+              <a:t>11</a:t>
+            </a:fld>
+            <a:endParaRPr lang="zh-TW" altLang="en-US"/>
+          </a:p>
+        </p:txBody>
+      </p:sp>
       <p:pic>
         <p:nvPicPr>
-          <p:cNvPr id="7" name="內容版面配置區 6">
-            <a:extLst>
-              <a:ext uri="{FF2B5EF4-FFF2-40B4-BE49-F238E27FC236}">
-                <a16:creationId xmlns:a16="http://schemas.microsoft.com/office/drawing/2014/main" id="{5FD6C92C-8790-4BA5-F343-DDA959F128D0}"/>
+          <p:cNvPr id="10" name="圖片 9">
+            <a:extLst>
+              <a:ext uri="{FF2B5EF4-FFF2-40B4-BE49-F238E27FC236}">
+                <a16:creationId xmlns:a16="http://schemas.microsoft.com/office/drawing/2014/main" id="{DF5C7977-ABA6-1ABA-4493-D48A2CB235D2}"/>
               </a:ext>
             </a:extLst>
           </p:cNvPr>
           <p:cNvPicPr>
-            <a:picLocks noGrp="1" noChangeAspect="1"/>
+            <a:picLocks noChangeAspect="1"/>
           </p:cNvPicPr>
-          <p:nvPr>
-            <p:ph idx="1"/>
-          </p:nvPr>
+          <p:nvPr/>
         </p:nvPicPr>
         <p:blipFill>
-          <a:blip r:embed="rId2">
-            <a:extLst>
-              <a:ext uri="{28A0092B-C50C-407E-A947-70E740481C1C}">
-                <a14:useLocalDpi xmlns:a14="http://schemas.microsoft.com/office/drawing/2010/main" val="0"/>
-              </a:ext>
-            </a:extLst>
-          </a:blip>
+          <a:blip r:embed="rId2"/>
           <a:stretch>
             <a:fillRect/>
           </a:stretch>
         </p:blipFill>
         <p:spPr>
           <a:xfrm>
-            <a:off x="2181028" y="707124"/>
-            <a:ext cx="7829943" cy="5872458"/>
+            <a:off x="3321241" y="1590557"/>
+            <a:ext cx="5549517" cy="2613265"/>
           </a:xfrm>
+          <a:prstGeom prst="rect">
+            <a:avLst/>
+          </a:prstGeom>
         </p:spPr>
       </p:pic>
-      <p:sp>
-        <p:nvSpPr>
-          <p:cNvPr id="2" name="標題 1">
-            <a:extLst>
-              <a:ext uri="{FF2B5EF4-FFF2-40B4-BE49-F238E27FC236}">
-                <a16:creationId xmlns:a16="http://schemas.microsoft.com/office/drawing/2014/main" id="{835067F7-7FDE-F9D6-E988-269E1788ECB5}"/>
-              </a:ext>
-            </a:extLst>
-          </p:cNvPr>
-          <p:cNvSpPr>
-            <a:spLocks noGrp="1"/>
-          </p:cNvSpPr>
-          <p:nvPr>
-            <p:ph type="title"/>
-          </p:nvPr>
-        </p:nvSpPr>
-        <p:spPr/>
-        <p:txBody>
-          <a:bodyPr/>
-          <a:lstStyle/>
-          <a:p>
-            <a:pPr algn="ctr"/>
-            <a:r>
-              <a:rPr lang="zh-TW" altLang="en-US" dirty="0">
-                <a:latin typeface="標楷體" panose="03000509000000000000" pitchFamily="65" charset="-120"/>
-                <a:ea typeface="標楷體" panose="03000509000000000000" pitchFamily="65" charset="-120"/>
-              </a:rPr>
-              <a:t>甘特圖</a:t>
-            </a:r>
-          </a:p>
-        </p:txBody>
-      </p:sp>
-      <p:sp>
-        <p:nvSpPr>
-          <p:cNvPr id="3" name="投影片編號版面配置區 2">
-            <a:extLst>
-              <a:ext uri="{FF2B5EF4-FFF2-40B4-BE49-F238E27FC236}">
-                <a16:creationId xmlns:a16="http://schemas.microsoft.com/office/drawing/2014/main" id="{661979A5-FD05-4291-B3D3-1549CE943D47}"/>
-              </a:ext>
-            </a:extLst>
-          </p:cNvPr>
-          <p:cNvSpPr>
-            <a:spLocks noGrp="1"/>
-          </p:cNvSpPr>
-          <p:nvPr>
-            <p:ph type="sldNum" sz="quarter" idx="12"/>
-          </p:nvPr>
-        </p:nvSpPr>
-        <p:spPr/>
-        <p:txBody>
-          <a:bodyPr/>
-          <a:lstStyle/>
-          <a:p>
-            <a:fld id="{983C7559-4B51-43AB-8024-A24F832BBAF1}" type="slidenum">
-              <a:rPr lang="zh-TW" altLang="en-US" smtClean="0"/>
-              <a:t>2</a:t>
-            </a:fld>
-            <a:endParaRPr lang="zh-TW" altLang="en-US"/>
-          </a:p>
-        </p:txBody>
-      </p:sp>
+      <p:pic>
+        <p:nvPicPr>
+          <p:cNvPr id="12" name="圖片 11">
+            <a:extLst>
+              <a:ext uri="{FF2B5EF4-FFF2-40B4-BE49-F238E27FC236}">
+                <a16:creationId xmlns:a16="http://schemas.microsoft.com/office/drawing/2014/main" id="{13C57081-1FA0-CCCF-10FF-D17B2C7EECCC}"/>
+              </a:ext>
+            </a:extLst>
+          </p:cNvPr>
+          <p:cNvPicPr>
+            <a:picLocks noChangeAspect="1"/>
+          </p:cNvPicPr>
+          <p:nvPr/>
+        </p:nvPicPr>
+        <p:blipFill>
+          <a:blip r:embed="rId3"/>
+          <a:stretch>
+            <a:fillRect/>
+          </a:stretch>
+        </p:blipFill>
+        <p:spPr>
+          <a:xfrm>
+            <a:off x="2792556" y="4698056"/>
+            <a:ext cx="6606886" cy="2159944"/>
+          </a:xfrm>
+          <a:prstGeom prst="rect">
+            <a:avLst/>
+          </a:prstGeom>
+        </p:spPr>
+      </p:pic>
     </p:spTree>
     <p:extLst>
       <p:ext uri="{BB962C8B-B14F-4D97-AF65-F5344CB8AC3E}">
-        <p14:creationId xmlns:p14="http://schemas.microsoft.com/office/powerpoint/2010/main" val="1253237465"/>
+        <p14:creationId xmlns:p14="http://schemas.microsoft.com/office/powerpoint/2010/main" val="2192943514"/>
       </p:ext>
     </p:extLst>
   </p:cSld>
@@ -4289,7 +4507,7 @@
 </p:sld>
 </file>
 
-<file path=ppt/slides/slide3.xml><?xml version="1.0" encoding="utf-8"?>
+<file path=ppt/slides/slide12.xml><?xml version="1.0" encoding="utf-8"?>
 <p:sld xmlns:a="http://schemas.openxmlformats.org/drawingml/2006/main" xmlns:r="http://schemas.openxmlformats.org/officeDocument/2006/relationships" xmlns:p="http://schemas.openxmlformats.org/presentationml/2006/main">
   <p:cSld>
     <p:spTree>
@@ -4311,7 +4529,7 @@
           <p:cNvPr id="2" name="標題 1">
             <a:extLst>
               <a:ext uri="{FF2B5EF4-FFF2-40B4-BE49-F238E27FC236}">
-                <a16:creationId xmlns:a16="http://schemas.microsoft.com/office/drawing/2014/main" id="{71D4E6A8-D433-2153-795C-040982FB1CEC}"/>
+                <a16:creationId xmlns:a16="http://schemas.microsoft.com/office/drawing/2014/main" id="{D0E4F6A4-2149-CDFB-246C-1929ECCB417E}"/>
               </a:ext>
             </a:extLst>
           </p:cNvPr>
@@ -4333,7 +4551,7 @@
                 <a:latin typeface="標楷體" panose="03000509000000000000" pitchFamily="65" charset="-120"/>
                 <a:ea typeface="標楷體" panose="03000509000000000000" pitchFamily="65" charset="-120"/>
               </a:rPr>
-              <a:t>待處理事項</a:t>
+              <a:t>下周進度</a:t>
             </a:r>
           </a:p>
         </p:txBody>
@@ -4343,7 +4561,7 @@
           <p:cNvPr id="3" name="內容版面配置區 2">
             <a:extLst>
               <a:ext uri="{FF2B5EF4-FFF2-40B4-BE49-F238E27FC236}">
-                <a16:creationId xmlns:a16="http://schemas.microsoft.com/office/drawing/2014/main" id="{73D57C21-B726-E857-AA9D-445F335C5390}"/>
+                <a16:creationId xmlns:a16="http://schemas.microsoft.com/office/drawing/2014/main" id="{F482D7C7-4D38-FC5A-DA77-8A7240759383}"/>
               </a:ext>
             </a:extLst>
           </p:cNvPr>
@@ -4354,645 +4572,46 @@
             <p:ph idx="1"/>
           </p:nvPr>
         </p:nvSpPr>
-        <p:spPr>
-          <a:xfrm>
-            <a:off x="838200" y="1850792"/>
-            <a:ext cx="10515600" cy="4351338"/>
-          </a:xfrm>
-        </p:spPr>
-        <p:txBody>
-          <a:bodyPr numCol="2">
-            <a:normAutofit/>
-          </a:bodyPr>
-          <a:lstStyle/>
-          <a:p>
-            <a:pPr marL="0" indent="0">
-              <a:buNone/>
-            </a:pPr>
+        <p:spPr/>
+        <p:txBody>
+          <a:bodyPr/>
+          <a:lstStyle/>
+          <a:p>
             <a:r>
               <a:rPr lang="zh-TW" altLang="en-US" dirty="0">
                 <a:latin typeface="標楷體" panose="03000509000000000000" pitchFamily="65" charset="-120"/>
                 <a:ea typeface="標楷體" panose="03000509000000000000" pitchFamily="65" charset="-120"/>
               </a:rPr>
-              <a:t>  </a:t>
-            </a:r>
-            <a:r>
-              <a:rPr lang="en-US" altLang="zh-TW" sz="2400" dirty="0">
-                <a:solidFill>
-                  <a:srgbClr val="FF0000"/>
-                </a:solidFill>
+              <a:t>目前</a:t>
+            </a:r>
+            <a:r>
+              <a:rPr lang="en-US" altLang="zh-TW" dirty="0">
                 <a:latin typeface="標楷體" panose="03000509000000000000" pitchFamily="65" charset="-120"/>
                 <a:ea typeface="標楷體" panose="03000509000000000000" pitchFamily="65" charset="-120"/>
               </a:rPr>
               <a:t>LSTM</a:t>
             </a:r>
             <a:r>
-              <a:rPr lang="zh-TW" altLang="en-US" sz="2400" dirty="0">
-                <a:solidFill>
-                  <a:srgbClr val="FF0000"/>
-                </a:solidFill>
-                <a:latin typeface="標楷體" panose="03000509000000000000" pitchFamily="65" charset="-120"/>
-                <a:ea typeface="標楷體" panose="03000509000000000000" pitchFamily="65" charset="-120"/>
-              </a:rPr>
-              <a:t>資料集蒐集問題</a:t>
-            </a:r>
-            <a:endParaRPr lang="en-US" altLang="zh-TW" sz="2400" dirty="0">
-              <a:solidFill>
-                <a:srgbClr val="FF0000"/>
-              </a:solidFill>
-              <a:latin typeface="標楷體" panose="03000509000000000000" pitchFamily="65" charset="-120"/>
-              <a:ea typeface="標楷體" panose="03000509000000000000" pitchFamily="65" charset="-120"/>
-            </a:endParaRPr>
-          </a:p>
-          <a:p>
-            <a:pPr marL="0" indent="0">
-              <a:buNone/>
-            </a:pPr>
-            <a:r>
               <a:rPr lang="zh-TW" altLang="en-US" dirty="0">
                 <a:latin typeface="標楷體" panose="03000509000000000000" pitchFamily="65" charset="-120"/>
                 <a:ea typeface="標楷體" panose="03000509000000000000" pitchFamily="65" charset="-120"/>
               </a:rPr>
-              <a:t>  </a:t>
-            </a:r>
-            <a:r>
-              <a:rPr lang="zh-TW" altLang="en-US" sz="2400" dirty="0">
-                <a:latin typeface="標楷體" panose="03000509000000000000" pitchFamily="65" charset="-120"/>
-                <a:ea typeface="標楷體" panose="03000509000000000000" pitchFamily="65" charset="-120"/>
-              </a:rPr>
-              <a:t>網頁呈現</a:t>
-            </a:r>
-            <a:endParaRPr lang="en-US" altLang="zh-TW" sz="2400" dirty="0">
-              <a:latin typeface="標楷體" panose="03000509000000000000" pitchFamily="65" charset="-120"/>
-              <a:ea typeface="標楷體" panose="03000509000000000000" pitchFamily="65" charset="-120"/>
-            </a:endParaRPr>
-          </a:p>
-          <a:p>
-            <a:pPr lvl="1">
-              <a:buFont typeface="Wingdings" panose="05000000000000000000" pitchFamily="2" charset="2"/>
-              <a:buChar char="ü"/>
-            </a:pPr>
-            <a:r>
-              <a:rPr lang="zh-TW" altLang="en-US" sz="2000" dirty="0">
-                <a:latin typeface="標楷體" panose="03000509000000000000" pitchFamily="65" charset="-120"/>
-                <a:ea typeface="標楷體" panose="03000509000000000000" pitchFamily="65" charset="-120"/>
-              </a:rPr>
-              <a:t>影片上傳</a:t>
-            </a:r>
-            <a:endParaRPr lang="en-US" altLang="zh-TW" sz="2000" dirty="0">
-              <a:latin typeface="標楷體" panose="03000509000000000000" pitchFamily="65" charset="-120"/>
-              <a:ea typeface="標楷體" panose="03000509000000000000" pitchFamily="65" charset="-120"/>
-            </a:endParaRPr>
-          </a:p>
-          <a:p>
-            <a:pPr lvl="1">
-              <a:buFont typeface="Wingdings" panose="05000000000000000000" pitchFamily="2" charset="2"/>
-              <a:buChar char="ü"/>
-            </a:pPr>
-            <a:r>
-              <a:rPr lang="zh-TW" altLang="en-US" sz="2000" dirty="0">
-                <a:latin typeface="標楷體" panose="03000509000000000000" pitchFamily="65" charset="-120"/>
-                <a:ea typeface="標楷體" panose="03000509000000000000" pitchFamily="65" charset="-120"/>
-              </a:rPr>
-              <a:t>擷取身體節點並進行預處裡</a:t>
-            </a:r>
-            <a:endParaRPr lang="en-US" altLang="zh-TW" sz="2000" dirty="0">
-              <a:latin typeface="標楷體" panose="03000509000000000000" pitchFamily="65" charset="-120"/>
-              <a:ea typeface="標楷體" panose="03000509000000000000" pitchFamily="65" charset="-120"/>
-            </a:endParaRPr>
-          </a:p>
-          <a:p>
-            <a:pPr lvl="1">
-              <a:buFont typeface="Wingdings" panose="05000000000000000000" pitchFamily="2" charset="2"/>
-              <a:buChar char="ü"/>
-            </a:pPr>
-            <a:r>
-              <a:rPr lang="zh-TW" altLang="en-US" sz="2000" dirty="0">
-                <a:latin typeface="標楷體" panose="03000509000000000000" pitchFamily="65" charset="-120"/>
-                <a:ea typeface="標楷體" panose="03000509000000000000" pitchFamily="65" charset="-120"/>
-              </a:rPr>
-              <a:t>經</a:t>
-            </a:r>
-            <a:r>
-              <a:rPr lang="en-US" altLang="zh-TW" sz="2000" dirty="0">
-                <a:latin typeface="標楷體" panose="03000509000000000000" pitchFamily="65" charset="-120"/>
-                <a:ea typeface="標楷體" panose="03000509000000000000" pitchFamily="65" charset="-120"/>
-              </a:rPr>
-              <a:t>LSTM</a:t>
-            </a:r>
-            <a:r>
-              <a:rPr lang="zh-TW" altLang="en-US" sz="2000" dirty="0">
-                <a:latin typeface="標楷體" panose="03000509000000000000" pitchFamily="65" charset="-120"/>
-                <a:ea typeface="標楷體" panose="03000509000000000000" pitchFamily="65" charset="-120"/>
-              </a:rPr>
-              <a:t>模型進行姿勢判斷</a:t>
-            </a:r>
-            <a:endParaRPr lang="en-US" altLang="zh-TW" sz="2000" dirty="0">
-              <a:latin typeface="標楷體" panose="03000509000000000000" pitchFamily="65" charset="-120"/>
-              <a:ea typeface="標楷體" panose="03000509000000000000" pitchFamily="65" charset="-120"/>
-            </a:endParaRPr>
-          </a:p>
-          <a:p>
-            <a:pPr lvl="1">
-              <a:buFont typeface="Wingdings" panose="05000000000000000000" pitchFamily="2" charset="2"/>
-              <a:buChar char="ü"/>
-            </a:pPr>
-            <a:r>
-              <a:rPr lang="zh-TW" altLang="en-US" sz="2000" dirty="0">
-                <a:latin typeface="標楷體" panose="03000509000000000000" pitchFamily="65" charset="-120"/>
-                <a:ea typeface="標楷體" panose="03000509000000000000" pitchFamily="65" charset="-120"/>
-              </a:rPr>
-              <a:t>將不正確動作逐幀輸出成圖片</a:t>
-            </a:r>
-            <a:endParaRPr lang="en-US" altLang="zh-TW" sz="2000" dirty="0">
-              <a:latin typeface="標楷體" panose="03000509000000000000" pitchFamily="65" charset="-120"/>
-              <a:ea typeface="標楷體" panose="03000509000000000000" pitchFamily="65" charset="-120"/>
-            </a:endParaRPr>
-          </a:p>
-          <a:p>
-            <a:pPr marL="457200" lvl="1" indent="0">
-              <a:buNone/>
-            </a:pPr>
-            <a:r>
-              <a:rPr lang="zh-TW" altLang="en-US" sz="2000" dirty="0">
-                <a:latin typeface="標楷體" panose="03000509000000000000" pitchFamily="65" charset="-120"/>
-                <a:ea typeface="標楷體" panose="03000509000000000000" pitchFamily="65" charset="-120"/>
-              </a:rPr>
-              <a:t>  將上述圖片經</a:t>
-            </a:r>
-            <a:r>
-              <a:rPr lang="en-US" altLang="zh-TW" sz="2000" dirty="0">
-                <a:latin typeface="標楷體" panose="03000509000000000000" pitchFamily="65" charset="-120"/>
-                <a:ea typeface="標楷體" panose="03000509000000000000" pitchFamily="65" charset="-120"/>
-              </a:rPr>
-              <a:t>pix2pix</a:t>
-            </a:r>
-            <a:r>
-              <a:rPr lang="zh-TW" altLang="en-US" sz="2000" dirty="0">
-                <a:latin typeface="標楷體" panose="03000509000000000000" pitchFamily="65" charset="-120"/>
-                <a:ea typeface="標楷體" panose="03000509000000000000" pitchFamily="65" charset="-120"/>
-              </a:rPr>
-              <a:t>模型生成矯正圖片</a:t>
-            </a:r>
-            <a:endParaRPr lang="en-US" altLang="zh-TW" sz="2000" dirty="0">
-              <a:latin typeface="標楷體" panose="03000509000000000000" pitchFamily="65" charset="-120"/>
-              <a:ea typeface="標楷體" panose="03000509000000000000" pitchFamily="65" charset="-120"/>
-            </a:endParaRPr>
-          </a:p>
-          <a:p>
-            <a:pPr marL="457200" lvl="1" indent="0">
-              <a:buNone/>
-            </a:pPr>
-            <a:r>
-              <a:rPr lang="zh-TW" altLang="en-US" sz="2000" dirty="0">
-                <a:latin typeface="標楷體" panose="03000509000000000000" pitchFamily="65" charset="-120"/>
-                <a:ea typeface="標楷體" panose="03000509000000000000" pitchFamily="65" charset="-120"/>
-              </a:rPr>
-              <a:t>  </a:t>
-            </a:r>
-            <a:r>
-              <a:rPr lang="en-US" altLang="zh-TW" sz="2000" dirty="0">
-                <a:latin typeface="標楷體" panose="03000509000000000000" pitchFamily="65" charset="-120"/>
-                <a:ea typeface="標楷體" panose="03000509000000000000" pitchFamily="65" charset="-120"/>
-              </a:rPr>
-              <a:t>LSTM</a:t>
-            </a:r>
-            <a:r>
-              <a:rPr lang="zh-TW" altLang="en-US" sz="2000" dirty="0">
-                <a:latin typeface="標楷體" panose="03000509000000000000" pitchFamily="65" charset="-120"/>
-                <a:ea typeface="標楷體" panose="03000509000000000000" pitchFamily="65" charset="-120"/>
-              </a:rPr>
-              <a:t>及</a:t>
-            </a:r>
-            <a:r>
-              <a:rPr lang="en-US" altLang="zh-TW" sz="2000" dirty="0">
-                <a:latin typeface="標楷體" panose="03000509000000000000" pitchFamily="65" charset="-120"/>
-                <a:ea typeface="標楷體" panose="03000509000000000000" pitchFamily="65" charset="-120"/>
-              </a:rPr>
-              <a:t>pix2pix</a:t>
-            </a:r>
-            <a:r>
-              <a:rPr lang="zh-TW" altLang="en-US" sz="2000" dirty="0">
-                <a:latin typeface="標楷體" panose="03000509000000000000" pitchFamily="65" charset="-120"/>
-                <a:ea typeface="標楷體" panose="03000509000000000000" pitchFamily="65" charset="-120"/>
-              </a:rPr>
-              <a:t>整合呈現</a:t>
-            </a:r>
-            <a:r>
-              <a:rPr lang="en-US" altLang="zh-TW" sz="2000" dirty="0">
-                <a:latin typeface="標楷體" panose="03000509000000000000" pitchFamily="65" charset="-120"/>
-                <a:ea typeface="標楷體" panose="03000509000000000000" pitchFamily="65" charset="-120"/>
-              </a:rPr>
-              <a:t>(10/9~11/20)</a:t>
-            </a:r>
-          </a:p>
-          <a:p>
-            <a:pPr marL="0" indent="0">
-              <a:buNone/>
-            </a:pPr>
+              <a:t>模型有達到我們預期的準確率，所以接下來會開始進行整合，預計下周能初步</a:t>
+            </a:r>
+            <a:r>
+              <a:rPr lang="en-US" altLang="zh-TW" dirty="0">
+                <a:latin typeface="標楷體" panose="03000509000000000000" pitchFamily="65" charset="-120"/>
+                <a:ea typeface="標楷體" panose="03000509000000000000" pitchFamily="65" charset="-120"/>
+              </a:rPr>
+              <a:t>demo</a:t>
+            </a:r>
             <a:r>
               <a:rPr lang="zh-TW" altLang="en-US" dirty="0">
                 <a:latin typeface="標楷體" panose="03000509000000000000" pitchFamily="65" charset="-120"/>
                 <a:ea typeface="標楷體" panose="03000509000000000000" pitchFamily="65" charset="-120"/>
               </a:rPr>
-              <a:t>  </a:t>
-            </a:r>
-            <a:r>
-              <a:rPr lang="en-US" altLang="zh-TW" sz="2400" dirty="0">
-                <a:latin typeface="標楷體" panose="03000509000000000000" pitchFamily="65" charset="-120"/>
-                <a:ea typeface="標楷體" panose="03000509000000000000" pitchFamily="65" charset="-120"/>
-              </a:rPr>
-              <a:t>Pix2pix</a:t>
-            </a:r>
-            <a:r>
-              <a:rPr lang="zh-TW" altLang="en-US" sz="2400" dirty="0">
-                <a:latin typeface="標楷體" panose="03000509000000000000" pitchFamily="65" charset="-120"/>
-                <a:ea typeface="標楷體" panose="03000509000000000000" pitchFamily="65" charset="-120"/>
-              </a:rPr>
-              <a:t>加強</a:t>
-            </a:r>
-            <a:r>
-              <a:rPr lang="en-US" altLang="zh-TW" sz="2400" dirty="0">
-                <a:latin typeface="標楷體" panose="03000509000000000000" pitchFamily="65" charset="-120"/>
-                <a:ea typeface="標楷體" panose="03000509000000000000" pitchFamily="65" charset="-120"/>
-              </a:rPr>
-              <a:t>(Now~11/15)</a:t>
-            </a:r>
-          </a:p>
-          <a:p>
-            <a:pPr lvl="1">
-              <a:buFont typeface="Wingdings" panose="05000000000000000000" pitchFamily="2" charset="2"/>
-              <a:buChar char="Ø"/>
-            </a:pPr>
-            <a:r>
-              <a:rPr lang="zh-TW" altLang="en-US" sz="2000" dirty="0">
-                <a:latin typeface="標楷體" panose="03000509000000000000" pitchFamily="65" charset="-120"/>
-                <a:ea typeface="標楷體" panose="03000509000000000000" pitchFamily="65" charset="-120"/>
-              </a:rPr>
-              <a:t>每週擴充資料集以進行訓練</a:t>
-            </a:r>
-            <a:endParaRPr lang="en-US" altLang="zh-TW" sz="2000" dirty="0">
-              <a:latin typeface="標楷體" panose="03000509000000000000" pitchFamily="65" charset="-120"/>
-              <a:ea typeface="標楷體" panose="03000509000000000000" pitchFamily="65" charset="-120"/>
-            </a:endParaRPr>
-          </a:p>
-          <a:p>
-            <a:pPr marL="0" indent="0">
-              <a:buNone/>
-            </a:pPr>
-            <a:endParaRPr lang="en-US" altLang="zh-TW" sz="2400" dirty="0">
-              <a:latin typeface="標楷體" panose="03000509000000000000" pitchFamily="65" charset="-120"/>
-              <a:ea typeface="標楷體" panose="03000509000000000000" pitchFamily="65" charset="-120"/>
-            </a:endParaRPr>
-          </a:p>
-          <a:p>
-            <a:pPr>
-              <a:buFont typeface="Wingdings" panose="05000000000000000000" pitchFamily="2" charset="2"/>
-              <a:buChar char="ü"/>
-            </a:pPr>
-            <a:r>
-              <a:rPr lang="zh-TW" altLang="en-US" sz="2000" dirty="0">
-                <a:latin typeface="標楷體" panose="03000509000000000000" pitchFamily="65" charset="-120"/>
-                <a:ea typeface="標楷體" panose="03000509000000000000" pitchFamily="65" charset="-120"/>
-              </a:rPr>
-              <a:t> </a:t>
-            </a:r>
-            <a:r>
-              <a:rPr lang="zh-TW" altLang="en-US" sz="2400" dirty="0">
-                <a:latin typeface="標楷體" panose="03000509000000000000" pitchFamily="65" charset="-120"/>
-                <a:ea typeface="標楷體" panose="03000509000000000000" pitchFamily="65" charset="-120"/>
-              </a:rPr>
-              <a:t>摘要、海報製作</a:t>
-            </a:r>
-            <a:r>
-              <a:rPr lang="en-US" altLang="zh-TW" sz="2400" dirty="0">
-                <a:latin typeface="標楷體" panose="03000509000000000000" pitchFamily="65" charset="-120"/>
-                <a:ea typeface="標楷體" panose="03000509000000000000" pitchFamily="65" charset="-120"/>
-              </a:rPr>
-              <a:t>(Now~11/1)</a:t>
-            </a:r>
-          </a:p>
-          <a:p>
-            <a:pPr marL="0" indent="0">
-              <a:buNone/>
-            </a:pPr>
-            <a:r>
-              <a:rPr lang="zh-TW" altLang="en-US" sz="2400" dirty="0">
-                <a:latin typeface="標楷體" panose="03000509000000000000" pitchFamily="65" charset="-120"/>
-                <a:ea typeface="標楷體" panose="03000509000000000000" pitchFamily="65" charset="-120"/>
-              </a:rPr>
-              <a:t>  簡報、影片製作</a:t>
-            </a:r>
-            <a:r>
-              <a:rPr lang="en-US" altLang="zh-TW" sz="2400" dirty="0">
-                <a:latin typeface="標楷體" panose="03000509000000000000" pitchFamily="65" charset="-120"/>
-                <a:ea typeface="標楷體" panose="03000509000000000000" pitchFamily="65" charset="-120"/>
-              </a:rPr>
-              <a:t>(Now~11/30)</a:t>
-            </a:r>
-          </a:p>
-          <a:p>
-            <a:pPr marL="0" indent="0">
-              <a:buNone/>
-            </a:pPr>
-            <a:endParaRPr lang="zh-TW" altLang="en-US" sz="2400" dirty="0">
-              <a:latin typeface="標楷體" panose="03000509000000000000" pitchFamily="65" charset="-120"/>
-              <a:ea typeface="標楷體" panose="03000509000000000000" pitchFamily="65" charset="-120"/>
-            </a:endParaRPr>
-          </a:p>
-        </p:txBody>
-      </p:sp>
-      <p:sp>
-        <p:nvSpPr>
-          <p:cNvPr id="7" name="矩形 6">
-            <a:extLst>
-              <a:ext uri="{FF2B5EF4-FFF2-40B4-BE49-F238E27FC236}">
-                <a16:creationId xmlns:a16="http://schemas.microsoft.com/office/drawing/2014/main" id="{84624658-F84F-129D-0780-B9C344DE40DE}"/>
-              </a:ext>
-            </a:extLst>
-          </p:cNvPr>
-          <p:cNvSpPr/>
-          <p:nvPr/>
-        </p:nvSpPr>
-        <p:spPr>
-          <a:xfrm>
-            <a:off x="1375794" y="4587380"/>
-            <a:ext cx="184558" cy="184558"/>
-          </a:xfrm>
-          <a:prstGeom prst="rect">
-            <a:avLst/>
-          </a:prstGeom>
-          <a:solidFill>
-            <a:schemeClr val="bg1"/>
-          </a:solidFill>
-        </p:spPr>
-        <p:style>
-          <a:lnRef idx="2">
-            <a:schemeClr val="dk1">
-              <a:shade val="15000"/>
-            </a:schemeClr>
-          </a:lnRef>
-          <a:fillRef idx="1">
-            <a:schemeClr val="dk1"/>
-          </a:fillRef>
-          <a:effectRef idx="0">
-            <a:schemeClr val="dk1"/>
-          </a:effectRef>
-          <a:fontRef idx="minor">
-            <a:schemeClr val="lt1"/>
-          </a:fontRef>
-        </p:style>
-        <p:txBody>
-          <a:bodyPr rtlCol="0" anchor="ctr"/>
-          <a:lstStyle/>
-          <a:p>
-            <a:pPr algn="ctr"/>
-            <a:endParaRPr lang="zh-TW" altLang="en-US" dirty="0"/>
-          </a:p>
-        </p:txBody>
-      </p:sp>
-      <p:sp>
-        <p:nvSpPr>
-          <p:cNvPr id="9" name="矩形 8">
-            <a:extLst>
-              <a:ext uri="{FF2B5EF4-FFF2-40B4-BE49-F238E27FC236}">
-                <a16:creationId xmlns:a16="http://schemas.microsoft.com/office/drawing/2014/main" id="{85AD98D3-CAAE-7C68-8185-B33A032182DD}"/>
-              </a:ext>
-            </a:extLst>
-          </p:cNvPr>
-          <p:cNvSpPr/>
-          <p:nvPr/>
-        </p:nvSpPr>
-        <p:spPr>
-          <a:xfrm>
-            <a:off x="982910" y="2001794"/>
-            <a:ext cx="184558" cy="184558"/>
-          </a:xfrm>
-          <a:prstGeom prst="rect">
-            <a:avLst/>
-          </a:prstGeom>
-          <a:solidFill>
-            <a:schemeClr val="bg1"/>
-          </a:solidFill>
-        </p:spPr>
-        <p:style>
-          <a:lnRef idx="2">
-            <a:schemeClr val="dk1">
-              <a:shade val="15000"/>
-            </a:schemeClr>
-          </a:lnRef>
-          <a:fillRef idx="1">
-            <a:schemeClr val="dk1"/>
-          </a:fillRef>
-          <a:effectRef idx="0">
-            <a:schemeClr val="dk1"/>
-          </a:effectRef>
-          <a:fontRef idx="minor">
-            <a:schemeClr val="lt1"/>
-          </a:fontRef>
-        </p:style>
-        <p:txBody>
-          <a:bodyPr rtlCol="0" anchor="ctr"/>
-          <a:lstStyle/>
-          <a:p>
-            <a:pPr algn="ctr"/>
-            <a:endParaRPr lang="zh-TW" altLang="en-US"/>
-          </a:p>
-        </p:txBody>
-      </p:sp>
-      <p:sp>
-        <p:nvSpPr>
-          <p:cNvPr id="10" name="矩形 9">
-            <a:extLst>
-              <a:ext uri="{FF2B5EF4-FFF2-40B4-BE49-F238E27FC236}">
-                <a16:creationId xmlns:a16="http://schemas.microsoft.com/office/drawing/2014/main" id="{71D1AE90-5374-1694-01E8-46EBF205B8D2}"/>
-              </a:ext>
-            </a:extLst>
-          </p:cNvPr>
-          <p:cNvSpPr/>
-          <p:nvPr/>
-        </p:nvSpPr>
-        <p:spPr>
-          <a:xfrm>
-            <a:off x="982910" y="2540087"/>
-            <a:ext cx="184558" cy="184558"/>
-          </a:xfrm>
-          <a:prstGeom prst="rect">
-            <a:avLst/>
-          </a:prstGeom>
-          <a:solidFill>
-            <a:schemeClr val="bg1"/>
-          </a:solidFill>
-        </p:spPr>
-        <p:style>
-          <a:lnRef idx="2">
-            <a:schemeClr val="dk1">
-              <a:shade val="15000"/>
-            </a:schemeClr>
-          </a:lnRef>
-          <a:fillRef idx="1">
-            <a:schemeClr val="dk1"/>
-          </a:fillRef>
-          <a:effectRef idx="0">
-            <a:schemeClr val="dk1"/>
-          </a:effectRef>
-          <a:fontRef idx="minor">
-            <a:schemeClr val="lt1"/>
-          </a:fontRef>
-        </p:style>
-        <p:txBody>
-          <a:bodyPr rtlCol="0" anchor="ctr"/>
-          <a:lstStyle/>
-          <a:p>
-            <a:pPr algn="ctr"/>
-            <a:endParaRPr lang="zh-TW" altLang="en-US"/>
-          </a:p>
-        </p:txBody>
-      </p:sp>
-      <p:sp>
-        <p:nvSpPr>
-          <p:cNvPr id="11" name="矩形 10">
-            <a:extLst>
-              <a:ext uri="{FF2B5EF4-FFF2-40B4-BE49-F238E27FC236}">
-                <a16:creationId xmlns:a16="http://schemas.microsoft.com/office/drawing/2014/main" id="{ADB5E317-CDEE-AE69-E22D-523994DE6934}"/>
-              </a:ext>
-            </a:extLst>
-          </p:cNvPr>
-          <p:cNvSpPr/>
-          <p:nvPr/>
-        </p:nvSpPr>
-        <p:spPr>
-          <a:xfrm>
-            <a:off x="992697" y="5048775"/>
-            <a:ext cx="184558" cy="184558"/>
-          </a:xfrm>
-          <a:prstGeom prst="rect">
-            <a:avLst/>
-          </a:prstGeom>
-          <a:solidFill>
-            <a:schemeClr val="bg1"/>
-          </a:solidFill>
-        </p:spPr>
-        <p:style>
-          <a:lnRef idx="2">
-            <a:schemeClr val="dk1">
-              <a:shade val="15000"/>
-            </a:schemeClr>
-          </a:lnRef>
-          <a:fillRef idx="1">
-            <a:schemeClr val="dk1"/>
-          </a:fillRef>
-          <a:effectRef idx="0">
-            <a:schemeClr val="dk1"/>
-          </a:effectRef>
-          <a:fontRef idx="minor">
-            <a:schemeClr val="lt1"/>
-          </a:fontRef>
-        </p:style>
-        <p:txBody>
-          <a:bodyPr rtlCol="0" anchor="ctr"/>
-          <a:lstStyle/>
-          <a:p>
-            <a:pPr algn="ctr"/>
-            <a:endParaRPr lang="zh-TW" altLang="en-US"/>
-          </a:p>
-        </p:txBody>
-      </p:sp>
-      <p:sp>
-        <p:nvSpPr>
-          <p:cNvPr id="5" name="矩形 4">
-            <a:extLst>
-              <a:ext uri="{FF2B5EF4-FFF2-40B4-BE49-F238E27FC236}">
-                <a16:creationId xmlns:a16="http://schemas.microsoft.com/office/drawing/2014/main" id="{C53E1BEB-CDA9-B728-1849-C9D4C027012E}"/>
-              </a:ext>
-            </a:extLst>
-          </p:cNvPr>
-          <p:cNvSpPr/>
-          <p:nvPr/>
-        </p:nvSpPr>
-        <p:spPr>
-          <a:xfrm>
-            <a:off x="6112429" y="2513143"/>
-            <a:ext cx="184558" cy="184558"/>
-          </a:xfrm>
-          <a:prstGeom prst="rect">
-            <a:avLst/>
-          </a:prstGeom>
-          <a:solidFill>
-            <a:schemeClr val="bg1"/>
-          </a:solidFill>
-        </p:spPr>
-        <p:style>
-          <a:lnRef idx="2">
-            <a:schemeClr val="dk1">
-              <a:shade val="15000"/>
-            </a:schemeClr>
-          </a:lnRef>
-          <a:fillRef idx="1">
-            <a:schemeClr val="dk1"/>
-          </a:fillRef>
-          <a:effectRef idx="0">
-            <a:schemeClr val="dk1"/>
-          </a:effectRef>
-          <a:fontRef idx="minor">
-            <a:schemeClr val="lt1"/>
-          </a:fontRef>
-        </p:style>
-        <p:txBody>
-          <a:bodyPr rtlCol="0" anchor="ctr"/>
-          <a:lstStyle/>
-          <a:p>
-            <a:pPr algn="ctr"/>
-            <a:endParaRPr lang="zh-TW" altLang="en-US"/>
-          </a:p>
-        </p:txBody>
-      </p:sp>
-      <p:sp>
-        <p:nvSpPr>
-          <p:cNvPr id="8" name="矩形 7">
-            <a:extLst>
-              <a:ext uri="{FF2B5EF4-FFF2-40B4-BE49-F238E27FC236}">
-                <a16:creationId xmlns:a16="http://schemas.microsoft.com/office/drawing/2014/main" id="{695CBF53-8009-E1E0-E8E9-1A9873D9B2F7}"/>
-              </a:ext>
-            </a:extLst>
-          </p:cNvPr>
-          <p:cNvSpPr/>
-          <p:nvPr/>
-        </p:nvSpPr>
-        <p:spPr>
-          <a:xfrm>
-            <a:off x="1375794" y="4242718"/>
-            <a:ext cx="184558" cy="184558"/>
-          </a:xfrm>
-          <a:prstGeom prst="rect">
-            <a:avLst/>
-          </a:prstGeom>
-          <a:solidFill>
-            <a:schemeClr val="bg1"/>
-          </a:solidFill>
-        </p:spPr>
-        <p:style>
-          <a:lnRef idx="2">
-            <a:schemeClr val="dk1">
-              <a:shade val="15000"/>
-            </a:schemeClr>
-          </a:lnRef>
-          <a:fillRef idx="1">
-            <a:schemeClr val="dk1"/>
-          </a:fillRef>
-          <a:effectRef idx="0">
-            <a:schemeClr val="dk1"/>
-          </a:effectRef>
-          <a:fontRef idx="minor">
-            <a:schemeClr val="lt1"/>
-          </a:fontRef>
-        </p:style>
-        <p:txBody>
-          <a:bodyPr rtlCol="0" anchor="ctr"/>
-          <a:lstStyle/>
-          <a:p>
-            <a:pPr algn="ctr"/>
-            <a:endParaRPr lang="zh-TW" altLang="en-US" dirty="0"/>
+              <a:t>出在網頁上顯示姿勢判定的結果。</a:t>
+            </a:r>
           </a:p>
         </p:txBody>
       </p:sp>
@@ -5001,7 +4620,7 @@
           <p:cNvPr id="4" name="投影片編號版面配置區 3">
             <a:extLst>
               <a:ext uri="{FF2B5EF4-FFF2-40B4-BE49-F238E27FC236}">
-                <a16:creationId xmlns:a16="http://schemas.microsoft.com/office/drawing/2014/main" id="{A28534D7-8EC5-49DD-858A-36D1F65BE12C}"/>
+                <a16:creationId xmlns:a16="http://schemas.microsoft.com/office/drawing/2014/main" id="{B4225DF8-0E4A-45AD-4F0B-972C29F850FD}"/>
               </a:ext>
             </a:extLst>
           </p:cNvPr>
@@ -5019,7 +4638,7 @@
           <a:p>
             <a:fld id="{983C7559-4B51-43AB-8024-A24F832BBAF1}" type="slidenum">
               <a:rPr lang="zh-TW" altLang="en-US" smtClean="0"/>
-              <a:t>3</a:t>
+              <a:t>12</a:t>
             </a:fld>
             <a:endParaRPr lang="zh-TW" altLang="en-US"/>
           </a:p>
@@ -5028,7 +4647,7 @@
     </p:spTree>
     <p:extLst>
       <p:ext uri="{BB962C8B-B14F-4D97-AF65-F5344CB8AC3E}">
-        <p14:creationId xmlns:p14="http://schemas.microsoft.com/office/powerpoint/2010/main" val="3540663340"/>
+        <p14:creationId xmlns:p14="http://schemas.microsoft.com/office/powerpoint/2010/main" val="3671043501"/>
       </p:ext>
     </p:extLst>
   </p:cSld>
@@ -5038,1162 +4657,8 @@
 </p:sld>
 </file>
 
-<file path=ppt/slides/slide4.xml><?xml version="1.0" encoding="utf-8"?>
-<p:sld xmlns:a="http://schemas.openxmlformats.org/drawingml/2006/main" xmlns:r="http://schemas.openxmlformats.org/officeDocument/2006/relationships" xmlns:p="http://schemas.openxmlformats.org/presentationml/2006/main">
-  <p:cSld>
-    <p:spTree>
-      <p:nvGrpSpPr>
-        <p:cNvPr id="1" name=""/>
-        <p:cNvGrpSpPr/>
-        <p:nvPr/>
-      </p:nvGrpSpPr>
-      <p:grpSpPr>
-        <a:xfrm>
-          <a:off x="0" y="0"/>
-          <a:ext cx="0" cy="0"/>
-          <a:chOff x="0" y="0"/>
-          <a:chExt cx="0" cy="0"/>
-        </a:xfrm>
-      </p:grpSpPr>
-      <p:sp>
-        <p:nvSpPr>
-          <p:cNvPr id="2" name="標題 1">
-            <a:extLst>
-              <a:ext uri="{FF2B5EF4-FFF2-40B4-BE49-F238E27FC236}">
-                <a16:creationId xmlns:a16="http://schemas.microsoft.com/office/drawing/2014/main" id="{1ECBA104-4648-E88C-B389-8FF99E77DD24}"/>
-              </a:ext>
-            </a:extLst>
-          </p:cNvPr>
-          <p:cNvSpPr>
-            <a:spLocks noGrp="1"/>
-          </p:cNvSpPr>
-          <p:nvPr>
-            <p:ph type="title"/>
-          </p:nvPr>
-        </p:nvSpPr>
-        <p:spPr/>
-        <p:txBody>
-          <a:bodyPr/>
-          <a:lstStyle/>
-          <a:p>
-            <a:pPr algn="ctr"/>
-            <a:r>
-              <a:rPr lang="zh-TW" altLang="en-US" dirty="0">
-                <a:latin typeface="標楷體" panose="03000509000000000000" pitchFamily="65" charset="-120"/>
-                <a:ea typeface="標楷體" panose="03000509000000000000" pitchFamily="65" charset="-120"/>
-              </a:rPr>
-              <a:t>姿勢判定模型資料集蒐集方式</a:t>
-            </a:r>
-          </a:p>
-        </p:txBody>
-      </p:sp>
-      <p:sp>
-        <p:nvSpPr>
-          <p:cNvPr id="8" name="內容版面配置區 7">
-            <a:extLst>
-              <a:ext uri="{FF2B5EF4-FFF2-40B4-BE49-F238E27FC236}">
-                <a16:creationId xmlns:a16="http://schemas.microsoft.com/office/drawing/2014/main" id="{3CC5F529-E7E7-930F-6185-FFE90C766136}"/>
-              </a:ext>
-            </a:extLst>
-          </p:cNvPr>
-          <p:cNvSpPr>
-            <a:spLocks noGrp="1"/>
-          </p:cNvSpPr>
-          <p:nvPr>
-            <p:ph idx="1"/>
-          </p:nvPr>
-        </p:nvSpPr>
-        <p:spPr/>
-        <p:txBody>
-          <a:bodyPr>
-            <a:normAutofit/>
-          </a:bodyPr>
-          <a:lstStyle/>
-          <a:p>
-            <a:r>
-              <a:rPr lang="zh-TW" altLang="en-US" dirty="0">
-                <a:solidFill>
-                  <a:srgbClr val="FF0000"/>
-                </a:solidFill>
-                <a:latin typeface="標楷體" panose="03000509000000000000" pitchFamily="65" charset="-120"/>
-                <a:ea typeface="標楷體" panose="03000509000000000000" pitchFamily="65" charset="-120"/>
-              </a:rPr>
-              <a:t>標準</a:t>
-            </a:r>
-            <a:r>
-              <a:rPr lang="en-US" altLang="zh-TW" dirty="0">
-                <a:solidFill>
-                  <a:srgbClr val="FF0000"/>
-                </a:solidFill>
-                <a:latin typeface="標楷體" panose="03000509000000000000" pitchFamily="65" charset="-120"/>
-                <a:ea typeface="標楷體" panose="03000509000000000000" pitchFamily="65" charset="-120"/>
-              </a:rPr>
-              <a:t>_</a:t>
-            </a:r>
-            <a:r>
-              <a:rPr lang="zh-TW" altLang="en-US" dirty="0">
-                <a:solidFill>
-                  <a:srgbClr val="FF0000"/>
-                </a:solidFill>
-                <a:latin typeface="標楷體" panose="03000509000000000000" pitchFamily="65" charset="-120"/>
-                <a:ea typeface="標楷體" panose="03000509000000000000" pitchFamily="65" charset="-120"/>
-              </a:rPr>
-              <a:t>標準</a:t>
-            </a:r>
-            <a:r>
-              <a:rPr lang="zh-TW" altLang="en-US" dirty="0">
-                <a:latin typeface="標楷體" panose="03000509000000000000" pitchFamily="65" charset="-120"/>
-                <a:ea typeface="標楷體" panose="03000509000000000000" pitchFamily="65" charset="-120"/>
-              </a:rPr>
-              <a:t>：抓取網路上的影片素材</a:t>
-            </a:r>
-            <a:endParaRPr lang="en-US" altLang="zh-TW" dirty="0">
-              <a:latin typeface="標楷體" panose="03000509000000000000" pitchFamily="65" charset="-120"/>
-              <a:ea typeface="標楷體" panose="03000509000000000000" pitchFamily="65" charset="-120"/>
-            </a:endParaRPr>
-          </a:p>
-          <a:p>
-            <a:r>
-              <a:rPr lang="zh-TW" altLang="en-US" dirty="0">
-                <a:solidFill>
-                  <a:srgbClr val="FF0000"/>
-                </a:solidFill>
-                <a:latin typeface="標楷體" panose="03000509000000000000" pitchFamily="65" charset="-120"/>
-                <a:ea typeface="標楷體" panose="03000509000000000000" pitchFamily="65" charset="-120"/>
-              </a:rPr>
-              <a:t>其他八種深蹲類別</a:t>
-            </a:r>
-            <a:r>
-              <a:rPr lang="zh-TW" altLang="en-US" dirty="0">
-                <a:latin typeface="標楷體" panose="03000509000000000000" pitchFamily="65" charset="-120"/>
-                <a:ea typeface="標楷體" panose="03000509000000000000" pitchFamily="65" charset="-120"/>
-              </a:rPr>
-              <a:t>：自行錄製影片，分類都是先以標準姿勢為膝蓋與雙腳距離為</a:t>
-            </a:r>
-            <a:r>
-              <a:rPr lang="en-US" altLang="zh-TW" dirty="0">
-                <a:latin typeface="標楷體" panose="03000509000000000000" pitchFamily="65" charset="-120"/>
-                <a:ea typeface="標楷體" panose="03000509000000000000" pitchFamily="65" charset="-120"/>
-              </a:rPr>
-              <a:t>1.4</a:t>
-            </a:r>
-            <a:r>
-              <a:rPr lang="zh-TW" altLang="en-US" dirty="0">
-                <a:latin typeface="標楷體" panose="03000509000000000000" pitchFamily="65" charset="-120"/>
-                <a:ea typeface="標楷體" panose="03000509000000000000" pitchFamily="65" charset="-120"/>
-              </a:rPr>
-              <a:t>倍肩寬為標準</a:t>
-            </a:r>
-            <a:br>
-              <a:rPr lang="en-US" altLang="zh-TW" dirty="0">
-                <a:latin typeface="標楷體" panose="03000509000000000000" pitchFamily="65" charset="-120"/>
-                <a:ea typeface="標楷體" panose="03000509000000000000" pitchFamily="65" charset="-120"/>
-              </a:rPr>
-            </a:br>
-            <a:r>
-              <a:rPr lang="zh-TW" altLang="en-US" dirty="0">
-                <a:latin typeface="標楷體" panose="03000509000000000000" pitchFamily="65" charset="-120"/>
-                <a:ea typeface="標楷體" panose="03000509000000000000" pitchFamily="65" charset="-120"/>
-              </a:rPr>
-              <a:t>例如製作過寬</a:t>
-            </a:r>
-            <a:r>
-              <a:rPr lang="en-US" altLang="zh-TW" dirty="0">
-                <a:latin typeface="標楷體" panose="03000509000000000000" pitchFamily="65" charset="-120"/>
-                <a:ea typeface="標楷體" panose="03000509000000000000" pitchFamily="65" charset="-120"/>
-              </a:rPr>
-              <a:t>_</a:t>
-            </a:r>
-            <a:r>
-              <a:rPr lang="zh-TW" altLang="en-US" dirty="0">
-                <a:latin typeface="標楷體" panose="03000509000000000000" pitchFamily="65" charset="-120"/>
-                <a:ea typeface="標楷體" panose="03000509000000000000" pitchFamily="65" charset="-120"/>
-              </a:rPr>
-              <a:t>過窄這類時，會以雙腳距離超過</a:t>
-            </a:r>
-            <a:r>
-              <a:rPr lang="en-US" altLang="zh-TW" dirty="0">
-                <a:latin typeface="標楷體" panose="03000509000000000000" pitchFamily="65" charset="-120"/>
-                <a:ea typeface="標楷體" panose="03000509000000000000" pitchFamily="65" charset="-120"/>
-              </a:rPr>
-              <a:t>1.4</a:t>
-            </a:r>
-            <a:r>
-              <a:rPr lang="zh-TW" altLang="en-US" dirty="0">
-                <a:latin typeface="標楷體" panose="03000509000000000000" pitchFamily="65" charset="-120"/>
-                <a:ea typeface="標楷體" panose="03000509000000000000" pitchFamily="65" charset="-120"/>
-              </a:rPr>
-              <a:t>倍肩寬、膝蓋       距離小於</a:t>
-            </a:r>
-            <a:r>
-              <a:rPr lang="en-US" altLang="zh-TW" dirty="0">
-                <a:latin typeface="標楷體" panose="03000509000000000000" pitchFamily="65" charset="-120"/>
-                <a:ea typeface="標楷體" panose="03000509000000000000" pitchFamily="65" charset="-120"/>
-              </a:rPr>
-              <a:t>1.4</a:t>
-            </a:r>
-            <a:r>
-              <a:rPr lang="zh-TW" altLang="en-US" dirty="0">
-                <a:latin typeface="標楷體" panose="03000509000000000000" pitchFamily="65" charset="-120"/>
-                <a:ea typeface="標楷體" panose="03000509000000000000" pitchFamily="65" charset="-120"/>
-              </a:rPr>
-              <a:t>倍肩寬的姿勢來進行動作</a:t>
-            </a:r>
-            <a:endParaRPr lang="en-US" altLang="zh-TW" dirty="0">
-              <a:latin typeface="標楷體" panose="03000509000000000000" pitchFamily="65" charset="-120"/>
-              <a:ea typeface="標楷體" panose="03000509000000000000" pitchFamily="65" charset="-120"/>
-            </a:endParaRPr>
-          </a:p>
-          <a:p>
-            <a:r>
-              <a:rPr lang="zh-TW" altLang="en-US" dirty="0">
-                <a:solidFill>
-                  <a:srgbClr val="FF0000"/>
-                </a:solidFill>
-                <a:latin typeface="標楷體" panose="03000509000000000000" pitchFamily="65" charset="-120"/>
-                <a:ea typeface="標楷體" panose="03000509000000000000" pitchFamily="65" charset="-120"/>
-              </a:rPr>
-              <a:t>問題</a:t>
-            </a:r>
-            <a:r>
-              <a:rPr lang="zh-TW" altLang="en-US" dirty="0">
-                <a:latin typeface="標楷體" panose="03000509000000000000" pitchFamily="65" charset="-120"/>
-                <a:ea typeface="標楷體" panose="03000509000000000000" pitchFamily="65" charset="-120"/>
-              </a:rPr>
-              <a:t>：因為資料集當中包含動作的全程，所以在蹲到最底的過程中膝蓋距離會逐漸變大，就會導致誤判</a:t>
-            </a:r>
-            <a:br>
-              <a:rPr lang="en-US" altLang="zh-TW" dirty="0">
-                <a:latin typeface="標楷體" panose="03000509000000000000" pitchFamily="65" charset="-120"/>
-                <a:ea typeface="標楷體" panose="03000509000000000000" pitchFamily="65" charset="-120"/>
-              </a:rPr>
-            </a:br>
-            <a:r>
-              <a:rPr lang="zh-TW" altLang="en-US" dirty="0">
-                <a:latin typeface="標楷體" panose="03000509000000000000" pitchFamily="65" charset="-120"/>
-                <a:ea typeface="標楷體" panose="03000509000000000000" pitchFamily="65" charset="-120"/>
-              </a:rPr>
-              <a:t>例如在過寬</a:t>
-            </a:r>
-            <a:r>
-              <a:rPr lang="en-US" altLang="zh-TW" dirty="0">
-                <a:latin typeface="標楷體" panose="03000509000000000000" pitchFamily="65" charset="-120"/>
-                <a:ea typeface="標楷體" panose="03000509000000000000" pitchFamily="65" charset="-120"/>
-              </a:rPr>
-              <a:t>_</a:t>
-            </a:r>
-            <a:r>
-              <a:rPr lang="zh-TW" altLang="en-US" dirty="0">
-                <a:latin typeface="標楷體" panose="03000509000000000000" pitchFamily="65" charset="-120"/>
-                <a:ea typeface="標楷體" panose="03000509000000000000" pitchFamily="65" charset="-120"/>
-              </a:rPr>
-              <a:t>過寬這類，在完全站立時的姿勢可能比較貼近過寬</a:t>
-            </a:r>
-            <a:r>
-              <a:rPr lang="en-US" altLang="zh-TW" dirty="0">
-                <a:latin typeface="標楷體" panose="03000509000000000000" pitchFamily="65" charset="-120"/>
-                <a:ea typeface="標楷體" panose="03000509000000000000" pitchFamily="65" charset="-120"/>
-              </a:rPr>
-              <a:t>_</a:t>
-            </a:r>
-            <a:r>
-              <a:rPr lang="zh-TW" altLang="en-US" dirty="0">
-                <a:latin typeface="標楷體" panose="03000509000000000000" pitchFamily="65" charset="-120"/>
-                <a:ea typeface="標楷體" panose="03000509000000000000" pitchFamily="65" charset="-120"/>
-              </a:rPr>
-              <a:t>標準，在蹲下去的過程中膝蓋才會慢慢打開變成過寬</a:t>
-            </a:r>
-            <a:br>
-              <a:rPr lang="en-US" altLang="zh-TW" dirty="0">
-                <a:latin typeface="標楷體" panose="03000509000000000000" pitchFamily="65" charset="-120"/>
-                <a:ea typeface="標楷體" panose="03000509000000000000" pitchFamily="65" charset="-120"/>
-              </a:rPr>
-            </a:br>
-            <a:endParaRPr lang="zh-TW" altLang="en-US" dirty="0">
-              <a:latin typeface="標楷體" panose="03000509000000000000" pitchFamily="65" charset="-120"/>
-              <a:ea typeface="標楷體" panose="03000509000000000000" pitchFamily="65" charset="-120"/>
-            </a:endParaRPr>
-          </a:p>
-        </p:txBody>
-      </p:sp>
-      <p:sp>
-        <p:nvSpPr>
-          <p:cNvPr id="3" name="投影片編號版面配置區 2">
-            <a:extLst>
-              <a:ext uri="{FF2B5EF4-FFF2-40B4-BE49-F238E27FC236}">
-                <a16:creationId xmlns:a16="http://schemas.microsoft.com/office/drawing/2014/main" id="{9BC4C3FB-98F7-5918-58E8-53F52D6B14FF}"/>
-              </a:ext>
-            </a:extLst>
-          </p:cNvPr>
-          <p:cNvSpPr>
-            <a:spLocks noGrp="1"/>
-          </p:cNvSpPr>
-          <p:nvPr>
-            <p:ph type="sldNum" sz="quarter" idx="12"/>
-          </p:nvPr>
-        </p:nvSpPr>
-        <p:spPr/>
-        <p:txBody>
-          <a:bodyPr/>
-          <a:lstStyle/>
-          <a:p>
-            <a:fld id="{983C7559-4B51-43AB-8024-A24F832BBAF1}" type="slidenum">
-              <a:rPr lang="zh-TW" altLang="en-US" smtClean="0"/>
-              <a:t>4</a:t>
-            </a:fld>
-            <a:endParaRPr lang="zh-TW" altLang="en-US"/>
-          </a:p>
-        </p:txBody>
-      </p:sp>
-    </p:spTree>
-    <p:extLst>
-      <p:ext uri="{BB962C8B-B14F-4D97-AF65-F5344CB8AC3E}">
-        <p14:creationId xmlns:p14="http://schemas.microsoft.com/office/powerpoint/2010/main" val="182873268"/>
-      </p:ext>
-    </p:extLst>
-  </p:cSld>
-  <p:clrMapOvr>
-    <a:masterClrMapping/>
-  </p:clrMapOvr>
-</p:sld>
-</file>
-
-<file path=ppt/slides/slide5.xml><?xml version="1.0" encoding="utf-8"?>
-<p:sld xmlns:a="http://schemas.openxmlformats.org/drawingml/2006/main" xmlns:r="http://schemas.openxmlformats.org/officeDocument/2006/relationships" xmlns:p="http://schemas.openxmlformats.org/presentationml/2006/main">
-  <p:cSld>
-    <p:spTree>
-      <p:nvGrpSpPr>
-        <p:cNvPr id="1" name=""/>
-        <p:cNvGrpSpPr/>
-        <p:nvPr/>
-      </p:nvGrpSpPr>
-      <p:grpSpPr>
-        <a:xfrm>
-          <a:off x="0" y="0"/>
-          <a:ext cx="0" cy="0"/>
-          <a:chOff x="0" y="0"/>
-          <a:chExt cx="0" cy="0"/>
-        </a:xfrm>
-      </p:grpSpPr>
-      <p:sp>
-        <p:nvSpPr>
-          <p:cNvPr id="2" name="標題 1">
-            <a:extLst>
-              <a:ext uri="{FF2B5EF4-FFF2-40B4-BE49-F238E27FC236}">
-                <a16:creationId xmlns:a16="http://schemas.microsoft.com/office/drawing/2014/main" id="{1387F97B-35AD-7296-3DD5-7B5AF83D5449}"/>
-              </a:ext>
-            </a:extLst>
-          </p:cNvPr>
-          <p:cNvSpPr>
-            <a:spLocks noGrp="1"/>
-          </p:cNvSpPr>
-          <p:nvPr>
-            <p:ph type="title"/>
-          </p:nvPr>
-        </p:nvSpPr>
-        <p:spPr/>
-        <p:txBody>
-          <a:bodyPr/>
-          <a:lstStyle/>
-          <a:p>
-            <a:pPr algn="ctr"/>
-            <a:r>
-              <a:rPr lang="zh-TW" altLang="en-US" dirty="0">
-                <a:latin typeface="標楷體" panose="03000509000000000000" pitchFamily="65" charset="-120"/>
-                <a:ea typeface="標楷體" panose="03000509000000000000" pitchFamily="65" charset="-120"/>
-              </a:rPr>
-              <a:t>嘗試的解決方法</a:t>
-            </a:r>
-          </a:p>
-        </p:txBody>
-      </p:sp>
-      <p:sp>
-        <p:nvSpPr>
-          <p:cNvPr id="4" name="內容版面配置區 3">
-            <a:extLst>
-              <a:ext uri="{FF2B5EF4-FFF2-40B4-BE49-F238E27FC236}">
-                <a16:creationId xmlns:a16="http://schemas.microsoft.com/office/drawing/2014/main" id="{FA3F2612-26D3-C0D1-797E-8C7932C6C0A8}"/>
-              </a:ext>
-            </a:extLst>
-          </p:cNvPr>
-          <p:cNvSpPr txBox="1">
-            <a:spLocks noGrp="1"/>
-          </p:cNvSpPr>
-          <p:nvPr>
-            <p:ph idx="1"/>
-          </p:nvPr>
-        </p:nvSpPr>
-        <p:spPr>
-          <a:xfrm>
-            <a:off x="838200" y="1825625"/>
-            <a:ext cx="10515600" cy="2343206"/>
-          </a:xfrm>
-          <a:prstGeom prst="rect">
-            <a:avLst/>
-          </a:prstGeom>
-          <a:noFill/>
-        </p:spPr>
-        <p:txBody>
-          <a:bodyPr wrap="square" rtlCol="0">
-            <a:spAutoFit/>
-          </a:bodyPr>
-          <a:lstStyle/>
-          <a:p>
-            <a:pPr marL="342900" indent="-342900">
-              <a:buFont typeface="Arial" panose="020B0604020202020204" pitchFamily="34" charset="0"/>
-              <a:buChar char="•"/>
-            </a:pPr>
-            <a:r>
-              <a:rPr lang="zh-TW" altLang="en-US" sz="2400" dirty="0">
-                <a:latin typeface="標楷體" panose="03000509000000000000" pitchFamily="65" charset="-120"/>
-                <a:ea typeface="標楷體" panose="03000509000000000000" pitchFamily="65" charset="-120"/>
-              </a:rPr>
-              <a:t>觀察</a:t>
-            </a:r>
-            <a:r>
-              <a:rPr lang="en-US" altLang="zh-TW" sz="2400" dirty="0">
-                <a:solidFill>
-                  <a:srgbClr val="FF0000"/>
-                </a:solidFill>
-                <a:latin typeface="標楷體" panose="03000509000000000000" pitchFamily="65" charset="-120"/>
-                <a:ea typeface="標楷體" panose="03000509000000000000" pitchFamily="65" charset="-120"/>
-              </a:rPr>
-              <a:t>8</a:t>
-            </a:r>
-            <a:r>
-              <a:rPr lang="zh-TW" altLang="en-US" sz="2400" dirty="0">
-                <a:solidFill>
-                  <a:srgbClr val="FF0000"/>
-                </a:solidFill>
-                <a:latin typeface="標楷體" panose="03000509000000000000" pitchFamily="65" charset="-120"/>
-                <a:ea typeface="標楷體" panose="03000509000000000000" pitchFamily="65" charset="-120"/>
-              </a:rPr>
-              <a:t>號節點</a:t>
-            </a:r>
-            <a:r>
-              <a:rPr lang="zh-TW" altLang="en-US" sz="2400" dirty="0">
-                <a:latin typeface="標楷體" panose="03000509000000000000" pitchFamily="65" charset="-120"/>
-                <a:ea typeface="標楷體" panose="03000509000000000000" pitchFamily="65" charset="-120"/>
-              </a:rPr>
-              <a:t>的</a:t>
-            </a:r>
-            <a:r>
-              <a:rPr lang="en-US" altLang="zh-TW" sz="2400" dirty="0">
-                <a:solidFill>
-                  <a:srgbClr val="FF0000"/>
-                </a:solidFill>
-                <a:latin typeface="標楷體" panose="03000509000000000000" pitchFamily="65" charset="-120"/>
-                <a:ea typeface="標楷體" panose="03000509000000000000" pitchFamily="65" charset="-120"/>
-              </a:rPr>
-              <a:t>y</a:t>
-            </a:r>
-            <a:r>
-              <a:rPr lang="zh-TW" altLang="en-US" sz="2400" dirty="0">
-                <a:solidFill>
-                  <a:srgbClr val="FF0000"/>
-                </a:solidFill>
-                <a:latin typeface="標楷體" panose="03000509000000000000" pitchFamily="65" charset="-120"/>
-                <a:ea typeface="標楷體" panose="03000509000000000000" pitchFamily="65" charset="-120"/>
-              </a:rPr>
-              <a:t>軸座標</a:t>
-            </a:r>
-            <a:r>
-              <a:rPr lang="en-US" altLang="zh-TW" sz="2400" dirty="0">
-                <a:solidFill>
-                  <a:srgbClr val="FF0000"/>
-                </a:solidFill>
-                <a:latin typeface="標楷體" panose="03000509000000000000" pitchFamily="65" charset="-120"/>
-                <a:ea typeface="標楷體" panose="03000509000000000000" pitchFamily="65" charset="-120"/>
-              </a:rPr>
-              <a:t>(</a:t>
-            </a:r>
-            <a:r>
-              <a:rPr lang="zh-TW" altLang="en-US" sz="2400" dirty="0">
-                <a:solidFill>
-                  <a:srgbClr val="FF0000"/>
-                </a:solidFill>
-                <a:latin typeface="標楷體" panose="03000509000000000000" pitchFamily="65" charset="-120"/>
-                <a:ea typeface="標楷體" panose="03000509000000000000" pitchFamily="65" charset="-120"/>
-              </a:rPr>
-              <a:t>數字越大越下面</a:t>
-            </a:r>
-            <a:r>
-              <a:rPr lang="en-US" altLang="zh-TW" sz="2400" dirty="0">
-                <a:solidFill>
-                  <a:srgbClr val="FF0000"/>
-                </a:solidFill>
-                <a:latin typeface="標楷體" panose="03000509000000000000" pitchFamily="65" charset="-120"/>
-                <a:ea typeface="標楷體" panose="03000509000000000000" pitchFamily="65" charset="-120"/>
-              </a:rPr>
-              <a:t>)</a:t>
-            </a:r>
-          </a:p>
-          <a:p>
-            <a:endParaRPr lang="en-US" altLang="zh-TW" sz="2400" dirty="0">
-              <a:latin typeface="標楷體" panose="03000509000000000000" pitchFamily="65" charset="-120"/>
-              <a:ea typeface="標楷體" panose="03000509000000000000" pitchFamily="65" charset="-120"/>
-            </a:endParaRPr>
-          </a:p>
-          <a:p>
-            <a:r>
-              <a:rPr lang="zh-TW" altLang="en-US" sz="2400" dirty="0">
-                <a:latin typeface="標楷體" panose="03000509000000000000" pitchFamily="65" charset="-120"/>
-                <a:ea typeface="標楷體" panose="03000509000000000000" pitchFamily="65" charset="-120"/>
-              </a:rPr>
-              <a:t>因為每個影片會逐幀輸出</a:t>
-            </a:r>
-            <a:r>
-              <a:rPr lang="en-US" altLang="zh-TW" sz="2400" dirty="0" err="1">
-                <a:latin typeface="標楷體" panose="03000509000000000000" pitchFamily="65" charset="-120"/>
-                <a:ea typeface="標楷體" panose="03000509000000000000" pitchFamily="65" charset="-120"/>
-              </a:rPr>
-              <a:t>json</a:t>
-            </a:r>
-            <a:r>
-              <a:rPr lang="zh-TW" altLang="en-US" sz="2400" dirty="0">
-                <a:latin typeface="標楷體" panose="03000509000000000000" pitchFamily="65" charset="-120"/>
-                <a:ea typeface="標楷體" panose="03000509000000000000" pitchFamily="65" charset="-120"/>
-              </a:rPr>
-              <a:t>檔，因此可以找出所有</a:t>
-            </a:r>
-            <a:br>
-              <a:rPr lang="en-US" altLang="zh-TW" sz="2400" dirty="0">
-                <a:latin typeface="標楷體" panose="03000509000000000000" pitchFamily="65" charset="-120"/>
-                <a:ea typeface="標楷體" panose="03000509000000000000" pitchFamily="65" charset="-120"/>
-              </a:rPr>
-            </a:br>
-            <a:r>
-              <a:rPr lang="en-US" altLang="zh-TW" sz="2400" dirty="0" err="1">
-                <a:latin typeface="標楷體" panose="03000509000000000000" pitchFamily="65" charset="-120"/>
-                <a:ea typeface="標楷體" panose="03000509000000000000" pitchFamily="65" charset="-120"/>
-              </a:rPr>
-              <a:t>json</a:t>
-            </a:r>
-            <a:r>
-              <a:rPr lang="zh-TW" altLang="en-US" sz="2400" dirty="0">
-                <a:latin typeface="標楷體" panose="03000509000000000000" pitchFamily="65" charset="-120"/>
-                <a:ea typeface="標楷體" panose="03000509000000000000" pitchFamily="65" charset="-120"/>
-              </a:rPr>
-              <a:t>檔中</a:t>
-            </a:r>
-            <a:r>
-              <a:rPr lang="en-US" altLang="zh-TW" sz="2400" dirty="0">
-                <a:latin typeface="標楷體" panose="03000509000000000000" pitchFamily="65" charset="-120"/>
-                <a:ea typeface="標楷體" panose="03000509000000000000" pitchFamily="65" charset="-120"/>
-              </a:rPr>
-              <a:t>8</a:t>
-            </a:r>
-            <a:r>
-              <a:rPr lang="zh-TW" altLang="en-US" sz="2400" dirty="0">
-                <a:latin typeface="標楷體" panose="03000509000000000000" pitchFamily="65" charset="-120"/>
-                <a:ea typeface="標楷體" panose="03000509000000000000" pitchFamily="65" charset="-120"/>
-              </a:rPr>
-              <a:t>號節點的最小值，並將與最小值差</a:t>
-            </a:r>
-            <a:r>
-              <a:rPr lang="en-US" altLang="zh-TW" sz="2400" dirty="0">
-                <a:latin typeface="標楷體" panose="03000509000000000000" pitchFamily="65" charset="-120"/>
-                <a:ea typeface="標楷體" panose="03000509000000000000" pitchFamily="65" charset="-120"/>
-              </a:rPr>
-              <a:t>0.02</a:t>
-            </a:r>
-            <a:r>
-              <a:rPr lang="zh-TW" altLang="en-US" sz="2400" dirty="0">
-                <a:latin typeface="標楷體" panose="03000509000000000000" pitchFamily="65" charset="-120"/>
-                <a:ea typeface="標楷體" panose="03000509000000000000" pitchFamily="65" charset="-120"/>
-              </a:rPr>
-              <a:t>的</a:t>
-            </a:r>
-            <a:br>
-              <a:rPr lang="en-US" altLang="zh-TW" sz="2400" dirty="0">
-                <a:latin typeface="標楷體" panose="03000509000000000000" pitchFamily="65" charset="-120"/>
-                <a:ea typeface="標楷體" panose="03000509000000000000" pitchFamily="65" charset="-120"/>
-              </a:rPr>
-            </a:br>
-            <a:r>
-              <a:rPr lang="zh-TW" altLang="en-US" sz="2400" dirty="0">
-                <a:latin typeface="標楷體" panose="03000509000000000000" pitchFamily="65" charset="-120"/>
-                <a:ea typeface="標楷體" panose="03000509000000000000" pitchFamily="65" charset="-120"/>
-              </a:rPr>
-              <a:t>檔案刪除，讓模型只針對</a:t>
-            </a:r>
-            <a:r>
-              <a:rPr lang="zh-TW" altLang="en-US" sz="2400" dirty="0">
-                <a:solidFill>
-                  <a:srgbClr val="FF0000"/>
-                </a:solidFill>
-                <a:latin typeface="標楷體" panose="03000509000000000000" pitchFamily="65" charset="-120"/>
-                <a:ea typeface="標楷體" panose="03000509000000000000" pitchFamily="65" charset="-120"/>
-              </a:rPr>
-              <a:t>動作正在往下</a:t>
-            </a:r>
-            <a:r>
-              <a:rPr lang="zh-TW" altLang="en-US" sz="2400" dirty="0">
-                <a:latin typeface="標楷體" panose="03000509000000000000" pitchFamily="65" charset="-120"/>
-                <a:ea typeface="標楷體" panose="03000509000000000000" pitchFamily="65" charset="-120"/>
-              </a:rPr>
-              <a:t>、</a:t>
-            </a:r>
-            <a:r>
-              <a:rPr lang="zh-TW" altLang="en-US" sz="2400" dirty="0">
-                <a:solidFill>
-                  <a:srgbClr val="FF0000"/>
-                </a:solidFill>
-                <a:latin typeface="標楷體" panose="03000509000000000000" pitchFamily="65" charset="-120"/>
-                <a:ea typeface="標楷體" panose="03000509000000000000" pitchFamily="65" charset="-120"/>
-              </a:rPr>
-              <a:t>蹲到最底</a:t>
-            </a:r>
-            <a:r>
-              <a:rPr lang="zh-TW" altLang="en-US" sz="2400" dirty="0">
-                <a:latin typeface="標楷體" panose="03000509000000000000" pitchFamily="65" charset="-120"/>
-                <a:ea typeface="標楷體" panose="03000509000000000000" pitchFamily="65" charset="-120"/>
-              </a:rPr>
-              <a:t>、</a:t>
-            </a:r>
-            <a:br>
-              <a:rPr lang="en-US" altLang="zh-TW" sz="2400" dirty="0">
-                <a:latin typeface="標楷體" panose="03000509000000000000" pitchFamily="65" charset="-120"/>
-                <a:ea typeface="標楷體" panose="03000509000000000000" pitchFamily="65" charset="-120"/>
-              </a:rPr>
-            </a:br>
-            <a:r>
-              <a:rPr lang="zh-TW" altLang="en-US" sz="2400" dirty="0">
-                <a:solidFill>
-                  <a:srgbClr val="FF0000"/>
-                </a:solidFill>
-                <a:latin typeface="標楷體" panose="03000509000000000000" pitchFamily="65" charset="-120"/>
-                <a:ea typeface="標楷體" panose="03000509000000000000" pitchFamily="65" charset="-120"/>
-              </a:rPr>
-              <a:t>動作正在往上</a:t>
-            </a:r>
-            <a:r>
-              <a:rPr lang="zh-TW" altLang="en-US" sz="2400" dirty="0">
-                <a:latin typeface="標楷體" panose="03000509000000000000" pitchFamily="65" charset="-120"/>
-                <a:ea typeface="標楷體" panose="03000509000000000000" pitchFamily="65" charset="-120"/>
-              </a:rPr>
-              <a:t>這三種情況進行判定</a:t>
-            </a:r>
-          </a:p>
-        </p:txBody>
-      </p:sp>
-      <p:pic>
-        <p:nvPicPr>
-          <p:cNvPr id="5" name="圖片 4">
-            <a:extLst>
-              <a:ext uri="{FF2B5EF4-FFF2-40B4-BE49-F238E27FC236}">
-                <a16:creationId xmlns:a16="http://schemas.microsoft.com/office/drawing/2014/main" id="{6F2F3513-5908-B7A6-EE10-9F7D8671FCF8}"/>
-              </a:ext>
-            </a:extLst>
-          </p:cNvPr>
-          <p:cNvPicPr>
-            <a:picLocks noChangeAspect="1"/>
-          </p:cNvPicPr>
-          <p:nvPr/>
-        </p:nvPicPr>
-        <p:blipFill>
-          <a:blip r:embed="rId2"/>
-          <a:stretch>
-            <a:fillRect/>
-          </a:stretch>
-        </p:blipFill>
-        <p:spPr>
-          <a:xfrm>
-            <a:off x="8480724" y="1460226"/>
-            <a:ext cx="2737341" cy="4651651"/>
-          </a:xfrm>
-          <a:prstGeom prst="rect">
-            <a:avLst/>
-          </a:prstGeom>
-        </p:spPr>
-      </p:pic>
-      <p:sp>
-        <p:nvSpPr>
-          <p:cNvPr id="3" name="投影片編號版面配置區 2">
-            <a:extLst>
-              <a:ext uri="{FF2B5EF4-FFF2-40B4-BE49-F238E27FC236}">
-                <a16:creationId xmlns:a16="http://schemas.microsoft.com/office/drawing/2014/main" id="{06E612BC-4EB2-E121-E7BC-9975A06E6191}"/>
-              </a:ext>
-            </a:extLst>
-          </p:cNvPr>
-          <p:cNvSpPr>
-            <a:spLocks noGrp="1"/>
-          </p:cNvSpPr>
-          <p:nvPr>
-            <p:ph type="sldNum" sz="quarter" idx="12"/>
-          </p:nvPr>
-        </p:nvSpPr>
-        <p:spPr/>
-        <p:txBody>
-          <a:bodyPr/>
-          <a:lstStyle/>
-          <a:p>
-            <a:fld id="{983C7559-4B51-43AB-8024-A24F832BBAF1}" type="slidenum">
-              <a:rPr lang="zh-TW" altLang="en-US" smtClean="0"/>
-              <a:t>5</a:t>
-            </a:fld>
-            <a:endParaRPr lang="zh-TW" altLang="en-US"/>
-          </a:p>
-        </p:txBody>
-      </p:sp>
-    </p:spTree>
-    <p:extLst>
-      <p:ext uri="{BB962C8B-B14F-4D97-AF65-F5344CB8AC3E}">
-        <p14:creationId xmlns:p14="http://schemas.microsoft.com/office/powerpoint/2010/main" val="3670297351"/>
-      </p:ext>
-    </p:extLst>
-  </p:cSld>
-  <p:clrMapOvr>
-    <a:masterClrMapping/>
-  </p:clrMapOvr>
-</p:sld>
-</file>
-
-<file path=ppt/slides/slide6.xml><?xml version="1.0" encoding="utf-8"?>
-<p:sld xmlns:a="http://schemas.openxmlformats.org/drawingml/2006/main" xmlns:r="http://schemas.openxmlformats.org/officeDocument/2006/relationships" xmlns:p="http://schemas.openxmlformats.org/presentationml/2006/main">
-  <p:cSld>
-    <p:spTree>
-      <p:nvGrpSpPr>
-        <p:cNvPr id="1" name=""/>
-        <p:cNvGrpSpPr/>
-        <p:nvPr/>
-      </p:nvGrpSpPr>
-      <p:grpSpPr>
-        <a:xfrm>
-          <a:off x="0" y="0"/>
-          <a:ext cx="0" cy="0"/>
-          <a:chOff x="0" y="0"/>
-          <a:chExt cx="0" cy="0"/>
-        </a:xfrm>
-      </p:grpSpPr>
-      <p:sp>
-        <p:nvSpPr>
-          <p:cNvPr id="2" name="標題 1">
-            <a:extLst>
-              <a:ext uri="{FF2B5EF4-FFF2-40B4-BE49-F238E27FC236}">
-                <a16:creationId xmlns:a16="http://schemas.microsoft.com/office/drawing/2014/main" id="{F0EB2975-F583-E926-4C44-A1CCB1E7F898}"/>
-              </a:ext>
-            </a:extLst>
-          </p:cNvPr>
-          <p:cNvSpPr>
-            <a:spLocks noGrp="1"/>
-          </p:cNvSpPr>
-          <p:nvPr>
-            <p:ph type="title"/>
-          </p:nvPr>
-        </p:nvSpPr>
-        <p:spPr/>
-        <p:txBody>
-          <a:bodyPr/>
-          <a:lstStyle/>
-          <a:p>
-            <a:pPr algn="ctr"/>
-            <a:r>
-              <a:rPr lang="zh-TW" altLang="en-US" dirty="0">
-                <a:latin typeface="標楷體" panose="03000509000000000000" pitchFamily="65" charset="-120"/>
-                <a:ea typeface="標楷體" panose="03000509000000000000" pitchFamily="65" charset="-120"/>
-              </a:rPr>
-              <a:t>過寬</a:t>
-            </a:r>
-            <a:r>
-              <a:rPr lang="en-US" altLang="zh-TW" dirty="0">
-                <a:latin typeface="標楷體" panose="03000509000000000000" pitchFamily="65" charset="-120"/>
-                <a:ea typeface="標楷體" panose="03000509000000000000" pitchFamily="65" charset="-120"/>
-              </a:rPr>
-              <a:t>_</a:t>
-            </a:r>
-            <a:r>
-              <a:rPr lang="zh-TW" altLang="en-US" dirty="0">
-                <a:latin typeface="標楷體" panose="03000509000000000000" pitchFamily="65" charset="-120"/>
-                <a:ea typeface="標楷體" panose="03000509000000000000" pitchFamily="65" charset="-120"/>
-              </a:rPr>
-              <a:t>標準訓練集</a:t>
-            </a:r>
-          </a:p>
-        </p:txBody>
-      </p:sp>
-      <p:sp>
-        <p:nvSpPr>
-          <p:cNvPr id="3" name="內容版面配置區 2">
-            <a:extLst>
-              <a:ext uri="{FF2B5EF4-FFF2-40B4-BE49-F238E27FC236}">
-                <a16:creationId xmlns:a16="http://schemas.microsoft.com/office/drawing/2014/main" id="{9FA11F7C-2E32-3141-324C-98A05A676B46}"/>
-              </a:ext>
-            </a:extLst>
-          </p:cNvPr>
-          <p:cNvSpPr>
-            <a:spLocks noGrp="1"/>
-          </p:cNvSpPr>
-          <p:nvPr>
-            <p:ph idx="1"/>
-          </p:nvPr>
-        </p:nvSpPr>
-        <p:spPr>
-          <a:xfrm>
-            <a:off x="358958" y="1555659"/>
-            <a:ext cx="11615327" cy="4351338"/>
-          </a:xfrm>
-        </p:spPr>
-        <p:txBody>
-          <a:bodyPr/>
-          <a:lstStyle/>
-          <a:p>
-            <a:pPr marL="0" indent="0">
-              <a:buNone/>
-            </a:pPr>
-            <a:r>
-              <a:rPr lang="zh-TW" altLang="en-US" dirty="0">
-                <a:latin typeface="標楷體" panose="03000509000000000000" pitchFamily="65" charset="-120"/>
-                <a:ea typeface="標楷體" panose="03000509000000000000" pitchFamily="65" charset="-120"/>
-              </a:rPr>
-              <a:t>    一部分訓練集雙腳距離不夠寬                  合格的資料  </a:t>
-            </a:r>
-          </a:p>
-        </p:txBody>
-      </p:sp>
-      <p:pic>
-        <p:nvPicPr>
-          <p:cNvPr id="5" name="圖片 4">
-            <a:extLst>
-              <a:ext uri="{FF2B5EF4-FFF2-40B4-BE49-F238E27FC236}">
-                <a16:creationId xmlns:a16="http://schemas.microsoft.com/office/drawing/2014/main" id="{8DA03EFF-AA9C-66A7-B141-CAAB67B4BA36}"/>
-              </a:ext>
-            </a:extLst>
-          </p:cNvPr>
-          <p:cNvPicPr>
-            <a:picLocks noChangeAspect="1"/>
-          </p:cNvPicPr>
-          <p:nvPr/>
-        </p:nvPicPr>
-        <p:blipFill>
-          <a:blip r:embed="rId2"/>
-          <a:stretch>
-            <a:fillRect/>
-          </a:stretch>
-        </p:blipFill>
-        <p:spPr>
-          <a:xfrm>
-            <a:off x="0" y="2231251"/>
-            <a:ext cx="3029149" cy="4453211"/>
-          </a:xfrm>
-          <a:prstGeom prst="rect">
-            <a:avLst/>
-          </a:prstGeom>
-        </p:spPr>
-      </p:pic>
-      <p:pic>
-        <p:nvPicPr>
-          <p:cNvPr id="7" name="圖片 6">
-            <a:extLst>
-              <a:ext uri="{FF2B5EF4-FFF2-40B4-BE49-F238E27FC236}">
-                <a16:creationId xmlns:a16="http://schemas.microsoft.com/office/drawing/2014/main" id="{CDE59756-954E-4769-BC80-B1AE58FDA4C2}"/>
-              </a:ext>
-            </a:extLst>
-          </p:cNvPr>
-          <p:cNvPicPr>
-            <a:picLocks noChangeAspect="1"/>
-          </p:cNvPicPr>
-          <p:nvPr/>
-        </p:nvPicPr>
-        <p:blipFill>
-          <a:blip r:embed="rId3"/>
-          <a:stretch>
-            <a:fillRect/>
-          </a:stretch>
-        </p:blipFill>
-        <p:spPr>
-          <a:xfrm>
-            <a:off x="3197314" y="2273559"/>
-            <a:ext cx="3619691" cy="4368594"/>
-          </a:xfrm>
-          <a:prstGeom prst="rect">
-            <a:avLst/>
-          </a:prstGeom>
-        </p:spPr>
-      </p:pic>
-      <p:pic>
-        <p:nvPicPr>
-          <p:cNvPr id="9" name="圖片 8">
-            <a:extLst>
-              <a:ext uri="{FF2B5EF4-FFF2-40B4-BE49-F238E27FC236}">
-                <a16:creationId xmlns:a16="http://schemas.microsoft.com/office/drawing/2014/main" id="{EF7347F5-443B-57F4-13BA-6AD5E6053FDB}"/>
-              </a:ext>
-            </a:extLst>
-          </p:cNvPr>
-          <p:cNvPicPr>
-            <a:picLocks noChangeAspect="1"/>
-          </p:cNvPicPr>
-          <p:nvPr/>
-        </p:nvPicPr>
-        <p:blipFill>
-          <a:blip r:embed="rId4"/>
-          <a:stretch>
-            <a:fillRect/>
-          </a:stretch>
-        </p:blipFill>
-        <p:spPr>
-          <a:xfrm>
-            <a:off x="7925489" y="2314445"/>
-            <a:ext cx="3976813" cy="4327708"/>
-          </a:xfrm>
-          <a:prstGeom prst="rect">
-            <a:avLst/>
-          </a:prstGeom>
-        </p:spPr>
-      </p:pic>
-      <p:sp>
-        <p:nvSpPr>
-          <p:cNvPr id="4" name="投影片編號版面配置區 3">
-            <a:extLst>
-              <a:ext uri="{FF2B5EF4-FFF2-40B4-BE49-F238E27FC236}">
-                <a16:creationId xmlns:a16="http://schemas.microsoft.com/office/drawing/2014/main" id="{DDF482AE-B13D-3B07-34DC-E45B5CA5F38B}"/>
-              </a:ext>
-            </a:extLst>
-          </p:cNvPr>
-          <p:cNvSpPr>
-            <a:spLocks noGrp="1"/>
-          </p:cNvSpPr>
-          <p:nvPr>
-            <p:ph type="sldNum" sz="quarter" idx="12"/>
-          </p:nvPr>
-        </p:nvSpPr>
-        <p:spPr/>
-        <p:txBody>
-          <a:bodyPr/>
-          <a:lstStyle/>
-          <a:p>
-            <a:fld id="{983C7559-4B51-43AB-8024-A24F832BBAF1}" type="slidenum">
-              <a:rPr lang="zh-TW" altLang="en-US" smtClean="0"/>
-              <a:t>6</a:t>
-            </a:fld>
-            <a:endParaRPr lang="zh-TW" altLang="en-US"/>
-          </a:p>
-        </p:txBody>
-      </p:sp>
-    </p:spTree>
-    <p:extLst>
-      <p:ext uri="{BB962C8B-B14F-4D97-AF65-F5344CB8AC3E}">
-        <p14:creationId xmlns:p14="http://schemas.microsoft.com/office/powerpoint/2010/main" val="3941865218"/>
-      </p:ext>
-    </p:extLst>
-  </p:cSld>
-  <p:clrMapOvr>
-    <a:masterClrMapping/>
-  </p:clrMapOvr>
-</p:sld>
-</file>
-
-<file path=ppt/slides/slide7.xml><?xml version="1.0" encoding="utf-8"?>
-<p:sld xmlns:a="http://schemas.openxmlformats.org/drawingml/2006/main" xmlns:r="http://schemas.openxmlformats.org/officeDocument/2006/relationships" xmlns:p="http://schemas.openxmlformats.org/presentationml/2006/main">
-  <p:cSld>
-    <p:spTree>
-      <p:nvGrpSpPr>
-        <p:cNvPr id="1" name=""/>
-        <p:cNvGrpSpPr/>
-        <p:nvPr/>
-      </p:nvGrpSpPr>
-      <p:grpSpPr>
-        <a:xfrm>
-          <a:off x="0" y="0"/>
-          <a:ext cx="0" cy="0"/>
-          <a:chOff x="0" y="0"/>
-          <a:chExt cx="0" cy="0"/>
-        </a:xfrm>
-      </p:grpSpPr>
-      <p:sp>
-        <p:nvSpPr>
-          <p:cNvPr id="4" name="標題 1">
-            <a:extLst>
-              <a:ext uri="{FF2B5EF4-FFF2-40B4-BE49-F238E27FC236}">
-                <a16:creationId xmlns:a16="http://schemas.microsoft.com/office/drawing/2014/main" id="{6DCC09A1-2727-BFBB-F369-A8B4D3C2DDE9}"/>
-              </a:ext>
-            </a:extLst>
-          </p:cNvPr>
-          <p:cNvSpPr>
-            <a:spLocks noGrp="1"/>
-          </p:cNvSpPr>
-          <p:nvPr>
-            <p:ph type="title"/>
-          </p:nvPr>
-        </p:nvSpPr>
-        <p:spPr>
-          <a:xfrm>
-            <a:off x="838200" y="365125"/>
-            <a:ext cx="10515600" cy="1325563"/>
-          </a:xfrm>
-        </p:spPr>
-        <p:txBody>
-          <a:bodyPr/>
-          <a:lstStyle/>
-          <a:p>
-            <a:pPr algn="ctr"/>
-            <a:r>
-              <a:rPr lang="zh-TW" altLang="en-US" dirty="0">
-                <a:latin typeface="標楷體" panose="03000509000000000000" pitchFamily="65" charset="-120"/>
-                <a:ea typeface="標楷體" panose="03000509000000000000" pitchFamily="65" charset="-120"/>
-              </a:rPr>
-              <a:t>過寬</a:t>
-            </a:r>
-            <a:r>
-              <a:rPr lang="en-US" altLang="zh-TW" dirty="0">
-                <a:latin typeface="標楷體" panose="03000509000000000000" pitchFamily="65" charset="-120"/>
-                <a:ea typeface="標楷體" panose="03000509000000000000" pitchFamily="65" charset="-120"/>
-              </a:rPr>
-              <a:t>_</a:t>
-            </a:r>
-            <a:r>
-              <a:rPr lang="zh-TW" altLang="en-US" dirty="0">
-                <a:latin typeface="標楷體" panose="03000509000000000000" pitchFamily="65" charset="-120"/>
-                <a:ea typeface="標楷體" panose="03000509000000000000" pitchFamily="65" charset="-120"/>
-              </a:rPr>
-              <a:t>過窄訓練集</a:t>
-            </a:r>
-          </a:p>
-        </p:txBody>
-      </p:sp>
-      <p:pic>
-        <p:nvPicPr>
-          <p:cNvPr id="6" name="圖片 5">
-            <a:extLst>
-              <a:ext uri="{FF2B5EF4-FFF2-40B4-BE49-F238E27FC236}">
-                <a16:creationId xmlns:a16="http://schemas.microsoft.com/office/drawing/2014/main" id="{F103A14E-BA08-9253-E6EB-D68553B15A7C}"/>
-              </a:ext>
-            </a:extLst>
-          </p:cNvPr>
-          <p:cNvPicPr>
-            <a:picLocks noChangeAspect="1"/>
-          </p:cNvPicPr>
-          <p:nvPr/>
-        </p:nvPicPr>
-        <p:blipFill>
-          <a:blip r:embed="rId2"/>
-          <a:stretch>
-            <a:fillRect/>
-          </a:stretch>
-        </p:blipFill>
-        <p:spPr>
-          <a:xfrm>
-            <a:off x="1610465" y="2333300"/>
-            <a:ext cx="3259798" cy="4524700"/>
-          </a:xfrm>
-          <a:prstGeom prst="rect">
-            <a:avLst/>
-          </a:prstGeom>
-        </p:spPr>
-      </p:pic>
-      <p:pic>
-        <p:nvPicPr>
-          <p:cNvPr id="8" name="圖片 7">
-            <a:extLst>
-              <a:ext uri="{FF2B5EF4-FFF2-40B4-BE49-F238E27FC236}">
-                <a16:creationId xmlns:a16="http://schemas.microsoft.com/office/drawing/2014/main" id="{4E739179-C582-6351-0AF2-7866EBF880DD}"/>
-              </a:ext>
-            </a:extLst>
-          </p:cNvPr>
-          <p:cNvPicPr>
-            <a:picLocks noChangeAspect="1"/>
-          </p:cNvPicPr>
-          <p:nvPr/>
-        </p:nvPicPr>
-        <p:blipFill>
-          <a:blip r:embed="rId3"/>
-          <a:stretch>
-            <a:fillRect/>
-          </a:stretch>
-        </p:blipFill>
-        <p:spPr>
-          <a:xfrm>
-            <a:off x="7609455" y="2333300"/>
-            <a:ext cx="3976678" cy="4524701"/>
-          </a:xfrm>
-          <a:prstGeom prst="rect">
-            <a:avLst/>
-          </a:prstGeom>
-        </p:spPr>
-      </p:pic>
-      <p:sp>
-        <p:nvSpPr>
-          <p:cNvPr id="9" name="內容版面配置區 2">
-            <a:extLst>
-              <a:ext uri="{FF2B5EF4-FFF2-40B4-BE49-F238E27FC236}">
-                <a16:creationId xmlns:a16="http://schemas.microsoft.com/office/drawing/2014/main" id="{F2E8648E-3BA5-29C8-BC34-EED0B8FF3903}"/>
-              </a:ext>
-            </a:extLst>
-          </p:cNvPr>
-          <p:cNvSpPr>
-            <a:spLocks noGrp="1"/>
-          </p:cNvSpPr>
-          <p:nvPr>
-            <p:ph idx="1"/>
-          </p:nvPr>
-        </p:nvSpPr>
-        <p:spPr>
-          <a:xfrm>
-            <a:off x="0" y="1825625"/>
-            <a:ext cx="12192000" cy="4351338"/>
-          </a:xfrm>
-        </p:spPr>
-        <p:txBody>
-          <a:bodyPr/>
-          <a:lstStyle/>
-          <a:p>
-            <a:pPr marL="0" indent="0">
-              <a:buNone/>
-            </a:pPr>
-            <a:r>
-              <a:rPr lang="zh-TW" altLang="en-US" dirty="0">
-                <a:latin typeface="標楷體" panose="03000509000000000000" pitchFamily="65" charset="-120"/>
-                <a:ea typeface="標楷體" panose="03000509000000000000" pitchFamily="65" charset="-120"/>
-              </a:rPr>
-              <a:t>    一部分訓練集雙腳距離不夠寬                  合格的資料  </a:t>
-            </a:r>
-          </a:p>
-        </p:txBody>
-      </p:sp>
-      <p:sp>
-        <p:nvSpPr>
-          <p:cNvPr id="2" name="投影片編號版面配置區 1">
-            <a:extLst>
-              <a:ext uri="{FF2B5EF4-FFF2-40B4-BE49-F238E27FC236}">
-                <a16:creationId xmlns:a16="http://schemas.microsoft.com/office/drawing/2014/main" id="{4A9D2FAB-C6F5-1EBC-2218-90600F801908}"/>
-              </a:ext>
-            </a:extLst>
-          </p:cNvPr>
-          <p:cNvSpPr>
-            <a:spLocks noGrp="1"/>
-          </p:cNvSpPr>
-          <p:nvPr>
-            <p:ph type="sldNum" sz="quarter" idx="12"/>
-          </p:nvPr>
-        </p:nvSpPr>
-        <p:spPr/>
-        <p:txBody>
-          <a:bodyPr/>
-          <a:lstStyle/>
-          <a:p>
-            <a:fld id="{983C7559-4B51-43AB-8024-A24F832BBAF1}" type="slidenum">
-              <a:rPr lang="zh-TW" altLang="en-US" smtClean="0"/>
-              <a:t>7</a:t>
-            </a:fld>
-            <a:endParaRPr lang="zh-TW" altLang="en-US"/>
-          </a:p>
-        </p:txBody>
-      </p:sp>
-    </p:spTree>
-    <p:extLst>
-      <p:ext uri="{BB962C8B-B14F-4D97-AF65-F5344CB8AC3E}">
-        <p14:creationId xmlns:p14="http://schemas.microsoft.com/office/powerpoint/2010/main" val="127077336"/>
-      </p:ext>
-    </p:extLst>
-  </p:cSld>
-  <p:clrMapOvr>
-    <a:masterClrMapping/>
-  </p:clrMapOvr>
-</p:sld>
-</file>
-
-<file path=ppt/slides/slide8.xml><?xml version="1.0" encoding="utf-8"?>
-<p:sld xmlns:a="http://schemas.openxmlformats.org/drawingml/2006/main" xmlns:r="http://schemas.openxmlformats.org/officeDocument/2006/relationships" xmlns:p="http://schemas.openxmlformats.org/presentationml/2006/main">
+<file path=ppt/slides/slide13.xml><?xml version="1.0" encoding="utf-8"?>
+<p:sld xmlns:a="http://schemas.openxmlformats.org/drawingml/2006/main" xmlns:r="http://schemas.openxmlformats.org/officeDocument/2006/relationships" xmlns:p="http://schemas.openxmlformats.org/presentationml/2006/main" show="0">
   <p:cSld>
     <p:spTree>
       <p:nvGrpSpPr>
@@ -6440,7 +4905,7 @@
           <a:p>
             <a:fld id="{983C7559-4B51-43AB-8024-A24F832BBAF1}" type="slidenum">
               <a:rPr lang="zh-TW" altLang="en-US" smtClean="0"/>
-              <a:t>8</a:t>
+              <a:t>13</a:t>
             </a:fld>
             <a:endParaRPr lang="zh-TW" altLang="en-US"/>
           </a:p>
@@ -6459,8 +4924,8 @@
 </p:sld>
 </file>
 
-<file path=ppt/slides/slide9.xml><?xml version="1.0" encoding="utf-8"?>
-<p:sld xmlns:a="http://schemas.openxmlformats.org/drawingml/2006/main" xmlns:r="http://schemas.openxmlformats.org/officeDocument/2006/relationships" xmlns:p="http://schemas.openxmlformats.org/presentationml/2006/main">
+<file path=ppt/slides/slide14.xml><?xml version="1.0" encoding="utf-8"?>
+<p:sld xmlns:a="http://schemas.openxmlformats.org/drawingml/2006/main" xmlns:r="http://schemas.openxmlformats.org/officeDocument/2006/relationships" xmlns:p="http://schemas.openxmlformats.org/presentationml/2006/main" show="0">
   <p:cSld>
     <p:spTree>
       <p:nvGrpSpPr>
@@ -7399,7 +5864,7 @@
           <a:p>
             <a:fld id="{983C7559-4B51-43AB-8024-A24F832BBAF1}" type="slidenum">
               <a:rPr lang="zh-TW" altLang="en-US" smtClean="0"/>
-              <a:t>9</a:t>
+              <a:t>14</a:t>
             </a:fld>
             <a:endParaRPr lang="zh-TW" altLang="en-US"/>
           </a:p>
@@ -7409,6 +5874,3073 @@
     <p:extLst>
       <p:ext uri="{BB962C8B-B14F-4D97-AF65-F5344CB8AC3E}">
         <p14:creationId xmlns:p14="http://schemas.microsoft.com/office/powerpoint/2010/main" val="335000228"/>
+      </p:ext>
+    </p:extLst>
+  </p:cSld>
+  <p:clrMapOvr>
+    <a:masterClrMapping/>
+  </p:clrMapOvr>
+</p:sld>
+</file>
+
+<file path=ppt/slides/slide15.xml><?xml version="1.0" encoding="utf-8"?>
+<p:sld xmlns:a="http://schemas.openxmlformats.org/drawingml/2006/main" xmlns:r="http://schemas.openxmlformats.org/officeDocument/2006/relationships" xmlns:p="http://schemas.openxmlformats.org/presentationml/2006/main" show="0">
+  <p:cSld>
+    <p:spTree>
+      <p:nvGrpSpPr>
+        <p:cNvPr id="1" name=""/>
+        <p:cNvGrpSpPr/>
+        <p:nvPr/>
+      </p:nvGrpSpPr>
+      <p:grpSpPr>
+        <a:xfrm>
+          <a:off x="0" y="0"/>
+          <a:ext cx="0" cy="0"/>
+          <a:chOff x="0" y="0"/>
+          <a:chExt cx="0" cy="0"/>
+        </a:xfrm>
+      </p:grpSpPr>
+      <p:sp>
+        <p:nvSpPr>
+          <p:cNvPr id="2" name="標題 1">
+            <a:extLst>
+              <a:ext uri="{FF2B5EF4-FFF2-40B4-BE49-F238E27FC236}">
+                <a16:creationId xmlns:a16="http://schemas.microsoft.com/office/drawing/2014/main" id="{F2DBD8B3-A2CD-3697-EA3B-2A41774F4F60}"/>
+              </a:ext>
+            </a:extLst>
+          </p:cNvPr>
+          <p:cNvSpPr>
+            <a:spLocks noGrp="1"/>
+          </p:cNvSpPr>
+          <p:nvPr>
+            <p:ph type="title"/>
+          </p:nvPr>
+        </p:nvSpPr>
+        <p:spPr/>
+        <p:txBody>
+          <a:bodyPr/>
+          <a:lstStyle/>
+          <a:p>
+            <a:pPr algn="ctr"/>
+            <a:r>
+              <a:rPr lang="zh-TW" altLang="en-US" dirty="0">
+                <a:latin typeface="標楷體" panose="03000509000000000000" pitchFamily="65" charset="-120"/>
+                <a:ea typeface="標楷體" panose="03000509000000000000" pitchFamily="65" charset="-120"/>
+              </a:rPr>
+              <a:t>檢驗結果</a:t>
+            </a:r>
+          </a:p>
+        </p:txBody>
+      </p:sp>
+      <p:sp>
+        <p:nvSpPr>
+          <p:cNvPr id="3" name="內容版面配置區 2">
+            <a:extLst>
+              <a:ext uri="{FF2B5EF4-FFF2-40B4-BE49-F238E27FC236}">
+                <a16:creationId xmlns:a16="http://schemas.microsoft.com/office/drawing/2014/main" id="{D3AA2138-14F7-2F4F-ED61-97CD079E634A}"/>
+              </a:ext>
+            </a:extLst>
+          </p:cNvPr>
+          <p:cNvSpPr>
+            <a:spLocks noGrp="1"/>
+          </p:cNvSpPr>
+          <p:nvPr>
+            <p:ph idx="1"/>
+          </p:nvPr>
+        </p:nvSpPr>
+        <p:spPr/>
+        <p:txBody>
+          <a:bodyPr/>
+          <a:lstStyle/>
+          <a:p>
+            <a:pPr marL="0" indent="0">
+              <a:buNone/>
+            </a:pPr>
+            <a:r>
+              <a:rPr lang="zh-TW" altLang="en-US" dirty="0">
+                <a:latin typeface="標楷體" panose="03000509000000000000" pitchFamily="65" charset="-120"/>
+                <a:ea typeface="標楷體" panose="03000509000000000000" pitchFamily="65" charset="-120"/>
+              </a:rPr>
+              <a:t>上圖所繪製黃線，是輔助我自己做人工檢驗，並不會由模型自行產生。由身體中線至右分別為第一條、第二條、第三條。第一條與第二條表示</a:t>
+            </a:r>
+            <a:r>
+              <a:rPr lang="en-US" altLang="zh-TW" dirty="0">
+                <a:latin typeface="標楷體" panose="03000509000000000000" pitchFamily="65" charset="-120"/>
+                <a:ea typeface="標楷體" panose="03000509000000000000" pitchFamily="65" charset="-120"/>
+              </a:rPr>
+              <a:t>0.5</a:t>
+            </a:r>
+            <a:r>
+              <a:rPr lang="zh-TW" altLang="en-US" dirty="0">
+                <a:latin typeface="標楷體" panose="03000509000000000000" pitchFamily="65" charset="-120"/>
+                <a:ea typeface="標楷體" panose="03000509000000000000" pitchFamily="65" charset="-120"/>
+              </a:rPr>
+              <a:t>個肩寬。</a:t>
+            </a:r>
+            <a:endParaRPr lang="en-US" altLang="zh-TW" dirty="0">
+              <a:latin typeface="標楷體" panose="03000509000000000000" pitchFamily="65" charset="-120"/>
+              <a:ea typeface="標楷體" panose="03000509000000000000" pitchFamily="65" charset="-120"/>
+            </a:endParaRPr>
+          </a:p>
+          <a:p>
+            <a:pPr marL="0" indent="0">
+              <a:buNone/>
+            </a:pPr>
+            <a:r>
+              <a:rPr lang="zh-TW" altLang="en-US" dirty="0">
+                <a:latin typeface="標楷體" panose="03000509000000000000" pitchFamily="65" charset="-120"/>
+                <a:ea typeface="標楷體" panose="03000509000000000000" pitchFamily="65" charset="-120"/>
+              </a:rPr>
+              <a:t>根據研究指出深蹲雙膝距離約為</a:t>
+            </a:r>
+            <a:r>
+              <a:rPr lang="en-US" altLang="zh-TW" dirty="0">
+                <a:latin typeface="標楷體" panose="03000509000000000000" pitchFamily="65" charset="-120"/>
+                <a:ea typeface="標楷體" panose="03000509000000000000" pitchFamily="65" charset="-120"/>
+              </a:rPr>
+              <a:t>1~1.5</a:t>
+            </a:r>
+            <a:r>
+              <a:rPr lang="zh-TW" altLang="en-US" dirty="0">
+                <a:latin typeface="標楷體" panose="03000509000000000000" pitchFamily="65" charset="-120"/>
+                <a:ea typeface="標楷體" panose="03000509000000000000" pitchFamily="65" charset="-120"/>
+              </a:rPr>
+              <a:t>個肩寬。那麼只要我第二條與第三條的黃線間隔不超過第一條與第二條，那麼即使測試集中所生成的圖片與原始圖片有差距，其矯正結果還是可以使用的。</a:t>
+            </a:r>
+            <a:endParaRPr lang="en-US" altLang="zh-TW" dirty="0">
+              <a:latin typeface="標楷體" panose="03000509000000000000" pitchFamily="65" charset="-120"/>
+              <a:ea typeface="標楷體" panose="03000509000000000000" pitchFamily="65" charset="-120"/>
+            </a:endParaRPr>
+          </a:p>
+        </p:txBody>
+      </p:sp>
+      <p:sp>
+        <p:nvSpPr>
+          <p:cNvPr id="4" name="投影片編號版面配置區 3">
+            <a:extLst>
+              <a:ext uri="{FF2B5EF4-FFF2-40B4-BE49-F238E27FC236}">
+                <a16:creationId xmlns:a16="http://schemas.microsoft.com/office/drawing/2014/main" id="{AE76D782-6624-7066-4183-2984061874E9}"/>
+              </a:ext>
+            </a:extLst>
+          </p:cNvPr>
+          <p:cNvSpPr>
+            <a:spLocks noGrp="1"/>
+          </p:cNvSpPr>
+          <p:nvPr>
+            <p:ph type="sldNum" sz="quarter" idx="12"/>
+          </p:nvPr>
+        </p:nvSpPr>
+        <p:spPr/>
+        <p:txBody>
+          <a:bodyPr/>
+          <a:lstStyle/>
+          <a:p>
+            <a:fld id="{983C7559-4B51-43AB-8024-A24F832BBAF1}" type="slidenum">
+              <a:rPr lang="zh-TW" altLang="en-US" smtClean="0"/>
+              <a:t>15</a:t>
+            </a:fld>
+            <a:endParaRPr lang="zh-TW" altLang="en-US"/>
+          </a:p>
+        </p:txBody>
+      </p:sp>
+    </p:spTree>
+    <p:extLst>
+      <p:ext uri="{BB962C8B-B14F-4D97-AF65-F5344CB8AC3E}">
+        <p14:creationId xmlns:p14="http://schemas.microsoft.com/office/powerpoint/2010/main" val="3807767162"/>
+      </p:ext>
+    </p:extLst>
+  </p:cSld>
+  <p:clrMapOvr>
+    <a:masterClrMapping/>
+  </p:clrMapOvr>
+</p:sld>
+</file>
+
+<file path=ppt/slides/slide16.xml><?xml version="1.0" encoding="utf-8"?>
+<p:sld xmlns:a="http://schemas.openxmlformats.org/drawingml/2006/main" xmlns:r="http://schemas.openxmlformats.org/officeDocument/2006/relationships" xmlns:p="http://schemas.openxmlformats.org/presentationml/2006/main" show="0">
+  <p:cSld>
+    <p:spTree>
+      <p:nvGrpSpPr>
+        <p:cNvPr id="1" name=""/>
+        <p:cNvGrpSpPr/>
+        <p:nvPr/>
+      </p:nvGrpSpPr>
+      <p:grpSpPr>
+        <a:xfrm>
+          <a:off x="0" y="0"/>
+          <a:ext cx="0" cy="0"/>
+          <a:chOff x="0" y="0"/>
+          <a:chExt cx="0" cy="0"/>
+        </a:xfrm>
+      </p:grpSpPr>
+      <p:sp>
+        <p:nvSpPr>
+          <p:cNvPr id="2" name="標題 1">
+            <a:extLst>
+              <a:ext uri="{FF2B5EF4-FFF2-40B4-BE49-F238E27FC236}">
+                <a16:creationId xmlns:a16="http://schemas.microsoft.com/office/drawing/2014/main" id="{BE66D029-5990-A6A6-8100-3616ECE9F98E}"/>
+              </a:ext>
+            </a:extLst>
+          </p:cNvPr>
+          <p:cNvSpPr>
+            <a:spLocks noGrp="1"/>
+          </p:cNvSpPr>
+          <p:nvPr>
+            <p:ph type="title"/>
+          </p:nvPr>
+        </p:nvSpPr>
+        <p:spPr/>
+        <p:txBody>
+          <a:bodyPr/>
+          <a:lstStyle/>
+          <a:p>
+            <a:pPr algn="ctr"/>
+            <a:r>
+              <a:rPr lang="zh-TW" altLang="en-US" dirty="0">
+                <a:latin typeface="標楷體" panose="03000509000000000000" pitchFamily="65" charset="-120"/>
+                <a:ea typeface="標楷體" panose="03000509000000000000" pitchFamily="65" charset="-120"/>
+              </a:rPr>
+              <a:t>系統整合</a:t>
+            </a:r>
+          </a:p>
+        </p:txBody>
+      </p:sp>
+      <p:sp>
+        <p:nvSpPr>
+          <p:cNvPr id="3" name="內容版面配置區 2">
+            <a:extLst>
+              <a:ext uri="{FF2B5EF4-FFF2-40B4-BE49-F238E27FC236}">
+                <a16:creationId xmlns:a16="http://schemas.microsoft.com/office/drawing/2014/main" id="{700CC637-DFFD-2833-BEB3-FC121E0ABE94}"/>
+              </a:ext>
+            </a:extLst>
+          </p:cNvPr>
+          <p:cNvSpPr>
+            <a:spLocks noGrp="1"/>
+          </p:cNvSpPr>
+          <p:nvPr>
+            <p:ph idx="1"/>
+          </p:nvPr>
+        </p:nvSpPr>
+        <p:spPr/>
+        <p:txBody>
+          <a:bodyPr/>
+          <a:lstStyle/>
+          <a:p>
+            <a:r>
+              <a:rPr lang="en-US" altLang="zh-TW" dirty="0">
+                <a:latin typeface="標楷體" panose="03000509000000000000" pitchFamily="65" charset="-120"/>
+                <a:ea typeface="標楷體" panose="03000509000000000000" pitchFamily="65" charset="-120"/>
+              </a:rPr>
+              <a:t>LSTM</a:t>
+            </a:r>
+            <a:r>
+              <a:rPr lang="zh-TW" altLang="en-US" dirty="0">
+                <a:latin typeface="標楷體" panose="03000509000000000000" pitchFamily="65" charset="-120"/>
+                <a:ea typeface="標楷體" panose="03000509000000000000" pitchFamily="65" charset="-120"/>
+              </a:rPr>
+              <a:t>模型對深蹲影片進行姿勢判定後，將姿勢錯誤的影片逐幀輸出圖片並餵給</a:t>
+            </a:r>
+            <a:r>
+              <a:rPr lang="en-US" altLang="zh-TW" dirty="0">
+                <a:latin typeface="標楷體" panose="03000509000000000000" pitchFamily="65" charset="-120"/>
+                <a:ea typeface="標楷體" panose="03000509000000000000" pitchFamily="65" charset="-120"/>
+              </a:rPr>
+              <a:t>pix2pix</a:t>
+            </a:r>
+            <a:r>
+              <a:rPr lang="zh-TW" altLang="en-US" dirty="0">
+                <a:latin typeface="標楷體" panose="03000509000000000000" pitchFamily="65" charset="-120"/>
+                <a:ea typeface="標楷體" panose="03000509000000000000" pitchFamily="65" charset="-120"/>
+              </a:rPr>
+              <a:t>模型進行矯正，最後將結果個別在網頁上呈現</a:t>
+            </a:r>
+          </a:p>
+        </p:txBody>
+      </p:sp>
+      <p:sp>
+        <p:nvSpPr>
+          <p:cNvPr id="4" name="投影片編號版面配置區 3">
+            <a:extLst>
+              <a:ext uri="{FF2B5EF4-FFF2-40B4-BE49-F238E27FC236}">
+                <a16:creationId xmlns:a16="http://schemas.microsoft.com/office/drawing/2014/main" id="{D37CF85B-DC21-DA85-6089-F97421DA7FBC}"/>
+              </a:ext>
+            </a:extLst>
+          </p:cNvPr>
+          <p:cNvSpPr>
+            <a:spLocks noGrp="1"/>
+          </p:cNvSpPr>
+          <p:nvPr>
+            <p:ph type="sldNum" sz="quarter" idx="12"/>
+          </p:nvPr>
+        </p:nvSpPr>
+        <p:spPr/>
+        <p:txBody>
+          <a:bodyPr/>
+          <a:lstStyle/>
+          <a:p>
+            <a:fld id="{983C7559-4B51-43AB-8024-A24F832BBAF1}" type="slidenum">
+              <a:rPr lang="zh-TW" altLang="en-US" smtClean="0"/>
+              <a:t>16</a:t>
+            </a:fld>
+            <a:endParaRPr lang="zh-TW" altLang="en-US"/>
+          </a:p>
+        </p:txBody>
+      </p:sp>
+    </p:spTree>
+    <p:extLst>
+      <p:ext uri="{BB962C8B-B14F-4D97-AF65-F5344CB8AC3E}">
+        <p14:creationId xmlns:p14="http://schemas.microsoft.com/office/powerpoint/2010/main" val="3535504983"/>
+      </p:ext>
+    </p:extLst>
+  </p:cSld>
+  <p:clrMapOvr>
+    <a:masterClrMapping/>
+  </p:clrMapOvr>
+</p:sld>
+</file>
+
+<file path=ppt/slides/slide2.xml><?xml version="1.0" encoding="utf-8"?>
+<p:sld xmlns:a="http://schemas.openxmlformats.org/drawingml/2006/main" xmlns:r="http://schemas.openxmlformats.org/officeDocument/2006/relationships" xmlns:p="http://schemas.openxmlformats.org/presentationml/2006/main">
+  <p:cSld>
+    <p:spTree>
+      <p:nvGrpSpPr>
+        <p:cNvPr id="1" name=""/>
+        <p:cNvGrpSpPr/>
+        <p:nvPr/>
+      </p:nvGrpSpPr>
+      <p:grpSpPr>
+        <a:xfrm>
+          <a:off x="0" y="0"/>
+          <a:ext cx="0" cy="0"/>
+          <a:chOff x="0" y="0"/>
+          <a:chExt cx="0" cy="0"/>
+        </a:xfrm>
+      </p:grpSpPr>
+      <p:sp>
+        <p:nvSpPr>
+          <p:cNvPr id="2" name="標題 1">
+            <a:extLst>
+              <a:ext uri="{FF2B5EF4-FFF2-40B4-BE49-F238E27FC236}">
+                <a16:creationId xmlns:a16="http://schemas.microsoft.com/office/drawing/2014/main" id="{71D4E6A8-D433-2153-795C-040982FB1CEC}"/>
+              </a:ext>
+            </a:extLst>
+          </p:cNvPr>
+          <p:cNvSpPr>
+            <a:spLocks noGrp="1"/>
+          </p:cNvSpPr>
+          <p:nvPr>
+            <p:ph type="title"/>
+          </p:nvPr>
+        </p:nvSpPr>
+        <p:spPr/>
+        <p:txBody>
+          <a:bodyPr/>
+          <a:lstStyle/>
+          <a:p>
+            <a:pPr algn="ctr"/>
+            <a:r>
+              <a:rPr lang="zh-TW" altLang="en-US" dirty="0">
+                <a:latin typeface="標楷體" panose="03000509000000000000" pitchFamily="65" charset="-120"/>
+                <a:ea typeface="標楷體" panose="03000509000000000000" pitchFamily="65" charset="-120"/>
+              </a:rPr>
+              <a:t>待處理事項</a:t>
+            </a:r>
+          </a:p>
+        </p:txBody>
+      </p:sp>
+      <p:sp>
+        <p:nvSpPr>
+          <p:cNvPr id="3" name="內容版面配置區 2">
+            <a:extLst>
+              <a:ext uri="{FF2B5EF4-FFF2-40B4-BE49-F238E27FC236}">
+                <a16:creationId xmlns:a16="http://schemas.microsoft.com/office/drawing/2014/main" id="{73D57C21-B726-E857-AA9D-445F335C5390}"/>
+              </a:ext>
+            </a:extLst>
+          </p:cNvPr>
+          <p:cNvSpPr>
+            <a:spLocks noGrp="1"/>
+          </p:cNvSpPr>
+          <p:nvPr>
+            <p:ph idx="1"/>
+          </p:nvPr>
+        </p:nvSpPr>
+        <p:spPr>
+          <a:xfrm>
+            <a:off x="838200" y="1850792"/>
+            <a:ext cx="10515600" cy="4351338"/>
+          </a:xfrm>
+        </p:spPr>
+        <p:txBody>
+          <a:bodyPr numCol="2">
+            <a:normAutofit/>
+          </a:bodyPr>
+          <a:lstStyle/>
+          <a:p>
+            <a:pPr>
+              <a:buFont typeface="Wingdings" panose="05000000000000000000" pitchFamily="2" charset="2"/>
+              <a:buChar char="ü"/>
+            </a:pPr>
+            <a:r>
+              <a:rPr lang="zh-TW" altLang="en-US" sz="2000" dirty="0">
+                <a:latin typeface="標楷體" panose="03000509000000000000" pitchFamily="65" charset="-120"/>
+                <a:ea typeface="標楷體" panose="03000509000000000000" pitchFamily="65" charset="-120"/>
+              </a:rPr>
+              <a:t> </a:t>
+            </a:r>
+            <a:r>
+              <a:rPr lang="en-US" altLang="zh-TW" sz="2400" dirty="0">
+                <a:solidFill>
+                  <a:srgbClr val="FF0000"/>
+                </a:solidFill>
+                <a:latin typeface="標楷體" panose="03000509000000000000" pitchFamily="65" charset="-120"/>
+                <a:ea typeface="標楷體" panose="03000509000000000000" pitchFamily="65" charset="-120"/>
+              </a:rPr>
+              <a:t>LSTM</a:t>
+            </a:r>
+            <a:r>
+              <a:rPr lang="zh-TW" altLang="en-US" sz="2400" dirty="0">
+                <a:solidFill>
+                  <a:srgbClr val="FF0000"/>
+                </a:solidFill>
+                <a:latin typeface="標楷體" panose="03000509000000000000" pitchFamily="65" charset="-120"/>
+                <a:ea typeface="標楷體" panose="03000509000000000000" pitchFamily="65" charset="-120"/>
+              </a:rPr>
+              <a:t>準確率</a:t>
+            </a:r>
+            <a:endParaRPr lang="en-US" altLang="zh-TW" sz="2400" dirty="0">
+              <a:solidFill>
+                <a:srgbClr val="FF0000"/>
+              </a:solidFill>
+              <a:latin typeface="標楷體" panose="03000509000000000000" pitchFamily="65" charset="-120"/>
+              <a:ea typeface="標楷體" panose="03000509000000000000" pitchFamily="65" charset="-120"/>
+            </a:endParaRPr>
+          </a:p>
+          <a:p>
+            <a:pPr marL="0" indent="0">
+              <a:buNone/>
+            </a:pPr>
+            <a:r>
+              <a:rPr lang="zh-TW" altLang="en-US" dirty="0">
+                <a:latin typeface="標楷體" panose="03000509000000000000" pitchFamily="65" charset="-120"/>
+                <a:ea typeface="標楷體" panose="03000509000000000000" pitchFamily="65" charset="-120"/>
+              </a:rPr>
+              <a:t>  </a:t>
+            </a:r>
+            <a:r>
+              <a:rPr lang="zh-TW" altLang="en-US" sz="2400" dirty="0">
+                <a:latin typeface="標楷體" panose="03000509000000000000" pitchFamily="65" charset="-120"/>
+                <a:ea typeface="標楷體" panose="03000509000000000000" pitchFamily="65" charset="-120"/>
+              </a:rPr>
+              <a:t>網頁呈現</a:t>
+            </a:r>
+            <a:endParaRPr lang="en-US" altLang="zh-TW" sz="2400" dirty="0">
+              <a:latin typeface="標楷體" panose="03000509000000000000" pitchFamily="65" charset="-120"/>
+              <a:ea typeface="標楷體" panose="03000509000000000000" pitchFamily="65" charset="-120"/>
+            </a:endParaRPr>
+          </a:p>
+          <a:p>
+            <a:pPr lvl="1">
+              <a:buFont typeface="Wingdings" panose="05000000000000000000" pitchFamily="2" charset="2"/>
+              <a:buChar char="ü"/>
+            </a:pPr>
+            <a:r>
+              <a:rPr lang="zh-TW" altLang="en-US" sz="2000" dirty="0">
+                <a:latin typeface="標楷體" panose="03000509000000000000" pitchFamily="65" charset="-120"/>
+                <a:ea typeface="標楷體" panose="03000509000000000000" pitchFamily="65" charset="-120"/>
+              </a:rPr>
+              <a:t>影片上傳</a:t>
+            </a:r>
+            <a:endParaRPr lang="en-US" altLang="zh-TW" sz="2000" dirty="0">
+              <a:latin typeface="標楷體" panose="03000509000000000000" pitchFamily="65" charset="-120"/>
+              <a:ea typeface="標楷體" panose="03000509000000000000" pitchFamily="65" charset="-120"/>
+            </a:endParaRPr>
+          </a:p>
+          <a:p>
+            <a:pPr lvl="1">
+              <a:buFont typeface="Wingdings" panose="05000000000000000000" pitchFamily="2" charset="2"/>
+              <a:buChar char="ü"/>
+            </a:pPr>
+            <a:r>
+              <a:rPr lang="zh-TW" altLang="en-US" sz="2000" dirty="0">
+                <a:latin typeface="標楷體" panose="03000509000000000000" pitchFamily="65" charset="-120"/>
+                <a:ea typeface="標楷體" panose="03000509000000000000" pitchFamily="65" charset="-120"/>
+              </a:rPr>
+              <a:t>擷取身體節點並進行預處裡</a:t>
+            </a:r>
+            <a:endParaRPr lang="en-US" altLang="zh-TW" sz="2000" dirty="0">
+              <a:latin typeface="標楷體" panose="03000509000000000000" pitchFamily="65" charset="-120"/>
+              <a:ea typeface="標楷體" panose="03000509000000000000" pitchFamily="65" charset="-120"/>
+            </a:endParaRPr>
+          </a:p>
+          <a:p>
+            <a:pPr lvl="1">
+              <a:buFont typeface="Wingdings" panose="05000000000000000000" pitchFamily="2" charset="2"/>
+              <a:buChar char="ü"/>
+            </a:pPr>
+            <a:r>
+              <a:rPr lang="zh-TW" altLang="en-US" sz="2000" dirty="0">
+                <a:latin typeface="標楷體" panose="03000509000000000000" pitchFamily="65" charset="-120"/>
+                <a:ea typeface="標楷體" panose="03000509000000000000" pitchFamily="65" charset="-120"/>
+              </a:rPr>
+              <a:t>經</a:t>
+            </a:r>
+            <a:r>
+              <a:rPr lang="en-US" altLang="zh-TW" sz="2000" dirty="0">
+                <a:latin typeface="標楷體" panose="03000509000000000000" pitchFamily="65" charset="-120"/>
+                <a:ea typeface="標楷體" panose="03000509000000000000" pitchFamily="65" charset="-120"/>
+              </a:rPr>
+              <a:t>LSTM</a:t>
+            </a:r>
+            <a:r>
+              <a:rPr lang="zh-TW" altLang="en-US" sz="2000" dirty="0">
+                <a:latin typeface="標楷體" panose="03000509000000000000" pitchFamily="65" charset="-120"/>
+                <a:ea typeface="標楷體" panose="03000509000000000000" pitchFamily="65" charset="-120"/>
+              </a:rPr>
+              <a:t>模型進行姿勢判斷</a:t>
+            </a:r>
+            <a:endParaRPr lang="en-US" altLang="zh-TW" sz="2000" dirty="0">
+              <a:latin typeface="標楷體" panose="03000509000000000000" pitchFamily="65" charset="-120"/>
+              <a:ea typeface="標楷體" panose="03000509000000000000" pitchFamily="65" charset="-120"/>
+            </a:endParaRPr>
+          </a:p>
+          <a:p>
+            <a:pPr lvl="1">
+              <a:buFont typeface="Wingdings" panose="05000000000000000000" pitchFamily="2" charset="2"/>
+              <a:buChar char="ü"/>
+            </a:pPr>
+            <a:r>
+              <a:rPr lang="zh-TW" altLang="en-US" sz="2000" dirty="0">
+                <a:latin typeface="標楷體" panose="03000509000000000000" pitchFamily="65" charset="-120"/>
+                <a:ea typeface="標楷體" panose="03000509000000000000" pitchFamily="65" charset="-120"/>
+              </a:rPr>
+              <a:t>將不正確動作逐幀輸出成圖片</a:t>
+            </a:r>
+            <a:endParaRPr lang="en-US" altLang="zh-TW" sz="2000" dirty="0">
+              <a:latin typeface="標楷體" panose="03000509000000000000" pitchFamily="65" charset="-120"/>
+              <a:ea typeface="標楷體" panose="03000509000000000000" pitchFamily="65" charset="-120"/>
+            </a:endParaRPr>
+          </a:p>
+          <a:p>
+            <a:pPr marL="457200" lvl="1" indent="0">
+              <a:buNone/>
+            </a:pPr>
+            <a:r>
+              <a:rPr lang="zh-TW" altLang="en-US" sz="2000" dirty="0">
+                <a:latin typeface="標楷體" panose="03000509000000000000" pitchFamily="65" charset="-120"/>
+                <a:ea typeface="標楷體" panose="03000509000000000000" pitchFamily="65" charset="-120"/>
+              </a:rPr>
+              <a:t>  將上述圖片經</a:t>
+            </a:r>
+            <a:r>
+              <a:rPr lang="en-US" altLang="zh-TW" sz="2000" dirty="0">
+                <a:latin typeface="標楷體" panose="03000509000000000000" pitchFamily="65" charset="-120"/>
+                <a:ea typeface="標楷體" panose="03000509000000000000" pitchFamily="65" charset="-120"/>
+              </a:rPr>
+              <a:t>pix2pix</a:t>
+            </a:r>
+            <a:r>
+              <a:rPr lang="zh-TW" altLang="en-US" sz="2000" dirty="0">
+                <a:latin typeface="標楷體" panose="03000509000000000000" pitchFamily="65" charset="-120"/>
+                <a:ea typeface="標楷體" panose="03000509000000000000" pitchFamily="65" charset="-120"/>
+              </a:rPr>
+              <a:t>模型生成矯正圖片</a:t>
+            </a:r>
+            <a:endParaRPr lang="en-US" altLang="zh-TW" sz="2000" dirty="0">
+              <a:latin typeface="標楷體" panose="03000509000000000000" pitchFamily="65" charset="-120"/>
+              <a:ea typeface="標楷體" panose="03000509000000000000" pitchFamily="65" charset="-120"/>
+            </a:endParaRPr>
+          </a:p>
+          <a:p>
+            <a:pPr marL="457200" lvl="1" indent="0">
+              <a:buNone/>
+            </a:pPr>
+            <a:r>
+              <a:rPr lang="zh-TW" altLang="en-US" sz="2000" dirty="0">
+                <a:latin typeface="標楷體" panose="03000509000000000000" pitchFamily="65" charset="-120"/>
+                <a:ea typeface="標楷體" panose="03000509000000000000" pitchFamily="65" charset="-120"/>
+              </a:rPr>
+              <a:t>  </a:t>
+            </a:r>
+            <a:r>
+              <a:rPr lang="en-US" altLang="zh-TW" sz="2000" dirty="0">
+                <a:latin typeface="標楷體" panose="03000509000000000000" pitchFamily="65" charset="-120"/>
+                <a:ea typeface="標楷體" panose="03000509000000000000" pitchFamily="65" charset="-120"/>
+              </a:rPr>
+              <a:t>LSTM</a:t>
+            </a:r>
+            <a:r>
+              <a:rPr lang="zh-TW" altLang="en-US" sz="2000" dirty="0">
+                <a:latin typeface="標楷體" panose="03000509000000000000" pitchFamily="65" charset="-120"/>
+                <a:ea typeface="標楷體" panose="03000509000000000000" pitchFamily="65" charset="-120"/>
+              </a:rPr>
+              <a:t>及</a:t>
+            </a:r>
+            <a:r>
+              <a:rPr lang="en-US" altLang="zh-TW" sz="2000" dirty="0">
+                <a:latin typeface="標楷體" panose="03000509000000000000" pitchFamily="65" charset="-120"/>
+                <a:ea typeface="標楷體" panose="03000509000000000000" pitchFamily="65" charset="-120"/>
+              </a:rPr>
+              <a:t>pix2pix</a:t>
+            </a:r>
+            <a:r>
+              <a:rPr lang="zh-TW" altLang="en-US" sz="2000" dirty="0">
+                <a:latin typeface="標楷體" panose="03000509000000000000" pitchFamily="65" charset="-120"/>
+                <a:ea typeface="標楷體" panose="03000509000000000000" pitchFamily="65" charset="-120"/>
+              </a:rPr>
+              <a:t>整合呈現</a:t>
+            </a:r>
+            <a:r>
+              <a:rPr lang="en-US" altLang="zh-TW" sz="2000" dirty="0">
+                <a:latin typeface="標楷體" panose="03000509000000000000" pitchFamily="65" charset="-120"/>
+                <a:ea typeface="標楷體" panose="03000509000000000000" pitchFamily="65" charset="-120"/>
+              </a:rPr>
+              <a:t>(10/9~11/20)</a:t>
+            </a:r>
+          </a:p>
+          <a:p>
+            <a:pPr marL="0" indent="0">
+              <a:buNone/>
+            </a:pPr>
+            <a:r>
+              <a:rPr lang="zh-TW" altLang="en-US" dirty="0">
+                <a:latin typeface="標楷體" panose="03000509000000000000" pitchFamily="65" charset="-120"/>
+                <a:ea typeface="標楷體" panose="03000509000000000000" pitchFamily="65" charset="-120"/>
+              </a:rPr>
+              <a:t>  </a:t>
+            </a:r>
+            <a:r>
+              <a:rPr lang="en-US" altLang="zh-TW" sz="2400" dirty="0">
+                <a:latin typeface="標楷體" panose="03000509000000000000" pitchFamily="65" charset="-120"/>
+                <a:ea typeface="標楷體" panose="03000509000000000000" pitchFamily="65" charset="-120"/>
+              </a:rPr>
+              <a:t>Pix2pix</a:t>
+            </a:r>
+            <a:r>
+              <a:rPr lang="zh-TW" altLang="en-US" sz="2400" dirty="0">
+                <a:latin typeface="標楷體" panose="03000509000000000000" pitchFamily="65" charset="-120"/>
+                <a:ea typeface="標楷體" panose="03000509000000000000" pitchFamily="65" charset="-120"/>
+              </a:rPr>
+              <a:t>加強</a:t>
+            </a:r>
+            <a:r>
+              <a:rPr lang="en-US" altLang="zh-TW" sz="2400" dirty="0">
+                <a:latin typeface="標楷體" panose="03000509000000000000" pitchFamily="65" charset="-120"/>
+                <a:ea typeface="標楷體" panose="03000509000000000000" pitchFamily="65" charset="-120"/>
+              </a:rPr>
+              <a:t>(Now~11/15)</a:t>
+            </a:r>
+          </a:p>
+          <a:p>
+            <a:pPr lvl="1">
+              <a:buFont typeface="Wingdings" panose="05000000000000000000" pitchFamily="2" charset="2"/>
+              <a:buChar char="Ø"/>
+            </a:pPr>
+            <a:r>
+              <a:rPr lang="zh-TW" altLang="en-US" sz="2000" dirty="0">
+                <a:latin typeface="標楷體" panose="03000509000000000000" pitchFamily="65" charset="-120"/>
+                <a:ea typeface="標楷體" panose="03000509000000000000" pitchFamily="65" charset="-120"/>
+              </a:rPr>
+              <a:t>每週擴充資料集以進行訓練</a:t>
+            </a:r>
+            <a:endParaRPr lang="en-US" altLang="zh-TW" sz="2000" dirty="0">
+              <a:latin typeface="標楷體" panose="03000509000000000000" pitchFamily="65" charset="-120"/>
+              <a:ea typeface="標楷體" panose="03000509000000000000" pitchFamily="65" charset="-120"/>
+            </a:endParaRPr>
+          </a:p>
+          <a:p>
+            <a:pPr marL="0" indent="0">
+              <a:buNone/>
+            </a:pPr>
+            <a:endParaRPr lang="en-US" altLang="zh-TW" sz="2400" dirty="0">
+              <a:latin typeface="標楷體" panose="03000509000000000000" pitchFamily="65" charset="-120"/>
+              <a:ea typeface="標楷體" panose="03000509000000000000" pitchFamily="65" charset="-120"/>
+            </a:endParaRPr>
+          </a:p>
+          <a:p>
+            <a:pPr>
+              <a:buFont typeface="Wingdings" panose="05000000000000000000" pitchFamily="2" charset="2"/>
+              <a:buChar char="ü"/>
+            </a:pPr>
+            <a:r>
+              <a:rPr lang="zh-TW" altLang="en-US" sz="2000" dirty="0">
+                <a:latin typeface="標楷體" panose="03000509000000000000" pitchFamily="65" charset="-120"/>
+                <a:ea typeface="標楷體" panose="03000509000000000000" pitchFamily="65" charset="-120"/>
+              </a:rPr>
+              <a:t> </a:t>
+            </a:r>
+            <a:r>
+              <a:rPr lang="zh-TW" altLang="en-US" sz="2400" dirty="0">
+                <a:latin typeface="標楷體" panose="03000509000000000000" pitchFamily="65" charset="-120"/>
+                <a:ea typeface="標楷體" panose="03000509000000000000" pitchFamily="65" charset="-120"/>
+              </a:rPr>
+              <a:t>摘要、海報製作</a:t>
+            </a:r>
+            <a:r>
+              <a:rPr lang="en-US" altLang="zh-TW" sz="2400" dirty="0">
+                <a:latin typeface="標楷體" panose="03000509000000000000" pitchFamily="65" charset="-120"/>
+                <a:ea typeface="標楷體" panose="03000509000000000000" pitchFamily="65" charset="-120"/>
+              </a:rPr>
+              <a:t>(Now~11/1)</a:t>
+            </a:r>
+          </a:p>
+          <a:p>
+            <a:pPr marL="0" indent="0">
+              <a:buNone/>
+            </a:pPr>
+            <a:r>
+              <a:rPr lang="zh-TW" altLang="en-US" sz="2400" dirty="0">
+                <a:latin typeface="標楷體" panose="03000509000000000000" pitchFamily="65" charset="-120"/>
+                <a:ea typeface="標楷體" panose="03000509000000000000" pitchFamily="65" charset="-120"/>
+              </a:rPr>
+              <a:t>  簡報、影片製作</a:t>
+            </a:r>
+            <a:r>
+              <a:rPr lang="en-US" altLang="zh-TW" sz="2400" dirty="0">
+                <a:latin typeface="標楷體" panose="03000509000000000000" pitchFamily="65" charset="-120"/>
+                <a:ea typeface="標楷體" panose="03000509000000000000" pitchFamily="65" charset="-120"/>
+              </a:rPr>
+              <a:t>(Now~11/30)</a:t>
+            </a:r>
+          </a:p>
+          <a:p>
+            <a:pPr marL="0" indent="0">
+              <a:buNone/>
+            </a:pPr>
+            <a:endParaRPr lang="zh-TW" altLang="en-US" sz="2400" dirty="0">
+              <a:latin typeface="標楷體" panose="03000509000000000000" pitchFamily="65" charset="-120"/>
+              <a:ea typeface="標楷體" panose="03000509000000000000" pitchFamily="65" charset="-120"/>
+            </a:endParaRPr>
+          </a:p>
+        </p:txBody>
+      </p:sp>
+      <p:sp>
+        <p:nvSpPr>
+          <p:cNvPr id="7" name="矩形 6">
+            <a:extLst>
+              <a:ext uri="{FF2B5EF4-FFF2-40B4-BE49-F238E27FC236}">
+                <a16:creationId xmlns:a16="http://schemas.microsoft.com/office/drawing/2014/main" id="{84624658-F84F-129D-0780-B9C344DE40DE}"/>
+              </a:ext>
+            </a:extLst>
+          </p:cNvPr>
+          <p:cNvSpPr/>
+          <p:nvPr/>
+        </p:nvSpPr>
+        <p:spPr>
+          <a:xfrm>
+            <a:off x="1375794" y="4587380"/>
+            <a:ext cx="184558" cy="184558"/>
+          </a:xfrm>
+          <a:prstGeom prst="rect">
+            <a:avLst/>
+          </a:prstGeom>
+          <a:solidFill>
+            <a:schemeClr val="bg1"/>
+          </a:solidFill>
+        </p:spPr>
+        <p:style>
+          <a:lnRef idx="2">
+            <a:schemeClr val="dk1">
+              <a:shade val="15000"/>
+            </a:schemeClr>
+          </a:lnRef>
+          <a:fillRef idx="1">
+            <a:schemeClr val="dk1"/>
+          </a:fillRef>
+          <a:effectRef idx="0">
+            <a:schemeClr val="dk1"/>
+          </a:effectRef>
+          <a:fontRef idx="minor">
+            <a:schemeClr val="lt1"/>
+          </a:fontRef>
+        </p:style>
+        <p:txBody>
+          <a:bodyPr rtlCol="0" anchor="ctr"/>
+          <a:lstStyle/>
+          <a:p>
+            <a:pPr algn="ctr"/>
+            <a:endParaRPr lang="zh-TW" altLang="en-US" dirty="0"/>
+          </a:p>
+        </p:txBody>
+      </p:sp>
+      <p:sp>
+        <p:nvSpPr>
+          <p:cNvPr id="10" name="矩形 9">
+            <a:extLst>
+              <a:ext uri="{FF2B5EF4-FFF2-40B4-BE49-F238E27FC236}">
+                <a16:creationId xmlns:a16="http://schemas.microsoft.com/office/drawing/2014/main" id="{71D1AE90-5374-1694-01E8-46EBF205B8D2}"/>
+              </a:ext>
+            </a:extLst>
+          </p:cNvPr>
+          <p:cNvSpPr/>
+          <p:nvPr/>
+        </p:nvSpPr>
+        <p:spPr>
+          <a:xfrm>
+            <a:off x="982910" y="2540087"/>
+            <a:ext cx="184558" cy="184558"/>
+          </a:xfrm>
+          <a:prstGeom prst="rect">
+            <a:avLst/>
+          </a:prstGeom>
+          <a:solidFill>
+            <a:schemeClr val="bg1"/>
+          </a:solidFill>
+        </p:spPr>
+        <p:style>
+          <a:lnRef idx="2">
+            <a:schemeClr val="dk1">
+              <a:shade val="15000"/>
+            </a:schemeClr>
+          </a:lnRef>
+          <a:fillRef idx="1">
+            <a:schemeClr val="dk1"/>
+          </a:fillRef>
+          <a:effectRef idx="0">
+            <a:schemeClr val="dk1"/>
+          </a:effectRef>
+          <a:fontRef idx="minor">
+            <a:schemeClr val="lt1"/>
+          </a:fontRef>
+        </p:style>
+        <p:txBody>
+          <a:bodyPr rtlCol="0" anchor="ctr"/>
+          <a:lstStyle/>
+          <a:p>
+            <a:pPr algn="ctr"/>
+            <a:endParaRPr lang="zh-TW" altLang="en-US"/>
+          </a:p>
+        </p:txBody>
+      </p:sp>
+      <p:sp>
+        <p:nvSpPr>
+          <p:cNvPr id="11" name="矩形 10">
+            <a:extLst>
+              <a:ext uri="{FF2B5EF4-FFF2-40B4-BE49-F238E27FC236}">
+                <a16:creationId xmlns:a16="http://schemas.microsoft.com/office/drawing/2014/main" id="{ADB5E317-CDEE-AE69-E22D-523994DE6934}"/>
+              </a:ext>
+            </a:extLst>
+          </p:cNvPr>
+          <p:cNvSpPr/>
+          <p:nvPr/>
+        </p:nvSpPr>
+        <p:spPr>
+          <a:xfrm>
+            <a:off x="992697" y="5048775"/>
+            <a:ext cx="184558" cy="184558"/>
+          </a:xfrm>
+          <a:prstGeom prst="rect">
+            <a:avLst/>
+          </a:prstGeom>
+          <a:solidFill>
+            <a:schemeClr val="bg1"/>
+          </a:solidFill>
+        </p:spPr>
+        <p:style>
+          <a:lnRef idx="2">
+            <a:schemeClr val="dk1">
+              <a:shade val="15000"/>
+            </a:schemeClr>
+          </a:lnRef>
+          <a:fillRef idx="1">
+            <a:schemeClr val="dk1"/>
+          </a:fillRef>
+          <a:effectRef idx="0">
+            <a:schemeClr val="dk1"/>
+          </a:effectRef>
+          <a:fontRef idx="minor">
+            <a:schemeClr val="lt1"/>
+          </a:fontRef>
+        </p:style>
+        <p:txBody>
+          <a:bodyPr rtlCol="0" anchor="ctr"/>
+          <a:lstStyle/>
+          <a:p>
+            <a:pPr algn="ctr"/>
+            <a:endParaRPr lang="zh-TW" altLang="en-US"/>
+          </a:p>
+        </p:txBody>
+      </p:sp>
+      <p:sp>
+        <p:nvSpPr>
+          <p:cNvPr id="5" name="矩形 4">
+            <a:extLst>
+              <a:ext uri="{FF2B5EF4-FFF2-40B4-BE49-F238E27FC236}">
+                <a16:creationId xmlns:a16="http://schemas.microsoft.com/office/drawing/2014/main" id="{C53E1BEB-CDA9-B728-1849-C9D4C027012E}"/>
+              </a:ext>
+            </a:extLst>
+          </p:cNvPr>
+          <p:cNvSpPr/>
+          <p:nvPr/>
+        </p:nvSpPr>
+        <p:spPr>
+          <a:xfrm>
+            <a:off x="6112429" y="2513143"/>
+            <a:ext cx="184558" cy="184558"/>
+          </a:xfrm>
+          <a:prstGeom prst="rect">
+            <a:avLst/>
+          </a:prstGeom>
+          <a:solidFill>
+            <a:schemeClr val="bg1"/>
+          </a:solidFill>
+        </p:spPr>
+        <p:style>
+          <a:lnRef idx="2">
+            <a:schemeClr val="dk1">
+              <a:shade val="15000"/>
+            </a:schemeClr>
+          </a:lnRef>
+          <a:fillRef idx="1">
+            <a:schemeClr val="dk1"/>
+          </a:fillRef>
+          <a:effectRef idx="0">
+            <a:schemeClr val="dk1"/>
+          </a:effectRef>
+          <a:fontRef idx="minor">
+            <a:schemeClr val="lt1"/>
+          </a:fontRef>
+        </p:style>
+        <p:txBody>
+          <a:bodyPr rtlCol="0" anchor="ctr"/>
+          <a:lstStyle/>
+          <a:p>
+            <a:pPr algn="ctr"/>
+            <a:endParaRPr lang="zh-TW" altLang="en-US"/>
+          </a:p>
+        </p:txBody>
+      </p:sp>
+      <p:sp>
+        <p:nvSpPr>
+          <p:cNvPr id="8" name="矩形 7">
+            <a:extLst>
+              <a:ext uri="{FF2B5EF4-FFF2-40B4-BE49-F238E27FC236}">
+                <a16:creationId xmlns:a16="http://schemas.microsoft.com/office/drawing/2014/main" id="{695CBF53-8009-E1E0-E8E9-1A9873D9B2F7}"/>
+              </a:ext>
+            </a:extLst>
+          </p:cNvPr>
+          <p:cNvSpPr/>
+          <p:nvPr/>
+        </p:nvSpPr>
+        <p:spPr>
+          <a:xfrm>
+            <a:off x="1375794" y="4242718"/>
+            <a:ext cx="184558" cy="184558"/>
+          </a:xfrm>
+          <a:prstGeom prst="rect">
+            <a:avLst/>
+          </a:prstGeom>
+          <a:solidFill>
+            <a:schemeClr val="bg1"/>
+          </a:solidFill>
+        </p:spPr>
+        <p:style>
+          <a:lnRef idx="2">
+            <a:schemeClr val="dk1">
+              <a:shade val="15000"/>
+            </a:schemeClr>
+          </a:lnRef>
+          <a:fillRef idx="1">
+            <a:schemeClr val="dk1"/>
+          </a:fillRef>
+          <a:effectRef idx="0">
+            <a:schemeClr val="dk1"/>
+          </a:effectRef>
+          <a:fontRef idx="minor">
+            <a:schemeClr val="lt1"/>
+          </a:fontRef>
+        </p:style>
+        <p:txBody>
+          <a:bodyPr rtlCol="0" anchor="ctr"/>
+          <a:lstStyle/>
+          <a:p>
+            <a:pPr algn="ctr"/>
+            <a:endParaRPr lang="zh-TW" altLang="en-US" dirty="0"/>
+          </a:p>
+        </p:txBody>
+      </p:sp>
+      <p:sp>
+        <p:nvSpPr>
+          <p:cNvPr id="4" name="投影片編號版面配置區 3">
+            <a:extLst>
+              <a:ext uri="{FF2B5EF4-FFF2-40B4-BE49-F238E27FC236}">
+                <a16:creationId xmlns:a16="http://schemas.microsoft.com/office/drawing/2014/main" id="{A28534D7-8EC5-49DD-858A-36D1F65BE12C}"/>
+              </a:ext>
+            </a:extLst>
+          </p:cNvPr>
+          <p:cNvSpPr>
+            <a:spLocks noGrp="1"/>
+          </p:cNvSpPr>
+          <p:nvPr>
+            <p:ph type="sldNum" sz="quarter" idx="12"/>
+          </p:nvPr>
+        </p:nvSpPr>
+        <p:spPr/>
+        <p:txBody>
+          <a:bodyPr/>
+          <a:lstStyle/>
+          <a:p>
+            <a:fld id="{983C7559-4B51-43AB-8024-A24F832BBAF1}" type="slidenum">
+              <a:rPr lang="zh-TW" altLang="en-US" smtClean="0"/>
+              <a:t>2</a:t>
+            </a:fld>
+            <a:endParaRPr lang="zh-TW" altLang="en-US"/>
+          </a:p>
+        </p:txBody>
+      </p:sp>
+    </p:spTree>
+    <p:extLst>
+      <p:ext uri="{BB962C8B-B14F-4D97-AF65-F5344CB8AC3E}">
+        <p14:creationId xmlns:p14="http://schemas.microsoft.com/office/powerpoint/2010/main" val="3540663340"/>
+      </p:ext>
+    </p:extLst>
+  </p:cSld>
+  <p:clrMapOvr>
+    <a:masterClrMapping/>
+  </p:clrMapOvr>
+</p:sld>
+</file>
+
+<file path=ppt/slides/slide3.xml><?xml version="1.0" encoding="utf-8"?>
+<p:sld xmlns:a="http://schemas.openxmlformats.org/drawingml/2006/main" xmlns:r="http://schemas.openxmlformats.org/officeDocument/2006/relationships" xmlns:p="http://schemas.openxmlformats.org/presentationml/2006/main">
+  <p:cSld>
+    <p:spTree>
+      <p:nvGrpSpPr>
+        <p:cNvPr id="1" name=""/>
+        <p:cNvGrpSpPr/>
+        <p:nvPr/>
+      </p:nvGrpSpPr>
+      <p:grpSpPr>
+        <a:xfrm>
+          <a:off x="0" y="0"/>
+          <a:ext cx="0" cy="0"/>
+          <a:chOff x="0" y="0"/>
+          <a:chExt cx="0" cy="0"/>
+        </a:xfrm>
+      </p:grpSpPr>
+      <p:sp>
+        <p:nvSpPr>
+          <p:cNvPr id="2" name="標題 1">
+            <a:extLst>
+              <a:ext uri="{FF2B5EF4-FFF2-40B4-BE49-F238E27FC236}">
+                <a16:creationId xmlns:a16="http://schemas.microsoft.com/office/drawing/2014/main" id="{1ECBA104-4648-E88C-B389-8FF99E77DD24}"/>
+              </a:ext>
+            </a:extLst>
+          </p:cNvPr>
+          <p:cNvSpPr>
+            <a:spLocks noGrp="1"/>
+          </p:cNvSpPr>
+          <p:nvPr>
+            <p:ph type="title"/>
+          </p:nvPr>
+        </p:nvSpPr>
+        <p:spPr/>
+        <p:txBody>
+          <a:bodyPr/>
+          <a:lstStyle/>
+          <a:p>
+            <a:pPr algn="ctr"/>
+            <a:r>
+              <a:rPr lang="zh-TW" altLang="en-US" dirty="0">
+                <a:latin typeface="標楷體" panose="03000509000000000000" pitchFamily="65" charset="-120"/>
+                <a:ea typeface="標楷體" panose="03000509000000000000" pitchFamily="65" charset="-120"/>
+              </a:rPr>
+              <a:t>姿勢判定模型資料集蒐集方式</a:t>
+            </a:r>
+          </a:p>
+        </p:txBody>
+      </p:sp>
+      <p:sp>
+        <p:nvSpPr>
+          <p:cNvPr id="8" name="內容版面配置區 7">
+            <a:extLst>
+              <a:ext uri="{FF2B5EF4-FFF2-40B4-BE49-F238E27FC236}">
+                <a16:creationId xmlns:a16="http://schemas.microsoft.com/office/drawing/2014/main" id="{3CC5F529-E7E7-930F-6185-FFE90C766136}"/>
+              </a:ext>
+            </a:extLst>
+          </p:cNvPr>
+          <p:cNvSpPr>
+            <a:spLocks noGrp="1"/>
+          </p:cNvSpPr>
+          <p:nvPr>
+            <p:ph idx="1"/>
+          </p:nvPr>
+        </p:nvSpPr>
+        <p:spPr/>
+        <p:txBody>
+          <a:bodyPr>
+            <a:normAutofit/>
+          </a:bodyPr>
+          <a:lstStyle/>
+          <a:p>
+            <a:r>
+              <a:rPr lang="zh-TW" altLang="en-US" dirty="0">
+                <a:solidFill>
+                  <a:srgbClr val="FF0000"/>
+                </a:solidFill>
+                <a:latin typeface="標楷體" panose="03000509000000000000" pitchFamily="65" charset="-120"/>
+                <a:ea typeface="標楷體" panose="03000509000000000000" pitchFamily="65" charset="-120"/>
+              </a:rPr>
+              <a:t>標準</a:t>
+            </a:r>
+            <a:r>
+              <a:rPr lang="en-US" altLang="zh-TW" dirty="0">
+                <a:solidFill>
+                  <a:srgbClr val="FF0000"/>
+                </a:solidFill>
+                <a:latin typeface="標楷體" panose="03000509000000000000" pitchFamily="65" charset="-120"/>
+                <a:ea typeface="標楷體" panose="03000509000000000000" pitchFamily="65" charset="-120"/>
+              </a:rPr>
+              <a:t>_</a:t>
+            </a:r>
+            <a:r>
+              <a:rPr lang="zh-TW" altLang="en-US" dirty="0">
+                <a:solidFill>
+                  <a:srgbClr val="FF0000"/>
+                </a:solidFill>
+                <a:latin typeface="標楷體" panose="03000509000000000000" pitchFamily="65" charset="-120"/>
+                <a:ea typeface="標楷體" panose="03000509000000000000" pitchFamily="65" charset="-120"/>
+              </a:rPr>
+              <a:t>標準</a:t>
+            </a:r>
+            <a:r>
+              <a:rPr lang="zh-TW" altLang="en-US" dirty="0">
+                <a:latin typeface="標楷體" panose="03000509000000000000" pitchFamily="65" charset="-120"/>
+                <a:ea typeface="標楷體" panose="03000509000000000000" pitchFamily="65" charset="-120"/>
+              </a:rPr>
+              <a:t>：抓取網路上的影片素材</a:t>
+            </a:r>
+            <a:endParaRPr lang="en-US" altLang="zh-TW" dirty="0">
+              <a:latin typeface="標楷體" panose="03000509000000000000" pitchFamily="65" charset="-120"/>
+              <a:ea typeface="標楷體" panose="03000509000000000000" pitchFamily="65" charset="-120"/>
+            </a:endParaRPr>
+          </a:p>
+          <a:p>
+            <a:r>
+              <a:rPr lang="zh-TW" altLang="en-US" dirty="0">
+                <a:solidFill>
+                  <a:srgbClr val="FF0000"/>
+                </a:solidFill>
+                <a:latin typeface="標楷體" panose="03000509000000000000" pitchFamily="65" charset="-120"/>
+                <a:ea typeface="標楷體" panose="03000509000000000000" pitchFamily="65" charset="-120"/>
+              </a:rPr>
+              <a:t>其他八種深蹲類別</a:t>
+            </a:r>
+            <a:r>
+              <a:rPr lang="zh-TW" altLang="en-US" dirty="0">
+                <a:latin typeface="標楷體" panose="03000509000000000000" pitchFamily="65" charset="-120"/>
+                <a:ea typeface="標楷體" panose="03000509000000000000" pitchFamily="65" charset="-120"/>
+              </a:rPr>
+              <a:t>：自行錄製影片，分類都是先以標準姿勢為膝蓋與雙腳距離為</a:t>
+            </a:r>
+            <a:r>
+              <a:rPr lang="en-US" altLang="zh-TW" dirty="0">
+                <a:latin typeface="標楷體" panose="03000509000000000000" pitchFamily="65" charset="-120"/>
+                <a:ea typeface="標楷體" panose="03000509000000000000" pitchFamily="65" charset="-120"/>
+              </a:rPr>
+              <a:t>1.4</a:t>
+            </a:r>
+            <a:r>
+              <a:rPr lang="zh-TW" altLang="en-US" dirty="0">
+                <a:latin typeface="標楷體" panose="03000509000000000000" pitchFamily="65" charset="-120"/>
+                <a:ea typeface="標楷體" panose="03000509000000000000" pitchFamily="65" charset="-120"/>
+              </a:rPr>
+              <a:t>倍肩寬為標準</a:t>
+            </a:r>
+            <a:br>
+              <a:rPr lang="en-US" altLang="zh-TW" dirty="0">
+                <a:latin typeface="標楷體" panose="03000509000000000000" pitchFamily="65" charset="-120"/>
+                <a:ea typeface="標楷體" panose="03000509000000000000" pitchFamily="65" charset="-120"/>
+              </a:rPr>
+            </a:br>
+            <a:r>
+              <a:rPr lang="zh-TW" altLang="en-US" dirty="0">
+                <a:latin typeface="標楷體" panose="03000509000000000000" pitchFamily="65" charset="-120"/>
+                <a:ea typeface="標楷體" panose="03000509000000000000" pitchFamily="65" charset="-120"/>
+              </a:rPr>
+              <a:t>例如製作過寬</a:t>
+            </a:r>
+            <a:r>
+              <a:rPr lang="en-US" altLang="zh-TW" dirty="0">
+                <a:latin typeface="標楷體" panose="03000509000000000000" pitchFamily="65" charset="-120"/>
+                <a:ea typeface="標楷體" panose="03000509000000000000" pitchFamily="65" charset="-120"/>
+              </a:rPr>
+              <a:t>_</a:t>
+            </a:r>
+            <a:r>
+              <a:rPr lang="zh-TW" altLang="en-US" dirty="0">
+                <a:latin typeface="標楷體" panose="03000509000000000000" pitchFamily="65" charset="-120"/>
+                <a:ea typeface="標楷體" panose="03000509000000000000" pitchFamily="65" charset="-120"/>
+              </a:rPr>
+              <a:t>過窄這類時，會以雙腳距離超過</a:t>
+            </a:r>
+            <a:r>
+              <a:rPr lang="en-US" altLang="zh-TW" dirty="0">
+                <a:latin typeface="標楷體" panose="03000509000000000000" pitchFamily="65" charset="-120"/>
+                <a:ea typeface="標楷體" panose="03000509000000000000" pitchFamily="65" charset="-120"/>
+              </a:rPr>
+              <a:t>1.4</a:t>
+            </a:r>
+            <a:r>
+              <a:rPr lang="zh-TW" altLang="en-US" dirty="0">
+                <a:latin typeface="標楷體" panose="03000509000000000000" pitchFamily="65" charset="-120"/>
+                <a:ea typeface="標楷體" panose="03000509000000000000" pitchFamily="65" charset="-120"/>
+              </a:rPr>
+              <a:t>倍肩寬、膝蓋       距離小於</a:t>
+            </a:r>
+            <a:r>
+              <a:rPr lang="en-US" altLang="zh-TW" dirty="0">
+                <a:latin typeface="標楷體" panose="03000509000000000000" pitchFamily="65" charset="-120"/>
+                <a:ea typeface="標楷體" panose="03000509000000000000" pitchFamily="65" charset="-120"/>
+              </a:rPr>
+              <a:t>1.4</a:t>
+            </a:r>
+            <a:r>
+              <a:rPr lang="zh-TW" altLang="en-US" dirty="0">
+                <a:latin typeface="標楷體" panose="03000509000000000000" pitchFamily="65" charset="-120"/>
+                <a:ea typeface="標楷體" panose="03000509000000000000" pitchFamily="65" charset="-120"/>
+              </a:rPr>
+              <a:t>倍肩寬的姿勢來進行動作</a:t>
+            </a:r>
+            <a:endParaRPr lang="en-US" altLang="zh-TW" dirty="0">
+              <a:latin typeface="標楷體" panose="03000509000000000000" pitchFamily="65" charset="-120"/>
+              <a:ea typeface="標楷體" panose="03000509000000000000" pitchFamily="65" charset="-120"/>
+            </a:endParaRPr>
+          </a:p>
+          <a:p>
+            <a:r>
+              <a:rPr lang="zh-TW" altLang="en-US" dirty="0">
+                <a:solidFill>
+                  <a:srgbClr val="FF0000"/>
+                </a:solidFill>
+                <a:latin typeface="標楷體" panose="03000509000000000000" pitchFamily="65" charset="-120"/>
+                <a:ea typeface="標楷體" panose="03000509000000000000" pitchFamily="65" charset="-120"/>
+              </a:rPr>
+              <a:t>問題</a:t>
+            </a:r>
+            <a:r>
+              <a:rPr lang="zh-TW" altLang="en-US" dirty="0">
+                <a:latin typeface="標楷體" panose="03000509000000000000" pitchFamily="65" charset="-120"/>
+                <a:ea typeface="標楷體" panose="03000509000000000000" pitchFamily="65" charset="-120"/>
+              </a:rPr>
+              <a:t>：因為資料集當中包含動作的全程，所以在蹲到最底的過程中膝蓋距離會逐漸變大，就會導致誤判</a:t>
+            </a:r>
+            <a:br>
+              <a:rPr lang="en-US" altLang="zh-TW" dirty="0">
+                <a:latin typeface="標楷體" panose="03000509000000000000" pitchFamily="65" charset="-120"/>
+                <a:ea typeface="標楷體" panose="03000509000000000000" pitchFamily="65" charset="-120"/>
+              </a:rPr>
+            </a:br>
+            <a:r>
+              <a:rPr lang="zh-TW" altLang="en-US" dirty="0">
+                <a:latin typeface="標楷體" panose="03000509000000000000" pitchFamily="65" charset="-120"/>
+                <a:ea typeface="標楷體" panose="03000509000000000000" pitchFamily="65" charset="-120"/>
+              </a:rPr>
+              <a:t>例如在過寬</a:t>
+            </a:r>
+            <a:r>
+              <a:rPr lang="en-US" altLang="zh-TW" dirty="0">
+                <a:latin typeface="標楷體" panose="03000509000000000000" pitchFamily="65" charset="-120"/>
+                <a:ea typeface="標楷體" panose="03000509000000000000" pitchFamily="65" charset="-120"/>
+              </a:rPr>
+              <a:t>_</a:t>
+            </a:r>
+            <a:r>
+              <a:rPr lang="zh-TW" altLang="en-US" dirty="0">
+                <a:latin typeface="標楷體" panose="03000509000000000000" pitchFamily="65" charset="-120"/>
+                <a:ea typeface="標楷體" panose="03000509000000000000" pitchFamily="65" charset="-120"/>
+              </a:rPr>
+              <a:t>過寬這類，在完全站立時的姿勢可能比較貼近過寬</a:t>
+            </a:r>
+            <a:r>
+              <a:rPr lang="en-US" altLang="zh-TW" dirty="0">
+                <a:latin typeface="標楷體" panose="03000509000000000000" pitchFamily="65" charset="-120"/>
+                <a:ea typeface="標楷體" panose="03000509000000000000" pitchFamily="65" charset="-120"/>
+              </a:rPr>
+              <a:t>_</a:t>
+            </a:r>
+            <a:r>
+              <a:rPr lang="zh-TW" altLang="en-US" dirty="0">
+                <a:latin typeface="標楷體" panose="03000509000000000000" pitchFamily="65" charset="-120"/>
+                <a:ea typeface="標楷體" panose="03000509000000000000" pitchFamily="65" charset="-120"/>
+              </a:rPr>
+              <a:t>標準，在蹲下去的過程中膝蓋才會慢慢打開變成過寬</a:t>
+            </a:r>
+            <a:br>
+              <a:rPr lang="en-US" altLang="zh-TW" dirty="0">
+                <a:latin typeface="標楷體" panose="03000509000000000000" pitchFamily="65" charset="-120"/>
+                <a:ea typeface="標楷體" panose="03000509000000000000" pitchFamily="65" charset="-120"/>
+              </a:rPr>
+            </a:br>
+            <a:endParaRPr lang="zh-TW" altLang="en-US" dirty="0">
+              <a:latin typeface="標楷體" panose="03000509000000000000" pitchFamily="65" charset="-120"/>
+              <a:ea typeface="標楷體" panose="03000509000000000000" pitchFamily="65" charset="-120"/>
+            </a:endParaRPr>
+          </a:p>
+        </p:txBody>
+      </p:sp>
+      <p:sp>
+        <p:nvSpPr>
+          <p:cNvPr id="3" name="投影片編號版面配置區 2">
+            <a:extLst>
+              <a:ext uri="{FF2B5EF4-FFF2-40B4-BE49-F238E27FC236}">
+                <a16:creationId xmlns:a16="http://schemas.microsoft.com/office/drawing/2014/main" id="{9BC4C3FB-98F7-5918-58E8-53F52D6B14FF}"/>
+              </a:ext>
+            </a:extLst>
+          </p:cNvPr>
+          <p:cNvSpPr>
+            <a:spLocks noGrp="1"/>
+          </p:cNvSpPr>
+          <p:nvPr>
+            <p:ph type="sldNum" sz="quarter" idx="12"/>
+          </p:nvPr>
+        </p:nvSpPr>
+        <p:spPr/>
+        <p:txBody>
+          <a:bodyPr/>
+          <a:lstStyle/>
+          <a:p>
+            <a:fld id="{983C7559-4B51-43AB-8024-A24F832BBAF1}" type="slidenum">
+              <a:rPr lang="zh-TW" altLang="en-US" smtClean="0"/>
+              <a:t>3</a:t>
+            </a:fld>
+            <a:endParaRPr lang="zh-TW" altLang="en-US"/>
+          </a:p>
+        </p:txBody>
+      </p:sp>
+    </p:spTree>
+    <p:extLst>
+      <p:ext uri="{BB962C8B-B14F-4D97-AF65-F5344CB8AC3E}">
+        <p14:creationId xmlns:p14="http://schemas.microsoft.com/office/powerpoint/2010/main" val="182873268"/>
+      </p:ext>
+    </p:extLst>
+  </p:cSld>
+  <p:clrMapOvr>
+    <a:masterClrMapping/>
+  </p:clrMapOvr>
+</p:sld>
+</file>
+
+<file path=ppt/slides/slide4.xml><?xml version="1.0" encoding="utf-8"?>
+<p:sld xmlns:a="http://schemas.openxmlformats.org/drawingml/2006/main" xmlns:r="http://schemas.openxmlformats.org/officeDocument/2006/relationships" xmlns:p="http://schemas.openxmlformats.org/presentationml/2006/main">
+  <p:cSld>
+    <p:spTree>
+      <p:nvGrpSpPr>
+        <p:cNvPr id="1" name=""/>
+        <p:cNvGrpSpPr/>
+        <p:nvPr/>
+      </p:nvGrpSpPr>
+      <p:grpSpPr>
+        <a:xfrm>
+          <a:off x="0" y="0"/>
+          <a:ext cx="0" cy="0"/>
+          <a:chOff x="0" y="0"/>
+          <a:chExt cx="0" cy="0"/>
+        </a:xfrm>
+      </p:grpSpPr>
+      <p:sp>
+        <p:nvSpPr>
+          <p:cNvPr id="2" name="標題 1">
+            <a:extLst>
+              <a:ext uri="{FF2B5EF4-FFF2-40B4-BE49-F238E27FC236}">
+                <a16:creationId xmlns:a16="http://schemas.microsoft.com/office/drawing/2014/main" id="{1387F97B-35AD-7296-3DD5-7B5AF83D5449}"/>
+              </a:ext>
+            </a:extLst>
+          </p:cNvPr>
+          <p:cNvSpPr>
+            <a:spLocks noGrp="1"/>
+          </p:cNvSpPr>
+          <p:nvPr>
+            <p:ph type="title"/>
+          </p:nvPr>
+        </p:nvSpPr>
+        <p:spPr/>
+        <p:txBody>
+          <a:bodyPr/>
+          <a:lstStyle/>
+          <a:p>
+            <a:pPr algn="ctr"/>
+            <a:r>
+              <a:rPr lang="zh-TW" altLang="en-US" dirty="0">
+                <a:latin typeface="標楷體" panose="03000509000000000000" pitchFamily="65" charset="-120"/>
+                <a:ea typeface="標楷體" panose="03000509000000000000" pitchFamily="65" charset="-120"/>
+              </a:rPr>
+              <a:t>嘗試的解決方法</a:t>
+            </a:r>
+          </a:p>
+        </p:txBody>
+      </p:sp>
+      <p:sp>
+        <p:nvSpPr>
+          <p:cNvPr id="4" name="內容版面配置區 3">
+            <a:extLst>
+              <a:ext uri="{FF2B5EF4-FFF2-40B4-BE49-F238E27FC236}">
+                <a16:creationId xmlns:a16="http://schemas.microsoft.com/office/drawing/2014/main" id="{FA3F2612-26D3-C0D1-797E-8C7932C6C0A8}"/>
+              </a:ext>
+            </a:extLst>
+          </p:cNvPr>
+          <p:cNvSpPr txBox="1">
+            <a:spLocks noGrp="1"/>
+          </p:cNvSpPr>
+          <p:nvPr>
+            <p:ph idx="1"/>
+          </p:nvPr>
+        </p:nvSpPr>
+        <p:spPr>
+          <a:xfrm>
+            <a:off x="838200" y="1825625"/>
+            <a:ext cx="10515600" cy="2343206"/>
+          </a:xfrm>
+          <a:prstGeom prst="rect">
+            <a:avLst/>
+          </a:prstGeom>
+          <a:noFill/>
+        </p:spPr>
+        <p:txBody>
+          <a:bodyPr wrap="square" rtlCol="0">
+            <a:spAutoFit/>
+          </a:bodyPr>
+          <a:lstStyle/>
+          <a:p>
+            <a:pPr marL="342900" indent="-342900">
+              <a:buFont typeface="Arial" panose="020B0604020202020204" pitchFamily="34" charset="0"/>
+              <a:buChar char="•"/>
+            </a:pPr>
+            <a:r>
+              <a:rPr lang="zh-TW" altLang="en-US" sz="2400" dirty="0">
+                <a:latin typeface="標楷體" panose="03000509000000000000" pitchFamily="65" charset="-120"/>
+                <a:ea typeface="標楷體" panose="03000509000000000000" pitchFamily="65" charset="-120"/>
+              </a:rPr>
+              <a:t>觀察</a:t>
+            </a:r>
+            <a:r>
+              <a:rPr lang="en-US" altLang="zh-TW" sz="2400" dirty="0">
+                <a:solidFill>
+                  <a:srgbClr val="FF0000"/>
+                </a:solidFill>
+                <a:latin typeface="標楷體" panose="03000509000000000000" pitchFamily="65" charset="-120"/>
+                <a:ea typeface="標楷體" panose="03000509000000000000" pitchFamily="65" charset="-120"/>
+              </a:rPr>
+              <a:t>8</a:t>
+            </a:r>
+            <a:r>
+              <a:rPr lang="zh-TW" altLang="en-US" sz="2400" dirty="0">
+                <a:solidFill>
+                  <a:srgbClr val="FF0000"/>
+                </a:solidFill>
+                <a:latin typeface="標楷體" panose="03000509000000000000" pitchFamily="65" charset="-120"/>
+                <a:ea typeface="標楷體" panose="03000509000000000000" pitchFamily="65" charset="-120"/>
+              </a:rPr>
+              <a:t>號節點</a:t>
+            </a:r>
+            <a:r>
+              <a:rPr lang="zh-TW" altLang="en-US" sz="2400" dirty="0">
+                <a:latin typeface="標楷體" panose="03000509000000000000" pitchFamily="65" charset="-120"/>
+                <a:ea typeface="標楷體" panose="03000509000000000000" pitchFamily="65" charset="-120"/>
+              </a:rPr>
+              <a:t>的</a:t>
+            </a:r>
+            <a:r>
+              <a:rPr lang="en-US" altLang="zh-TW" sz="2400" dirty="0">
+                <a:solidFill>
+                  <a:srgbClr val="FF0000"/>
+                </a:solidFill>
+                <a:latin typeface="標楷體" panose="03000509000000000000" pitchFamily="65" charset="-120"/>
+                <a:ea typeface="標楷體" panose="03000509000000000000" pitchFamily="65" charset="-120"/>
+              </a:rPr>
+              <a:t>y</a:t>
+            </a:r>
+            <a:r>
+              <a:rPr lang="zh-TW" altLang="en-US" sz="2400" dirty="0">
+                <a:solidFill>
+                  <a:srgbClr val="FF0000"/>
+                </a:solidFill>
+                <a:latin typeface="標楷體" panose="03000509000000000000" pitchFamily="65" charset="-120"/>
+                <a:ea typeface="標楷體" panose="03000509000000000000" pitchFamily="65" charset="-120"/>
+              </a:rPr>
+              <a:t>軸座標</a:t>
+            </a:r>
+            <a:r>
+              <a:rPr lang="en-US" altLang="zh-TW" sz="2400" dirty="0">
+                <a:solidFill>
+                  <a:srgbClr val="FF0000"/>
+                </a:solidFill>
+                <a:latin typeface="標楷體" panose="03000509000000000000" pitchFamily="65" charset="-120"/>
+                <a:ea typeface="標楷體" panose="03000509000000000000" pitchFamily="65" charset="-120"/>
+              </a:rPr>
+              <a:t>(</a:t>
+            </a:r>
+            <a:r>
+              <a:rPr lang="zh-TW" altLang="en-US" sz="2400" dirty="0">
+                <a:solidFill>
+                  <a:srgbClr val="FF0000"/>
+                </a:solidFill>
+                <a:latin typeface="標楷體" panose="03000509000000000000" pitchFamily="65" charset="-120"/>
+                <a:ea typeface="標楷體" panose="03000509000000000000" pitchFamily="65" charset="-120"/>
+              </a:rPr>
+              <a:t>數字越大越下面</a:t>
+            </a:r>
+            <a:r>
+              <a:rPr lang="en-US" altLang="zh-TW" sz="2400" dirty="0">
+                <a:solidFill>
+                  <a:srgbClr val="FF0000"/>
+                </a:solidFill>
+                <a:latin typeface="標楷體" panose="03000509000000000000" pitchFamily="65" charset="-120"/>
+                <a:ea typeface="標楷體" panose="03000509000000000000" pitchFamily="65" charset="-120"/>
+              </a:rPr>
+              <a:t>)</a:t>
+            </a:r>
+          </a:p>
+          <a:p>
+            <a:endParaRPr lang="en-US" altLang="zh-TW" sz="2400" dirty="0">
+              <a:latin typeface="標楷體" panose="03000509000000000000" pitchFamily="65" charset="-120"/>
+              <a:ea typeface="標楷體" panose="03000509000000000000" pitchFamily="65" charset="-120"/>
+            </a:endParaRPr>
+          </a:p>
+          <a:p>
+            <a:r>
+              <a:rPr lang="zh-TW" altLang="en-US" sz="2400" dirty="0">
+                <a:latin typeface="標楷體" panose="03000509000000000000" pitchFamily="65" charset="-120"/>
+                <a:ea typeface="標楷體" panose="03000509000000000000" pitchFamily="65" charset="-120"/>
+              </a:rPr>
+              <a:t>因為每個影片會逐幀輸出</a:t>
+            </a:r>
+            <a:r>
+              <a:rPr lang="en-US" altLang="zh-TW" sz="2400" dirty="0" err="1">
+                <a:latin typeface="標楷體" panose="03000509000000000000" pitchFamily="65" charset="-120"/>
+                <a:ea typeface="標楷體" panose="03000509000000000000" pitchFamily="65" charset="-120"/>
+              </a:rPr>
+              <a:t>json</a:t>
+            </a:r>
+            <a:r>
+              <a:rPr lang="zh-TW" altLang="en-US" sz="2400" dirty="0">
+                <a:latin typeface="標楷體" panose="03000509000000000000" pitchFamily="65" charset="-120"/>
+                <a:ea typeface="標楷體" panose="03000509000000000000" pitchFamily="65" charset="-120"/>
+              </a:rPr>
+              <a:t>檔，因此可以找出所有</a:t>
+            </a:r>
+            <a:br>
+              <a:rPr lang="en-US" altLang="zh-TW" sz="2400" dirty="0">
+                <a:latin typeface="標楷體" panose="03000509000000000000" pitchFamily="65" charset="-120"/>
+                <a:ea typeface="標楷體" panose="03000509000000000000" pitchFamily="65" charset="-120"/>
+              </a:rPr>
+            </a:br>
+            <a:r>
+              <a:rPr lang="en-US" altLang="zh-TW" sz="2400" dirty="0" err="1">
+                <a:latin typeface="標楷體" panose="03000509000000000000" pitchFamily="65" charset="-120"/>
+                <a:ea typeface="標楷體" panose="03000509000000000000" pitchFamily="65" charset="-120"/>
+              </a:rPr>
+              <a:t>json</a:t>
+            </a:r>
+            <a:r>
+              <a:rPr lang="zh-TW" altLang="en-US" sz="2400" dirty="0">
+                <a:latin typeface="標楷體" panose="03000509000000000000" pitchFamily="65" charset="-120"/>
+                <a:ea typeface="標楷體" panose="03000509000000000000" pitchFamily="65" charset="-120"/>
+              </a:rPr>
+              <a:t>檔中</a:t>
+            </a:r>
+            <a:r>
+              <a:rPr lang="en-US" altLang="zh-TW" sz="2400" dirty="0">
+                <a:latin typeface="標楷體" panose="03000509000000000000" pitchFamily="65" charset="-120"/>
+                <a:ea typeface="標楷體" panose="03000509000000000000" pitchFamily="65" charset="-120"/>
+              </a:rPr>
+              <a:t>8</a:t>
+            </a:r>
+            <a:r>
+              <a:rPr lang="zh-TW" altLang="en-US" sz="2400" dirty="0">
+                <a:latin typeface="標楷體" panose="03000509000000000000" pitchFamily="65" charset="-120"/>
+                <a:ea typeface="標楷體" panose="03000509000000000000" pitchFamily="65" charset="-120"/>
+              </a:rPr>
+              <a:t>號節點的最小值，並將與最小值差</a:t>
+            </a:r>
+            <a:r>
+              <a:rPr lang="en-US" altLang="zh-TW" sz="2400" dirty="0">
+                <a:latin typeface="標楷體" panose="03000509000000000000" pitchFamily="65" charset="-120"/>
+                <a:ea typeface="標楷體" panose="03000509000000000000" pitchFamily="65" charset="-120"/>
+              </a:rPr>
+              <a:t>0.02</a:t>
+            </a:r>
+            <a:r>
+              <a:rPr lang="zh-TW" altLang="en-US" sz="2400" dirty="0">
+                <a:latin typeface="標楷體" panose="03000509000000000000" pitchFamily="65" charset="-120"/>
+                <a:ea typeface="標楷體" panose="03000509000000000000" pitchFamily="65" charset="-120"/>
+              </a:rPr>
+              <a:t>的</a:t>
+            </a:r>
+            <a:br>
+              <a:rPr lang="en-US" altLang="zh-TW" sz="2400" dirty="0">
+                <a:latin typeface="標楷體" panose="03000509000000000000" pitchFamily="65" charset="-120"/>
+                <a:ea typeface="標楷體" panose="03000509000000000000" pitchFamily="65" charset="-120"/>
+              </a:rPr>
+            </a:br>
+            <a:r>
+              <a:rPr lang="zh-TW" altLang="en-US" sz="2400" dirty="0">
+                <a:latin typeface="標楷體" panose="03000509000000000000" pitchFamily="65" charset="-120"/>
+                <a:ea typeface="標楷體" panose="03000509000000000000" pitchFamily="65" charset="-120"/>
+              </a:rPr>
+              <a:t>檔案刪除，讓模型只針對</a:t>
+            </a:r>
+            <a:r>
+              <a:rPr lang="zh-TW" altLang="en-US" sz="2400" dirty="0">
+                <a:solidFill>
+                  <a:srgbClr val="FF0000"/>
+                </a:solidFill>
+                <a:latin typeface="標楷體" panose="03000509000000000000" pitchFamily="65" charset="-120"/>
+                <a:ea typeface="標楷體" panose="03000509000000000000" pitchFamily="65" charset="-120"/>
+              </a:rPr>
+              <a:t>動作正在往下</a:t>
+            </a:r>
+            <a:r>
+              <a:rPr lang="zh-TW" altLang="en-US" sz="2400" dirty="0">
+                <a:latin typeface="標楷體" panose="03000509000000000000" pitchFamily="65" charset="-120"/>
+                <a:ea typeface="標楷體" panose="03000509000000000000" pitchFamily="65" charset="-120"/>
+              </a:rPr>
+              <a:t>、</a:t>
+            </a:r>
+            <a:r>
+              <a:rPr lang="zh-TW" altLang="en-US" sz="2400" dirty="0">
+                <a:solidFill>
+                  <a:srgbClr val="FF0000"/>
+                </a:solidFill>
+                <a:latin typeface="標楷體" panose="03000509000000000000" pitchFamily="65" charset="-120"/>
+                <a:ea typeface="標楷體" panose="03000509000000000000" pitchFamily="65" charset="-120"/>
+              </a:rPr>
+              <a:t>蹲到最底</a:t>
+            </a:r>
+            <a:r>
+              <a:rPr lang="zh-TW" altLang="en-US" sz="2400" dirty="0">
+                <a:latin typeface="標楷體" panose="03000509000000000000" pitchFamily="65" charset="-120"/>
+                <a:ea typeface="標楷體" panose="03000509000000000000" pitchFamily="65" charset="-120"/>
+              </a:rPr>
+              <a:t>、</a:t>
+            </a:r>
+            <a:br>
+              <a:rPr lang="en-US" altLang="zh-TW" sz="2400" dirty="0">
+                <a:latin typeface="標楷體" panose="03000509000000000000" pitchFamily="65" charset="-120"/>
+                <a:ea typeface="標楷體" panose="03000509000000000000" pitchFamily="65" charset="-120"/>
+              </a:rPr>
+            </a:br>
+            <a:r>
+              <a:rPr lang="zh-TW" altLang="en-US" sz="2400" dirty="0">
+                <a:solidFill>
+                  <a:srgbClr val="FF0000"/>
+                </a:solidFill>
+                <a:latin typeface="標楷體" panose="03000509000000000000" pitchFamily="65" charset="-120"/>
+                <a:ea typeface="標楷體" panose="03000509000000000000" pitchFamily="65" charset="-120"/>
+              </a:rPr>
+              <a:t>動作正在往上</a:t>
+            </a:r>
+            <a:r>
+              <a:rPr lang="zh-TW" altLang="en-US" sz="2400" dirty="0">
+                <a:latin typeface="標楷體" panose="03000509000000000000" pitchFamily="65" charset="-120"/>
+                <a:ea typeface="標楷體" panose="03000509000000000000" pitchFamily="65" charset="-120"/>
+              </a:rPr>
+              <a:t>這三種情況進行判定</a:t>
+            </a:r>
+          </a:p>
+        </p:txBody>
+      </p:sp>
+      <p:pic>
+        <p:nvPicPr>
+          <p:cNvPr id="5" name="圖片 4">
+            <a:extLst>
+              <a:ext uri="{FF2B5EF4-FFF2-40B4-BE49-F238E27FC236}">
+                <a16:creationId xmlns:a16="http://schemas.microsoft.com/office/drawing/2014/main" id="{6F2F3513-5908-B7A6-EE10-9F7D8671FCF8}"/>
+              </a:ext>
+            </a:extLst>
+          </p:cNvPr>
+          <p:cNvPicPr>
+            <a:picLocks noChangeAspect="1"/>
+          </p:cNvPicPr>
+          <p:nvPr/>
+        </p:nvPicPr>
+        <p:blipFill>
+          <a:blip r:embed="rId2"/>
+          <a:stretch>
+            <a:fillRect/>
+          </a:stretch>
+        </p:blipFill>
+        <p:spPr>
+          <a:xfrm>
+            <a:off x="8480724" y="1460226"/>
+            <a:ext cx="2737341" cy="4651651"/>
+          </a:xfrm>
+          <a:prstGeom prst="rect">
+            <a:avLst/>
+          </a:prstGeom>
+        </p:spPr>
+      </p:pic>
+      <p:sp>
+        <p:nvSpPr>
+          <p:cNvPr id="3" name="投影片編號版面配置區 2">
+            <a:extLst>
+              <a:ext uri="{FF2B5EF4-FFF2-40B4-BE49-F238E27FC236}">
+                <a16:creationId xmlns:a16="http://schemas.microsoft.com/office/drawing/2014/main" id="{06E612BC-4EB2-E121-E7BC-9975A06E6191}"/>
+              </a:ext>
+            </a:extLst>
+          </p:cNvPr>
+          <p:cNvSpPr>
+            <a:spLocks noGrp="1"/>
+          </p:cNvSpPr>
+          <p:nvPr>
+            <p:ph type="sldNum" sz="quarter" idx="12"/>
+          </p:nvPr>
+        </p:nvSpPr>
+        <p:spPr/>
+        <p:txBody>
+          <a:bodyPr/>
+          <a:lstStyle/>
+          <a:p>
+            <a:fld id="{983C7559-4B51-43AB-8024-A24F832BBAF1}" type="slidenum">
+              <a:rPr lang="zh-TW" altLang="en-US" smtClean="0"/>
+              <a:t>4</a:t>
+            </a:fld>
+            <a:endParaRPr lang="zh-TW" altLang="en-US"/>
+          </a:p>
+        </p:txBody>
+      </p:sp>
+    </p:spTree>
+    <p:extLst>
+      <p:ext uri="{BB962C8B-B14F-4D97-AF65-F5344CB8AC3E}">
+        <p14:creationId xmlns:p14="http://schemas.microsoft.com/office/powerpoint/2010/main" val="3670297351"/>
+      </p:ext>
+    </p:extLst>
+  </p:cSld>
+  <p:clrMapOvr>
+    <a:masterClrMapping/>
+  </p:clrMapOvr>
+</p:sld>
+</file>
+
+<file path=ppt/slides/slide5.xml><?xml version="1.0" encoding="utf-8"?>
+<p:sld xmlns:a="http://schemas.openxmlformats.org/drawingml/2006/main" xmlns:r="http://schemas.openxmlformats.org/officeDocument/2006/relationships" xmlns:p="http://schemas.openxmlformats.org/presentationml/2006/main">
+  <p:cSld>
+    <p:spTree>
+      <p:nvGrpSpPr>
+        <p:cNvPr id="1" name=""/>
+        <p:cNvGrpSpPr/>
+        <p:nvPr/>
+      </p:nvGrpSpPr>
+      <p:grpSpPr>
+        <a:xfrm>
+          <a:off x="0" y="0"/>
+          <a:ext cx="0" cy="0"/>
+          <a:chOff x="0" y="0"/>
+          <a:chExt cx="0" cy="0"/>
+        </a:xfrm>
+      </p:grpSpPr>
+      <p:sp>
+        <p:nvSpPr>
+          <p:cNvPr id="2" name="標題 1">
+            <a:extLst>
+              <a:ext uri="{FF2B5EF4-FFF2-40B4-BE49-F238E27FC236}">
+                <a16:creationId xmlns:a16="http://schemas.microsoft.com/office/drawing/2014/main" id="{F0EB2975-F583-E926-4C44-A1CCB1E7F898}"/>
+              </a:ext>
+            </a:extLst>
+          </p:cNvPr>
+          <p:cNvSpPr>
+            <a:spLocks noGrp="1"/>
+          </p:cNvSpPr>
+          <p:nvPr>
+            <p:ph type="title"/>
+          </p:nvPr>
+        </p:nvSpPr>
+        <p:spPr/>
+        <p:txBody>
+          <a:bodyPr/>
+          <a:lstStyle/>
+          <a:p>
+            <a:pPr algn="ctr"/>
+            <a:r>
+              <a:rPr lang="zh-TW" altLang="en-US" dirty="0">
+                <a:latin typeface="標楷體" panose="03000509000000000000" pitchFamily="65" charset="-120"/>
+                <a:ea typeface="標楷體" panose="03000509000000000000" pitchFamily="65" charset="-120"/>
+              </a:rPr>
+              <a:t>過寬</a:t>
+            </a:r>
+            <a:r>
+              <a:rPr lang="en-US" altLang="zh-TW" dirty="0">
+                <a:latin typeface="標楷體" panose="03000509000000000000" pitchFamily="65" charset="-120"/>
+                <a:ea typeface="標楷體" panose="03000509000000000000" pitchFamily="65" charset="-120"/>
+              </a:rPr>
+              <a:t>_</a:t>
+            </a:r>
+            <a:r>
+              <a:rPr lang="zh-TW" altLang="en-US" dirty="0">
+                <a:latin typeface="標楷體" panose="03000509000000000000" pitchFamily="65" charset="-120"/>
+                <a:ea typeface="標楷體" panose="03000509000000000000" pitchFamily="65" charset="-120"/>
+              </a:rPr>
+              <a:t>標準訓練集</a:t>
+            </a:r>
+          </a:p>
+        </p:txBody>
+      </p:sp>
+      <p:sp>
+        <p:nvSpPr>
+          <p:cNvPr id="3" name="內容版面配置區 2">
+            <a:extLst>
+              <a:ext uri="{FF2B5EF4-FFF2-40B4-BE49-F238E27FC236}">
+                <a16:creationId xmlns:a16="http://schemas.microsoft.com/office/drawing/2014/main" id="{9FA11F7C-2E32-3141-324C-98A05A676B46}"/>
+              </a:ext>
+            </a:extLst>
+          </p:cNvPr>
+          <p:cNvSpPr>
+            <a:spLocks noGrp="1"/>
+          </p:cNvSpPr>
+          <p:nvPr>
+            <p:ph idx="1"/>
+          </p:nvPr>
+        </p:nvSpPr>
+        <p:spPr>
+          <a:xfrm>
+            <a:off x="358958" y="1555659"/>
+            <a:ext cx="11615327" cy="4351338"/>
+          </a:xfrm>
+        </p:spPr>
+        <p:txBody>
+          <a:bodyPr/>
+          <a:lstStyle/>
+          <a:p>
+            <a:pPr marL="0" indent="0">
+              <a:buNone/>
+            </a:pPr>
+            <a:r>
+              <a:rPr lang="zh-TW" altLang="en-US" dirty="0">
+                <a:latin typeface="標楷體" panose="03000509000000000000" pitchFamily="65" charset="-120"/>
+                <a:ea typeface="標楷體" panose="03000509000000000000" pitchFamily="65" charset="-120"/>
+              </a:rPr>
+              <a:t>    一部分訓練集雙腳距離不夠寬                  合格的資料  </a:t>
+            </a:r>
+          </a:p>
+        </p:txBody>
+      </p:sp>
+      <p:pic>
+        <p:nvPicPr>
+          <p:cNvPr id="5" name="圖片 4">
+            <a:extLst>
+              <a:ext uri="{FF2B5EF4-FFF2-40B4-BE49-F238E27FC236}">
+                <a16:creationId xmlns:a16="http://schemas.microsoft.com/office/drawing/2014/main" id="{8DA03EFF-AA9C-66A7-B141-CAAB67B4BA36}"/>
+              </a:ext>
+            </a:extLst>
+          </p:cNvPr>
+          <p:cNvPicPr>
+            <a:picLocks noChangeAspect="1"/>
+          </p:cNvPicPr>
+          <p:nvPr/>
+        </p:nvPicPr>
+        <p:blipFill>
+          <a:blip r:embed="rId2"/>
+          <a:stretch>
+            <a:fillRect/>
+          </a:stretch>
+        </p:blipFill>
+        <p:spPr>
+          <a:xfrm>
+            <a:off x="0" y="2231251"/>
+            <a:ext cx="3029149" cy="4453211"/>
+          </a:xfrm>
+          <a:prstGeom prst="rect">
+            <a:avLst/>
+          </a:prstGeom>
+        </p:spPr>
+      </p:pic>
+      <p:pic>
+        <p:nvPicPr>
+          <p:cNvPr id="7" name="圖片 6">
+            <a:extLst>
+              <a:ext uri="{FF2B5EF4-FFF2-40B4-BE49-F238E27FC236}">
+                <a16:creationId xmlns:a16="http://schemas.microsoft.com/office/drawing/2014/main" id="{CDE59756-954E-4769-BC80-B1AE58FDA4C2}"/>
+              </a:ext>
+            </a:extLst>
+          </p:cNvPr>
+          <p:cNvPicPr>
+            <a:picLocks noChangeAspect="1"/>
+          </p:cNvPicPr>
+          <p:nvPr/>
+        </p:nvPicPr>
+        <p:blipFill>
+          <a:blip r:embed="rId3"/>
+          <a:stretch>
+            <a:fillRect/>
+          </a:stretch>
+        </p:blipFill>
+        <p:spPr>
+          <a:xfrm>
+            <a:off x="3197314" y="2273559"/>
+            <a:ext cx="3619691" cy="4368594"/>
+          </a:xfrm>
+          <a:prstGeom prst="rect">
+            <a:avLst/>
+          </a:prstGeom>
+        </p:spPr>
+      </p:pic>
+      <p:pic>
+        <p:nvPicPr>
+          <p:cNvPr id="9" name="圖片 8">
+            <a:extLst>
+              <a:ext uri="{FF2B5EF4-FFF2-40B4-BE49-F238E27FC236}">
+                <a16:creationId xmlns:a16="http://schemas.microsoft.com/office/drawing/2014/main" id="{EF7347F5-443B-57F4-13BA-6AD5E6053FDB}"/>
+              </a:ext>
+            </a:extLst>
+          </p:cNvPr>
+          <p:cNvPicPr>
+            <a:picLocks noChangeAspect="1"/>
+          </p:cNvPicPr>
+          <p:nvPr/>
+        </p:nvPicPr>
+        <p:blipFill>
+          <a:blip r:embed="rId4"/>
+          <a:stretch>
+            <a:fillRect/>
+          </a:stretch>
+        </p:blipFill>
+        <p:spPr>
+          <a:xfrm>
+            <a:off x="7925489" y="2314445"/>
+            <a:ext cx="3976813" cy="4327708"/>
+          </a:xfrm>
+          <a:prstGeom prst="rect">
+            <a:avLst/>
+          </a:prstGeom>
+        </p:spPr>
+      </p:pic>
+      <p:sp>
+        <p:nvSpPr>
+          <p:cNvPr id="4" name="投影片編號版面配置區 3">
+            <a:extLst>
+              <a:ext uri="{FF2B5EF4-FFF2-40B4-BE49-F238E27FC236}">
+                <a16:creationId xmlns:a16="http://schemas.microsoft.com/office/drawing/2014/main" id="{DDF482AE-B13D-3B07-34DC-E45B5CA5F38B}"/>
+              </a:ext>
+            </a:extLst>
+          </p:cNvPr>
+          <p:cNvSpPr>
+            <a:spLocks noGrp="1"/>
+          </p:cNvSpPr>
+          <p:nvPr>
+            <p:ph type="sldNum" sz="quarter" idx="12"/>
+          </p:nvPr>
+        </p:nvSpPr>
+        <p:spPr/>
+        <p:txBody>
+          <a:bodyPr/>
+          <a:lstStyle/>
+          <a:p>
+            <a:fld id="{983C7559-4B51-43AB-8024-A24F832BBAF1}" type="slidenum">
+              <a:rPr lang="zh-TW" altLang="en-US" smtClean="0"/>
+              <a:t>5</a:t>
+            </a:fld>
+            <a:endParaRPr lang="zh-TW" altLang="en-US"/>
+          </a:p>
+        </p:txBody>
+      </p:sp>
+    </p:spTree>
+    <p:extLst>
+      <p:ext uri="{BB962C8B-B14F-4D97-AF65-F5344CB8AC3E}">
+        <p14:creationId xmlns:p14="http://schemas.microsoft.com/office/powerpoint/2010/main" val="3941865218"/>
+      </p:ext>
+    </p:extLst>
+  </p:cSld>
+  <p:clrMapOvr>
+    <a:masterClrMapping/>
+  </p:clrMapOvr>
+</p:sld>
+</file>
+
+<file path=ppt/slides/slide6.xml><?xml version="1.0" encoding="utf-8"?>
+<p:sld xmlns:a="http://schemas.openxmlformats.org/drawingml/2006/main" xmlns:r="http://schemas.openxmlformats.org/officeDocument/2006/relationships" xmlns:p="http://schemas.openxmlformats.org/presentationml/2006/main">
+  <p:cSld>
+    <p:spTree>
+      <p:nvGrpSpPr>
+        <p:cNvPr id="1" name=""/>
+        <p:cNvGrpSpPr/>
+        <p:nvPr/>
+      </p:nvGrpSpPr>
+      <p:grpSpPr>
+        <a:xfrm>
+          <a:off x="0" y="0"/>
+          <a:ext cx="0" cy="0"/>
+          <a:chOff x="0" y="0"/>
+          <a:chExt cx="0" cy="0"/>
+        </a:xfrm>
+      </p:grpSpPr>
+      <p:sp>
+        <p:nvSpPr>
+          <p:cNvPr id="4" name="標題 1">
+            <a:extLst>
+              <a:ext uri="{FF2B5EF4-FFF2-40B4-BE49-F238E27FC236}">
+                <a16:creationId xmlns:a16="http://schemas.microsoft.com/office/drawing/2014/main" id="{6DCC09A1-2727-BFBB-F369-A8B4D3C2DDE9}"/>
+              </a:ext>
+            </a:extLst>
+          </p:cNvPr>
+          <p:cNvSpPr>
+            <a:spLocks noGrp="1"/>
+          </p:cNvSpPr>
+          <p:nvPr>
+            <p:ph type="title"/>
+          </p:nvPr>
+        </p:nvSpPr>
+        <p:spPr>
+          <a:xfrm>
+            <a:off x="838200" y="365125"/>
+            <a:ext cx="10515600" cy="1325563"/>
+          </a:xfrm>
+        </p:spPr>
+        <p:txBody>
+          <a:bodyPr/>
+          <a:lstStyle/>
+          <a:p>
+            <a:pPr algn="ctr"/>
+            <a:r>
+              <a:rPr lang="zh-TW" altLang="en-US" dirty="0">
+                <a:latin typeface="標楷體" panose="03000509000000000000" pitchFamily="65" charset="-120"/>
+                <a:ea typeface="標楷體" panose="03000509000000000000" pitchFamily="65" charset="-120"/>
+              </a:rPr>
+              <a:t>過寬</a:t>
+            </a:r>
+            <a:r>
+              <a:rPr lang="en-US" altLang="zh-TW" dirty="0">
+                <a:latin typeface="標楷體" panose="03000509000000000000" pitchFamily="65" charset="-120"/>
+                <a:ea typeface="標楷體" panose="03000509000000000000" pitchFamily="65" charset="-120"/>
+              </a:rPr>
+              <a:t>_</a:t>
+            </a:r>
+            <a:r>
+              <a:rPr lang="zh-TW" altLang="en-US" dirty="0">
+                <a:latin typeface="標楷體" panose="03000509000000000000" pitchFamily="65" charset="-120"/>
+                <a:ea typeface="標楷體" panose="03000509000000000000" pitchFamily="65" charset="-120"/>
+              </a:rPr>
+              <a:t>過窄訓練集</a:t>
+            </a:r>
+          </a:p>
+        </p:txBody>
+      </p:sp>
+      <p:pic>
+        <p:nvPicPr>
+          <p:cNvPr id="6" name="圖片 5">
+            <a:extLst>
+              <a:ext uri="{FF2B5EF4-FFF2-40B4-BE49-F238E27FC236}">
+                <a16:creationId xmlns:a16="http://schemas.microsoft.com/office/drawing/2014/main" id="{F103A14E-BA08-9253-E6EB-D68553B15A7C}"/>
+              </a:ext>
+            </a:extLst>
+          </p:cNvPr>
+          <p:cNvPicPr>
+            <a:picLocks noChangeAspect="1"/>
+          </p:cNvPicPr>
+          <p:nvPr/>
+        </p:nvPicPr>
+        <p:blipFill>
+          <a:blip r:embed="rId2"/>
+          <a:stretch>
+            <a:fillRect/>
+          </a:stretch>
+        </p:blipFill>
+        <p:spPr>
+          <a:xfrm>
+            <a:off x="1610465" y="2333300"/>
+            <a:ext cx="3259798" cy="4524700"/>
+          </a:xfrm>
+          <a:prstGeom prst="rect">
+            <a:avLst/>
+          </a:prstGeom>
+        </p:spPr>
+      </p:pic>
+      <p:pic>
+        <p:nvPicPr>
+          <p:cNvPr id="8" name="圖片 7">
+            <a:extLst>
+              <a:ext uri="{FF2B5EF4-FFF2-40B4-BE49-F238E27FC236}">
+                <a16:creationId xmlns:a16="http://schemas.microsoft.com/office/drawing/2014/main" id="{4E739179-C582-6351-0AF2-7866EBF880DD}"/>
+              </a:ext>
+            </a:extLst>
+          </p:cNvPr>
+          <p:cNvPicPr>
+            <a:picLocks noChangeAspect="1"/>
+          </p:cNvPicPr>
+          <p:nvPr/>
+        </p:nvPicPr>
+        <p:blipFill>
+          <a:blip r:embed="rId3"/>
+          <a:stretch>
+            <a:fillRect/>
+          </a:stretch>
+        </p:blipFill>
+        <p:spPr>
+          <a:xfrm>
+            <a:off x="7609455" y="2333300"/>
+            <a:ext cx="3976678" cy="4524701"/>
+          </a:xfrm>
+          <a:prstGeom prst="rect">
+            <a:avLst/>
+          </a:prstGeom>
+        </p:spPr>
+      </p:pic>
+      <p:sp>
+        <p:nvSpPr>
+          <p:cNvPr id="9" name="內容版面配置區 2">
+            <a:extLst>
+              <a:ext uri="{FF2B5EF4-FFF2-40B4-BE49-F238E27FC236}">
+                <a16:creationId xmlns:a16="http://schemas.microsoft.com/office/drawing/2014/main" id="{F2E8648E-3BA5-29C8-BC34-EED0B8FF3903}"/>
+              </a:ext>
+            </a:extLst>
+          </p:cNvPr>
+          <p:cNvSpPr>
+            <a:spLocks noGrp="1"/>
+          </p:cNvSpPr>
+          <p:nvPr>
+            <p:ph idx="1"/>
+          </p:nvPr>
+        </p:nvSpPr>
+        <p:spPr>
+          <a:xfrm>
+            <a:off x="0" y="1825625"/>
+            <a:ext cx="12192000" cy="4351338"/>
+          </a:xfrm>
+        </p:spPr>
+        <p:txBody>
+          <a:bodyPr/>
+          <a:lstStyle/>
+          <a:p>
+            <a:pPr marL="0" indent="0">
+              <a:buNone/>
+            </a:pPr>
+            <a:r>
+              <a:rPr lang="zh-TW" altLang="en-US" dirty="0">
+                <a:latin typeface="標楷體" panose="03000509000000000000" pitchFamily="65" charset="-120"/>
+                <a:ea typeface="標楷體" panose="03000509000000000000" pitchFamily="65" charset="-120"/>
+              </a:rPr>
+              <a:t>    一部分訓練集雙腳距離不夠寬                  合格的資料  </a:t>
+            </a:r>
+          </a:p>
+        </p:txBody>
+      </p:sp>
+      <p:sp>
+        <p:nvSpPr>
+          <p:cNvPr id="2" name="投影片編號版面配置區 1">
+            <a:extLst>
+              <a:ext uri="{FF2B5EF4-FFF2-40B4-BE49-F238E27FC236}">
+                <a16:creationId xmlns:a16="http://schemas.microsoft.com/office/drawing/2014/main" id="{4A9D2FAB-C6F5-1EBC-2218-90600F801908}"/>
+              </a:ext>
+            </a:extLst>
+          </p:cNvPr>
+          <p:cNvSpPr>
+            <a:spLocks noGrp="1"/>
+          </p:cNvSpPr>
+          <p:nvPr>
+            <p:ph type="sldNum" sz="quarter" idx="12"/>
+          </p:nvPr>
+        </p:nvSpPr>
+        <p:spPr/>
+        <p:txBody>
+          <a:bodyPr/>
+          <a:lstStyle/>
+          <a:p>
+            <a:fld id="{983C7559-4B51-43AB-8024-A24F832BBAF1}" type="slidenum">
+              <a:rPr lang="zh-TW" altLang="en-US" smtClean="0"/>
+              <a:t>6</a:t>
+            </a:fld>
+            <a:endParaRPr lang="zh-TW" altLang="en-US"/>
+          </a:p>
+        </p:txBody>
+      </p:sp>
+    </p:spTree>
+    <p:extLst>
+      <p:ext uri="{BB962C8B-B14F-4D97-AF65-F5344CB8AC3E}">
+        <p14:creationId xmlns:p14="http://schemas.microsoft.com/office/powerpoint/2010/main" val="127077336"/>
+      </p:ext>
+    </p:extLst>
+  </p:cSld>
+  <p:clrMapOvr>
+    <a:masterClrMapping/>
+  </p:clrMapOvr>
+</p:sld>
+</file>
+
+<file path=ppt/slides/slide7.xml><?xml version="1.0" encoding="utf-8"?>
+<p:sld xmlns:a="http://schemas.openxmlformats.org/drawingml/2006/main" xmlns:r="http://schemas.openxmlformats.org/officeDocument/2006/relationships" xmlns:p="http://schemas.openxmlformats.org/presentationml/2006/main">
+  <p:cSld>
+    <p:spTree>
+      <p:nvGrpSpPr>
+        <p:cNvPr id="1" name=""/>
+        <p:cNvGrpSpPr/>
+        <p:nvPr/>
+      </p:nvGrpSpPr>
+      <p:grpSpPr>
+        <a:xfrm>
+          <a:off x="0" y="0"/>
+          <a:ext cx="0" cy="0"/>
+          <a:chOff x="0" y="0"/>
+          <a:chExt cx="0" cy="0"/>
+        </a:xfrm>
+      </p:grpSpPr>
+      <p:sp>
+        <p:nvSpPr>
+          <p:cNvPr id="2" name="標題 1">
+            <a:extLst>
+              <a:ext uri="{FF2B5EF4-FFF2-40B4-BE49-F238E27FC236}">
+                <a16:creationId xmlns:a16="http://schemas.microsoft.com/office/drawing/2014/main" id="{8AC4ABD1-C86D-B07E-1FD7-B534B0F062B7}"/>
+              </a:ext>
+            </a:extLst>
+          </p:cNvPr>
+          <p:cNvSpPr>
+            <a:spLocks noGrp="1"/>
+          </p:cNvSpPr>
+          <p:nvPr>
+            <p:ph type="title"/>
+          </p:nvPr>
+        </p:nvSpPr>
+        <p:spPr/>
+        <p:txBody>
+          <a:bodyPr/>
+          <a:lstStyle/>
+          <a:p>
+            <a:pPr algn="ctr"/>
+            <a:r>
+              <a:rPr lang="zh-TW" altLang="en-US" dirty="0">
+                <a:latin typeface="標楷體" panose="03000509000000000000" pitchFamily="65" charset="-120"/>
+                <a:ea typeface="標楷體" panose="03000509000000000000" pitchFamily="65" charset="-120"/>
+              </a:rPr>
+              <a:t>更正後的訓練集</a:t>
+            </a:r>
+          </a:p>
+        </p:txBody>
+      </p:sp>
+      <p:sp>
+        <p:nvSpPr>
+          <p:cNvPr id="3" name="內容版面配置區 2">
+            <a:extLst>
+              <a:ext uri="{FF2B5EF4-FFF2-40B4-BE49-F238E27FC236}">
+                <a16:creationId xmlns:a16="http://schemas.microsoft.com/office/drawing/2014/main" id="{B8FEC30D-0A7A-481F-5B3B-4C54C8812580}"/>
+              </a:ext>
+            </a:extLst>
+          </p:cNvPr>
+          <p:cNvSpPr>
+            <a:spLocks noGrp="1"/>
+          </p:cNvSpPr>
+          <p:nvPr>
+            <p:ph idx="1"/>
+          </p:nvPr>
+        </p:nvSpPr>
+        <p:spPr>
+          <a:xfrm>
+            <a:off x="838200" y="1414145"/>
+            <a:ext cx="10515600" cy="4351338"/>
+          </a:xfrm>
+        </p:spPr>
+        <p:txBody>
+          <a:bodyPr/>
+          <a:lstStyle/>
+          <a:p>
+            <a:r>
+              <a:rPr lang="zh-TW" altLang="en-US" dirty="0">
+                <a:latin typeface="標楷體" panose="03000509000000000000" pitchFamily="65" charset="-120"/>
+                <a:ea typeface="標楷體" panose="03000509000000000000" pitchFamily="65" charset="-120"/>
+              </a:rPr>
+              <a:t>一一確保雙腳距離皆為過寬</a:t>
+            </a:r>
+          </a:p>
+        </p:txBody>
+      </p:sp>
+      <p:sp>
+        <p:nvSpPr>
+          <p:cNvPr id="4" name="投影片編號版面配置區 3">
+            <a:extLst>
+              <a:ext uri="{FF2B5EF4-FFF2-40B4-BE49-F238E27FC236}">
+                <a16:creationId xmlns:a16="http://schemas.microsoft.com/office/drawing/2014/main" id="{F272ECD8-5858-F7A0-4843-1E76F4E99F09}"/>
+              </a:ext>
+            </a:extLst>
+          </p:cNvPr>
+          <p:cNvSpPr>
+            <a:spLocks noGrp="1"/>
+          </p:cNvSpPr>
+          <p:nvPr>
+            <p:ph type="sldNum" sz="quarter" idx="12"/>
+          </p:nvPr>
+        </p:nvSpPr>
+        <p:spPr/>
+        <p:txBody>
+          <a:bodyPr/>
+          <a:lstStyle/>
+          <a:p>
+            <a:fld id="{983C7559-4B51-43AB-8024-A24F832BBAF1}" type="slidenum">
+              <a:rPr lang="zh-TW" altLang="en-US" smtClean="0"/>
+              <a:t>7</a:t>
+            </a:fld>
+            <a:endParaRPr lang="zh-TW" altLang="en-US"/>
+          </a:p>
+        </p:txBody>
+      </p:sp>
+      <p:pic>
+        <p:nvPicPr>
+          <p:cNvPr id="8" name="圖片 7">
+            <a:extLst>
+              <a:ext uri="{FF2B5EF4-FFF2-40B4-BE49-F238E27FC236}">
+                <a16:creationId xmlns:a16="http://schemas.microsoft.com/office/drawing/2014/main" id="{41F69458-BCC2-9F55-46F0-BC58FC0C8190}"/>
+              </a:ext>
+            </a:extLst>
+          </p:cNvPr>
+          <p:cNvPicPr>
+            <a:picLocks noChangeAspect="1"/>
+          </p:cNvPicPr>
+          <p:nvPr/>
+        </p:nvPicPr>
+        <p:blipFill>
+          <a:blip r:embed="rId2"/>
+          <a:stretch>
+            <a:fillRect/>
+          </a:stretch>
+        </p:blipFill>
+        <p:spPr>
+          <a:xfrm>
+            <a:off x="304575" y="2483949"/>
+            <a:ext cx="4509789" cy="4237526"/>
+          </a:xfrm>
+          <a:prstGeom prst="rect">
+            <a:avLst/>
+          </a:prstGeom>
+        </p:spPr>
+      </p:pic>
+      <p:pic>
+        <p:nvPicPr>
+          <p:cNvPr id="10" name="圖片 9">
+            <a:extLst>
+              <a:ext uri="{FF2B5EF4-FFF2-40B4-BE49-F238E27FC236}">
+                <a16:creationId xmlns:a16="http://schemas.microsoft.com/office/drawing/2014/main" id="{2BE249DC-60C4-E8F2-0009-99D2552F0CE5}"/>
+              </a:ext>
+            </a:extLst>
+          </p:cNvPr>
+          <p:cNvPicPr>
+            <a:picLocks noChangeAspect="1"/>
+          </p:cNvPicPr>
+          <p:nvPr/>
+        </p:nvPicPr>
+        <p:blipFill>
+          <a:blip r:embed="rId3"/>
+          <a:stretch>
+            <a:fillRect/>
+          </a:stretch>
+        </p:blipFill>
+        <p:spPr>
+          <a:xfrm>
+            <a:off x="4895256" y="2464051"/>
+            <a:ext cx="3448531" cy="4277322"/>
+          </a:xfrm>
+          <a:prstGeom prst="rect">
+            <a:avLst/>
+          </a:prstGeom>
+        </p:spPr>
+      </p:pic>
+      <p:pic>
+        <p:nvPicPr>
+          <p:cNvPr id="12" name="圖片 11">
+            <a:extLst>
+              <a:ext uri="{FF2B5EF4-FFF2-40B4-BE49-F238E27FC236}">
+                <a16:creationId xmlns:a16="http://schemas.microsoft.com/office/drawing/2014/main" id="{0C4A61EC-9275-84CF-F2BA-A354CD86D342}"/>
+              </a:ext>
+            </a:extLst>
+          </p:cNvPr>
+          <p:cNvPicPr>
+            <a:picLocks noChangeAspect="1"/>
+          </p:cNvPicPr>
+          <p:nvPr/>
+        </p:nvPicPr>
+        <p:blipFill>
+          <a:blip r:embed="rId4"/>
+          <a:stretch>
+            <a:fillRect/>
+          </a:stretch>
+        </p:blipFill>
+        <p:spPr>
+          <a:xfrm>
+            <a:off x="8424679" y="2110732"/>
+            <a:ext cx="3477110" cy="4610743"/>
+          </a:xfrm>
+          <a:prstGeom prst="rect">
+            <a:avLst/>
+          </a:prstGeom>
+        </p:spPr>
+      </p:pic>
+    </p:spTree>
+    <p:extLst>
+      <p:ext uri="{BB962C8B-B14F-4D97-AF65-F5344CB8AC3E}">
+        <p14:creationId xmlns:p14="http://schemas.microsoft.com/office/powerpoint/2010/main" val="1392963092"/>
+      </p:ext>
+    </p:extLst>
+  </p:cSld>
+  <p:clrMapOvr>
+    <a:masterClrMapping/>
+  </p:clrMapOvr>
+</p:sld>
+</file>
+
+<file path=ppt/slides/slide8.xml><?xml version="1.0" encoding="utf-8"?>
+<p:sld xmlns:a="http://schemas.openxmlformats.org/drawingml/2006/main" xmlns:r="http://schemas.openxmlformats.org/officeDocument/2006/relationships" xmlns:p="http://schemas.openxmlformats.org/presentationml/2006/main">
+  <p:cSld>
+    <p:spTree>
+      <p:nvGrpSpPr>
+        <p:cNvPr id="1" name=""/>
+        <p:cNvGrpSpPr/>
+        <p:nvPr/>
+      </p:nvGrpSpPr>
+      <p:grpSpPr>
+        <a:xfrm>
+          <a:off x="0" y="0"/>
+          <a:ext cx="0" cy="0"/>
+          <a:chOff x="0" y="0"/>
+          <a:chExt cx="0" cy="0"/>
+        </a:xfrm>
+      </p:grpSpPr>
+      <p:sp>
+        <p:nvSpPr>
+          <p:cNvPr id="4" name="投影片編號版面配置區 3">
+            <a:extLst>
+              <a:ext uri="{FF2B5EF4-FFF2-40B4-BE49-F238E27FC236}">
+                <a16:creationId xmlns:a16="http://schemas.microsoft.com/office/drawing/2014/main" id="{428B13F2-89FD-0FCA-A156-B10403833595}"/>
+              </a:ext>
+            </a:extLst>
+          </p:cNvPr>
+          <p:cNvSpPr>
+            <a:spLocks noGrp="1"/>
+          </p:cNvSpPr>
+          <p:nvPr>
+            <p:ph type="sldNum" sz="quarter" idx="12"/>
+          </p:nvPr>
+        </p:nvSpPr>
+        <p:spPr/>
+        <p:txBody>
+          <a:bodyPr/>
+          <a:lstStyle/>
+          <a:p>
+            <a:fld id="{983C7559-4B51-43AB-8024-A24F832BBAF1}" type="slidenum">
+              <a:rPr lang="zh-TW" altLang="en-US" smtClean="0"/>
+              <a:t>8</a:t>
+            </a:fld>
+            <a:endParaRPr lang="zh-TW" altLang="en-US"/>
+          </a:p>
+        </p:txBody>
+      </p:sp>
+      <p:sp>
+        <p:nvSpPr>
+          <p:cNvPr id="5" name="內容版面配置區 2">
+            <a:extLst>
+              <a:ext uri="{FF2B5EF4-FFF2-40B4-BE49-F238E27FC236}">
+                <a16:creationId xmlns:a16="http://schemas.microsoft.com/office/drawing/2014/main" id="{B311CC91-2580-D460-E440-4122B621CAFA}"/>
+              </a:ext>
+            </a:extLst>
+          </p:cNvPr>
+          <p:cNvSpPr>
+            <a:spLocks noGrp="1"/>
+          </p:cNvSpPr>
+          <p:nvPr>
+            <p:ph idx="1"/>
+          </p:nvPr>
+        </p:nvSpPr>
+        <p:spPr>
+          <a:xfrm>
+            <a:off x="838200" y="1825625"/>
+            <a:ext cx="10515600" cy="4351338"/>
+          </a:xfrm>
+        </p:spPr>
+        <p:txBody>
+          <a:bodyPr>
+            <a:normAutofit fontScale="92500" lnSpcReduction="20000"/>
+          </a:bodyPr>
+          <a:lstStyle/>
+          <a:p>
+            <a:pPr marL="0" indent="0" algn="ctr">
+              <a:buFont typeface="Arial" panose="020B0604020202020204" pitchFamily="34" charset="0"/>
+              <a:buNone/>
+            </a:pPr>
+            <a:r>
+              <a:rPr lang="zh-TW" altLang="en-US" sz="2800" dirty="0">
+                <a:solidFill>
+                  <a:srgbClr val="FF0000"/>
+                </a:solidFill>
+                <a:latin typeface="標楷體" panose="03000509000000000000" pitchFamily="65" charset="-120"/>
+                <a:ea typeface="標楷體" panose="03000509000000000000" pitchFamily="65" charset="-120"/>
+              </a:rPr>
+              <a:t>修改後</a:t>
+            </a:r>
+            <a:r>
+              <a:rPr lang="zh-TW" altLang="en-US" dirty="0">
+                <a:solidFill>
+                  <a:srgbClr val="FF0000"/>
+                </a:solidFill>
+                <a:latin typeface="標楷體" panose="03000509000000000000" pitchFamily="65" charset="-120"/>
+                <a:ea typeface="標楷體" panose="03000509000000000000" pitchFamily="65" charset="-120"/>
+              </a:rPr>
+              <a:t>訓練</a:t>
+            </a:r>
+            <a:r>
+              <a:rPr lang="zh-TW" altLang="en-US" sz="2800" dirty="0">
+                <a:solidFill>
+                  <a:srgbClr val="FF0000"/>
+                </a:solidFill>
+                <a:latin typeface="標楷體" panose="03000509000000000000" pitchFamily="65" charset="-120"/>
+                <a:ea typeface="標楷體" panose="03000509000000000000" pitchFamily="65" charset="-120"/>
+              </a:rPr>
+              <a:t>集的數量：</a:t>
+            </a:r>
+            <a:endParaRPr lang="en-US" altLang="zh-TW" sz="2800" dirty="0">
+              <a:solidFill>
+                <a:srgbClr val="FF0000"/>
+              </a:solidFill>
+              <a:latin typeface="標楷體" panose="03000509000000000000" pitchFamily="65" charset="-120"/>
+              <a:ea typeface="標楷體" panose="03000509000000000000" pitchFamily="65" charset="-120"/>
+            </a:endParaRPr>
+          </a:p>
+          <a:p>
+            <a:pPr marL="0" indent="0" algn="ctr">
+              <a:buFont typeface="Arial" panose="020B0604020202020204" pitchFamily="34" charset="0"/>
+              <a:buNone/>
+            </a:pPr>
+            <a:r>
+              <a:rPr lang="zh-TW" altLang="en-US" sz="2800" dirty="0">
+                <a:latin typeface="標楷體" panose="03000509000000000000" pitchFamily="65" charset="-120"/>
+                <a:ea typeface="標楷體" panose="03000509000000000000" pitchFamily="65" charset="-120"/>
+              </a:rPr>
+              <a:t>雙腳距離</a:t>
+            </a:r>
+            <a:r>
+              <a:rPr lang="en-US" altLang="zh-TW" sz="2800" dirty="0">
+                <a:latin typeface="標楷體" panose="03000509000000000000" pitchFamily="65" charset="-120"/>
+                <a:ea typeface="標楷體" panose="03000509000000000000" pitchFamily="65" charset="-120"/>
+              </a:rPr>
+              <a:t>_</a:t>
+            </a:r>
+            <a:r>
+              <a:rPr lang="zh-TW" altLang="en-US" sz="2800" dirty="0">
+                <a:latin typeface="標楷體" panose="03000509000000000000" pitchFamily="65" charset="-120"/>
+                <a:ea typeface="標楷體" panose="03000509000000000000" pitchFamily="65" charset="-120"/>
+              </a:rPr>
+              <a:t>膝蓋距離</a:t>
+            </a:r>
+            <a:endParaRPr lang="en-US" altLang="zh-TW" sz="2800" dirty="0">
+              <a:latin typeface="標楷體" panose="03000509000000000000" pitchFamily="65" charset="-120"/>
+              <a:ea typeface="標楷體" panose="03000509000000000000" pitchFamily="65" charset="-120"/>
+            </a:endParaRPr>
+          </a:p>
+          <a:p>
+            <a:pPr marL="0" indent="0" algn="ctr">
+              <a:buFont typeface="Arial" panose="020B0604020202020204" pitchFamily="34" charset="0"/>
+              <a:buNone/>
+            </a:pPr>
+            <a:r>
+              <a:rPr lang="zh-TW" altLang="en-US" sz="2800" dirty="0">
+                <a:latin typeface="標楷體" panose="03000509000000000000" pitchFamily="65" charset="-120"/>
+                <a:ea typeface="標楷體" panose="03000509000000000000" pitchFamily="65" charset="-120"/>
+              </a:rPr>
+              <a:t>標準</a:t>
+            </a:r>
+            <a:r>
+              <a:rPr lang="en-US" altLang="zh-TW" sz="2800" dirty="0">
+                <a:latin typeface="標楷體" panose="03000509000000000000" pitchFamily="65" charset="-120"/>
+                <a:ea typeface="標楷體" panose="03000509000000000000" pitchFamily="65" charset="-120"/>
+              </a:rPr>
+              <a:t>_</a:t>
+            </a:r>
+            <a:r>
+              <a:rPr lang="zh-TW" altLang="en-US" sz="2800" dirty="0">
+                <a:latin typeface="標楷體" panose="03000509000000000000" pitchFamily="65" charset="-120"/>
+                <a:ea typeface="標楷體" panose="03000509000000000000" pitchFamily="65" charset="-120"/>
+              </a:rPr>
+              <a:t>標準：</a:t>
+            </a:r>
+            <a:r>
+              <a:rPr lang="en-US" altLang="zh-TW" sz="2800" dirty="0">
+                <a:latin typeface="標楷體" panose="03000509000000000000" pitchFamily="65" charset="-120"/>
+                <a:ea typeface="標楷體" panose="03000509000000000000" pitchFamily="65" charset="-120"/>
+              </a:rPr>
+              <a:t>10038</a:t>
+            </a:r>
+          </a:p>
+          <a:p>
+            <a:pPr marL="0" indent="0" algn="ctr">
+              <a:buFont typeface="Arial" panose="020B0604020202020204" pitchFamily="34" charset="0"/>
+              <a:buNone/>
+            </a:pPr>
+            <a:r>
+              <a:rPr lang="zh-TW" altLang="en-US" sz="2800" dirty="0">
+                <a:latin typeface="標楷體" panose="03000509000000000000" pitchFamily="65" charset="-120"/>
+                <a:ea typeface="標楷體" panose="03000509000000000000" pitchFamily="65" charset="-120"/>
+              </a:rPr>
+              <a:t>標準</a:t>
+            </a:r>
+            <a:r>
+              <a:rPr lang="en-US" altLang="zh-TW" sz="2800" dirty="0">
+                <a:latin typeface="標楷體" panose="03000509000000000000" pitchFamily="65" charset="-120"/>
+                <a:ea typeface="標楷體" panose="03000509000000000000" pitchFamily="65" charset="-120"/>
+              </a:rPr>
+              <a:t>_</a:t>
+            </a:r>
+            <a:r>
+              <a:rPr lang="zh-TW" altLang="en-US" sz="2800" dirty="0">
+                <a:latin typeface="標楷體" panose="03000509000000000000" pitchFamily="65" charset="-120"/>
+                <a:ea typeface="標楷體" panose="03000509000000000000" pitchFamily="65" charset="-120"/>
+              </a:rPr>
+              <a:t>過窄：</a:t>
+            </a:r>
+            <a:r>
+              <a:rPr lang="en-US" altLang="zh-TW" sz="2800" dirty="0">
+                <a:latin typeface="標楷體" panose="03000509000000000000" pitchFamily="65" charset="-120"/>
+                <a:ea typeface="標楷體" panose="03000509000000000000" pitchFamily="65" charset="-120"/>
+              </a:rPr>
+              <a:t>4162</a:t>
+            </a:r>
+            <a:br>
+              <a:rPr lang="en-US" altLang="zh-TW" sz="2800" dirty="0">
+                <a:latin typeface="標楷體" panose="03000509000000000000" pitchFamily="65" charset="-120"/>
+                <a:ea typeface="標楷體" panose="03000509000000000000" pitchFamily="65" charset="-120"/>
+              </a:rPr>
+            </a:br>
+            <a:r>
+              <a:rPr lang="zh-TW" altLang="en-US" sz="2800" dirty="0">
+                <a:latin typeface="標楷體" panose="03000509000000000000" pitchFamily="65" charset="-120"/>
+                <a:ea typeface="標楷體" panose="03000509000000000000" pitchFamily="65" charset="-120"/>
+              </a:rPr>
+              <a:t>標準</a:t>
+            </a:r>
+            <a:r>
+              <a:rPr lang="en-US" altLang="zh-TW" sz="2800" dirty="0">
+                <a:latin typeface="標楷體" panose="03000509000000000000" pitchFamily="65" charset="-120"/>
+                <a:ea typeface="標楷體" panose="03000509000000000000" pitchFamily="65" charset="-120"/>
+              </a:rPr>
+              <a:t>_</a:t>
+            </a:r>
+            <a:r>
+              <a:rPr lang="zh-TW" altLang="en-US" sz="2800" dirty="0">
+                <a:latin typeface="標楷體" panose="03000509000000000000" pitchFamily="65" charset="-120"/>
+                <a:ea typeface="標楷體" panose="03000509000000000000" pitchFamily="65" charset="-120"/>
+              </a:rPr>
+              <a:t>過寬：</a:t>
+            </a:r>
+            <a:r>
+              <a:rPr lang="en-US" altLang="zh-TW" dirty="0">
+                <a:latin typeface="標楷體" panose="03000509000000000000" pitchFamily="65" charset="-120"/>
+                <a:ea typeface="標楷體" panose="03000509000000000000" pitchFamily="65" charset="-120"/>
+              </a:rPr>
+              <a:t>4140</a:t>
+            </a:r>
+            <a:endParaRPr lang="en-US" altLang="zh-TW" sz="2800" dirty="0">
+              <a:latin typeface="標楷體" panose="03000509000000000000" pitchFamily="65" charset="-120"/>
+              <a:ea typeface="標楷體" panose="03000509000000000000" pitchFamily="65" charset="-120"/>
+            </a:endParaRPr>
+          </a:p>
+          <a:p>
+            <a:pPr marL="0" indent="0" algn="ctr">
+              <a:buFont typeface="Arial" panose="020B0604020202020204" pitchFamily="34" charset="0"/>
+              <a:buNone/>
+            </a:pPr>
+            <a:r>
+              <a:rPr lang="zh-TW" altLang="en-US" sz="2800" dirty="0">
+                <a:latin typeface="標楷體" panose="03000509000000000000" pitchFamily="65" charset="-120"/>
+                <a:ea typeface="標楷體" panose="03000509000000000000" pitchFamily="65" charset="-120"/>
+              </a:rPr>
+              <a:t>過窄</a:t>
+            </a:r>
+            <a:r>
+              <a:rPr lang="en-US" altLang="zh-TW" sz="2800" dirty="0">
+                <a:latin typeface="標楷體" panose="03000509000000000000" pitchFamily="65" charset="-120"/>
+                <a:ea typeface="標楷體" panose="03000509000000000000" pitchFamily="65" charset="-120"/>
+              </a:rPr>
+              <a:t>_</a:t>
+            </a:r>
+            <a:r>
+              <a:rPr lang="zh-TW" altLang="en-US" sz="2800" dirty="0">
+                <a:latin typeface="標楷體" panose="03000509000000000000" pitchFamily="65" charset="-120"/>
+                <a:ea typeface="標楷體" panose="03000509000000000000" pitchFamily="65" charset="-120"/>
+              </a:rPr>
+              <a:t>標準：</a:t>
+            </a:r>
+            <a:r>
+              <a:rPr lang="en-US" altLang="zh-TW" sz="2800" dirty="0">
+                <a:latin typeface="標楷體" panose="03000509000000000000" pitchFamily="65" charset="-120"/>
+                <a:ea typeface="標楷體" panose="03000509000000000000" pitchFamily="65" charset="-120"/>
+              </a:rPr>
+              <a:t>3755</a:t>
+            </a:r>
+          </a:p>
+          <a:p>
+            <a:pPr marL="0" indent="0" algn="ctr">
+              <a:buFont typeface="Arial" panose="020B0604020202020204" pitchFamily="34" charset="0"/>
+              <a:buNone/>
+            </a:pPr>
+            <a:r>
+              <a:rPr lang="zh-TW" altLang="en-US" sz="2800" dirty="0">
+                <a:latin typeface="標楷體" panose="03000509000000000000" pitchFamily="65" charset="-120"/>
+                <a:ea typeface="標楷體" panose="03000509000000000000" pitchFamily="65" charset="-120"/>
+              </a:rPr>
+              <a:t>過窄</a:t>
+            </a:r>
+            <a:r>
+              <a:rPr lang="en-US" altLang="zh-TW" sz="2800" dirty="0">
+                <a:latin typeface="標楷體" panose="03000509000000000000" pitchFamily="65" charset="-120"/>
+                <a:ea typeface="標楷體" panose="03000509000000000000" pitchFamily="65" charset="-120"/>
+              </a:rPr>
+              <a:t>_</a:t>
+            </a:r>
+            <a:r>
+              <a:rPr lang="zh-TW" altLang="en-US" sz="2800" dirty="0">
+                <a:latin typeface="標楷體" panose="03000509000000000000" pitchFamily="65" charset="-120"/>
+                <a:ea typeface="標楷體" panose="03000509000000000000" pitchFamily="65" charset="-120"/>
+              </a:rPr>
+              <a:t>過窄：</a:t>
+            </a:r>
+            <a:r>
+              <a:rPr lang="en-US" altLang="zh-TW" sz="2800" dirty="0">
+                <a:latin typeface="標楷體" panose="03000509000000000000" pitchFamily="65" charset="-120"/>
+                <a:ea typeface="標楷體" panose="03000509000000000000" pitchFamily="65" charset="-120"/>
+              </a:rPr>
+              <a:t>3431</a:t>
+            </a:r>
+          </a:p>
+          <a:p>
+            <a:pPr marL="0" indent="0" algn="ctr">
+              <a:buFont typeface="Arial" panose="020B0604020202020204" pitchFamily="34" charset="0"/>
+              <a:buNone/>
+            </a:pPr>
+            <a:r>
+              <a:rPr lang="zh-TW" altLang="en-US" sz="2800" dirty="0">
+                <a:latin typeface="標楷體" panose="03000509000000000000" pitchFamily="65" charset="-120"/>
+                <a:ea typeface="標楷體" panose="03000509000000000000" pitchFamily="65" charset="-120"/>
+              </a:rPr>
+              <a:t>過窄</a:t>
+            </a:r>
+            <a:r>
+              <a:rPr lang="en-US" altLang="zh-TW" sz="2800" dirty="0">
+                <a:latin typeface="標楷體" panose="03000509000000000000" pitchFamily="65" charset="-120"/>
+                <a:ea typeface="標楷體" panose="03000509000000000000" pitchFamily="65" charset="-120"/>
+              </a:rPr>
+              <a:t>_</a:t>
+            </a:r>
+            <a:r>
+              <a:rPr lang="zh-TW" altLang="en-US" sz="2800" dirty="0">
+                <a:latin typeface="標楷體" panose="03000509000000000000" pitchFamily="65" charset="-120"/>
+                <a:ea typeface="標楷體" panose="03000509000000000000" pitchFamily="65" charset="-120"/>
+              </a:rPr>
+              <a:t>過寬：</a:t>
+            </a:r>
+            <a:r>
+              <a:rPr lang="en-US" altLang="zh-TW" dirty="0">
+                <a:latin typeface="標楷體" panose="03000509000000000000" pitchFamily="65" charset="-120"/>
+                <a:ea typeface="標楷體" panose="03000509000000000000" pitchFamily="65" charset="-120"/>
+              </a:rPr>
+              <a:t>3122</a:t>
+            </a:r>
+          </a:p>
+          <a:p>
+            <a:pPr marL="0" indent="0" algn="ctr">
+              <a:buFont typeface="Arial" panose="020B0604020202020204" pitchFamily="34" charset="0"/>
+              <a:buNone/>
+            </a:pPr>
+            <a:r>
+              <a:rPr lang="zh-TW" altLang="en-US" sz="2800" dirty="0">
+                <a:solidFill>
+                  <a:srgbClr val="FF0000"/>
+                </a:solidFill>
+                <a:latin typeface="標楷體" panose="03000509000000000000" pitchFamily="65" charset="-120"/>
+                <a:ea typeface="標楷體" panose="03000509000000000000" pitchFamily="65" charset="-120"/>
+              </a:rPr>
+              <a:t>過寬</a:t>
+            </a:r>
+            <a:r>
+              <a:rPr lang="en-US" altLang="zh-TW" sz="2800" dirty="0">
+                <a:solidFill>
+                  <a:srgbClr val="FF0000"/>
+                </a:solidFill>
+                <a:latin typeface="標楷體" panose="03000509000000000000" pitchFamily="65" charset="-120"/>
+                <a:ea typeface="標楷體" panose="03000509000000000000" pitchFamily="65" charset="-120"/>
+              </a:rPr>
+              <a:t>_</a:t>
+            </a:r>
+            <a:r>
+              <a:rPr lang="zh-TW" altLang="en-US" sz="2800" dirty="0">
+                <a:solidFill>
+                  <a:srgbClr val="FF0000"/>
+                </a:solidFill>
+                <a:latin typeface="標楷體" panose="03000509000000000000" pitchFamily="65" charset="-120"/>
+                <a:ea typeface="標楷體" panose="03000509000000000000" pitchFamily="65" charset="-120"/>
+              </a:rPr>
+              <a:t>標準：</a:t>
+            </a:r>
+            <a:r>
+              <a:rPr lang="en-US" altLang="zh-TW" sz="2800" dirty="0">
+                <a:solidFill>
+                  <a:srgbClr val="FF0000"/>
+                </a:solidFill>
+                <a:latin typeface="標楷體" panose="03000509000000000000" pitchFamily="65" charset="-120"/>
+                <a:ea typeface="標楷體" panose="03000509000000000000" pitchFamily="65" charset="-120"/>
+              </a:rPr>
+              <a:t>3816</a:t>
+            </a:r>
+          </a:p>
+          <a:p>
+            <a:pPr marL="0" indent="0" algn="ctr">
+              <a:buFont typeface="Arial" panose="020B0604020202020204" pitchFamily="34" charset="0"/>
+              <a:buNone/>
+            </a:pPr>
+            <a:r>
+              <a:rPr lang="zh-TW" altLang="en-US" sz="2800" dirty="0">
+                <a:solidFill>
+                  <a:srgbClr val="FF0000"/>
+                </a:solidFill>
+                <a:latin typeface="標楷體" panose="03000509000000000000" pitchFamily="65" charset="-120"/>
+                <a:ea typeface="標楷體" panose="03000509000000000000" pitchFamily="65" charset="-120"/>
+              </a:rPr>
+              <a:t>過寬</a:t>
+            </a:r>
+            <a:r>
+              <a:rPr lang="en-US" altLang="zh-TW" sz="2800" dirty="0">
+                <a:solidFill>
+                  <a:srgbClr val="FF0000"/>
+                </a:solidFill>
+                <a:latin typeface="標楷體" panose="03000509000000000000" pitchFamily="65" charset="-120"/>
+                <a:ea typeface="標楷體" panose="03000509000000000000" pitchFamily="65" charset="-120"/>
+              </a:rPr>
+              <a:t>_</a:t>
+            </a:r>
+            <a:r>
+              <a:rPr lang="zh-TW" altLang="en-US" sz="2800" dirty="0">
+                <a:solidFill>
+                  <a:srgbClr val="FF0000"/>
+                </a:solidFill>
+                <a:latin typeface="標楷體" panose="03000509000000000000" pitchFamily="65" charset="-120"/>
+                <a:ea typeface="標楷體" panose="03000509000000000000" pitchFamily="65" charset="-120"/>
+              </a:rPr>
+              <a:t>過窄：</a:t>
+            </a:r>
+            <a:r>
+              <a:rPr lang="en-US" altLang="zh-TW" dirty="0">
+                <a:solidFill>
+                  <a:srgbClr val="FF0000"/>
+                </a:solidFill>
+                <a:latin typeface="標楷體" panose="03000509000000000000" pitchFamily="65" charset="-120"/>
+                <a:ea typeface="標楷體" panose="03000509000000000000" pitchFamily="65" charset="-120"/>
+              </a:rPr>
+              <a:t>3558</a:t>
+            </a:r>
+          </a:p>
+          <a:p>
+            <a:pPr marL="0" indent="0" algn="ctr">
+              <a:buFont typeface="Arial" panose="020B0604020202020204" pitchFamily="34" charset="0"/>
+              <a:buNone/>
+            </a:pPr>
+            <a:r>
+              <a:rPr lang="zh-TW" altLang="en-US" sz="2800" dirty="0">
+                <a:latin typeface="標楷體" panose="03000509000000000000" pitchFamily="65" charset="-120"/>
+                <a:ea typeface="標楷體" panose="03000509000000000000" pitchFamily="65" charset="-120"/>
+              </a:rPr>
+              <a:t>過寬</a:t>
+            </a:r>
+            <a:r>
+              <a:rPr lang="en-US" altLang="zh-TW" sz="2800" dirty="0">
+                <a:latin typeface="標楷體" panose="03000509000000000000" pitchFamily="65" charset="-120"/>
+                <a:ea typeface="標楷體" panose="03000509000000000000" pitchFamily="65" charset="-120"/>
+              </a:rPr>
+              <a:t>_</a:t>
+            </a:r>
+            <a:r>
+              <a:rPr lang="zh-TW" altLang="en-US" sz="2800" dirty="0">
+                <a:latin typeface="標楷體" panose="03000509000000000000" pitchFamily="65" charset="-120"/>
+                <a:ea typeface="標楷體" panose="03000509000000000000" pitchFamily="65" charset="-120"/>
+              </a:rPr>
+              <a:t>過寬：</a:t>
+            </a:r>
+            <a:r>
+              <a:rPr lang="en-US" altLang="zh-TW" dirty="0">
+                <a:latin typeface="標楷體" panose="03000509000000000000" pitchFamily="65" charset="-120"/>
+                <a:ea typeface="標楷體" panose="03000509000000000000" pitchFamily="65" charset="-120"/>
+              </a:rPr>
+              <a:t>4112</a:t>
+            </a:r>
+          </a:p>
+        </p:txBody>
+      </p:sp>
+      <p:sp>
+        <p:nvSpPr>
+          <p:cNvPr id="6" name="標題 1">
+            <a:extLst>
+              <a:ext uri="{FF2B5EF4-FFF2-40B4-BE49-F238E27FC236}">
+                <a16:creationId xmlns:a16="http://schemas.microsoft.com/office/drawing/2014/main" id="{E374CF53-BD63-4E8E-4C35-04478E8DBD46}"/>
+              </a:ext>
+            </a:extLst>
+          </p:cNvPr>
+          <p:cNvSpPr>
+            <a:spLocks noGrp="1"/>
+          </p:cNvSpPr>
+          <p:nvPr>
+            <p:ph type="title"/>
+          </p:nvPr>
+        </p:nvSpPr>
+        <p:spPr>
+          <a:xfrm>
+            <a:off x="838200" y="365125"/>
+            <a:ext cx="10515600" cy="1325563"/>
+          </a:xfrm>
+        </p:spPr>
+        <p:txBody>
+          <a:bodyPr/>
+          <a:lstStyle/>
+          <a:p>
+            <a:pPr algn="ctr"/>
+            <a:r>
+              <a:rPr lang="zh-TW" altLang="en-US" dirty="0">
+                <a:latin typeface="標楷體" panose="03000509000000000000" pitchFamily="65" charset="-120"/>
+                <a:ea typeface="標楷體" panose="03000509000000000000" pitchFamily="65" charset="-120"/>
+              </a:rPr>
+              <a:t>再次訓練</a:t>
+            </a:r>
+          </a:p>
+        </p:txBody>
+      </p:sp>
+    </p:spTree>
+    <p:extLst>
+      <p:ext uri="{BB962C8B-B14F-4D97-AF65-F5344CB8AC3E}">
+        <p14:creationId xmlns:p14="http://schemas.microsoft.com/office/powerpoint/2010/main" val="2825067602"/>
+      </p:ext>
+    </p:extLst>
+  </p:cSld>
+  <p:clrMapOvr>
+    <a:masterClrMapping/>
+  </p:clrMapOvr>
+</p:sld>
+</file>
+
+<file path=ppt/slides/slide9.xml><?xml version="1.0" encoding="utf-8"?>
+<p:sld xmlns:a="http://schemas.openxmlformats.org/drawingml/2006/main" xmlns:r="http://schemas.openxmlformats.org/officeDocument/2006/relationships" xmlns:p="http://schemas.openxmlformats.org/presentationml/2006/main">
+  <p:cSld>
+    <p:spTree>
+      <p:nvGrpSpPr>
+        <p:cNvPr id="1" name=""/>
+        <p:cNvGrpSpPr/>
+        <p:nvPr/>
+      </p:nvGrpSpPr>
+      <p:grpSpPr>
+        <a:xfrm>
+          <a:off x="0" y="0"/>
+          <a:ext cx="0" cy="0"/>
+          <a:chOff x="0" y="0"/>
+          <a:chExt cx="0" cy="0"/>
+        </a:xfrm>
+      </p:grpSpPr>
+      <p:sp>
+        <p:nvSpPr>
+          <p:cNvPr id="2" name="標題 1">
+            <a:extLst>
+              <a:ext uri="{FF2B5EF4-FFF2-40B4-BE49-F238E27FC236}">
+                <a16:creationId xmlns:a16="http://schemas.microsoft.com/office/drawing/2014/main" id="{B27C16B6-5115-44A9-6D1E-1B1FBB24A7C4}"/>
+              </a:ext>
+            </a:extLst>
+          </p:cNvPr>
+          <p:cNvSpPr>
+            <a:spLocks noGrp="1"/>
+          </p:cNvSpPr>
+          <p:nvPr>
+            <p:ph type="title"/>
+          </p:nvPr>
+        </p:nvSpPr>
+        <p:spPr/>
+        <p:txBody>
+          <a:bodyPr/>
+          <a:lstStyle/>
+          <a:p>
+            <a:pPr algn="ctr"/>
+            <a:r>
+              <a:rPr lang="zh-TW" altLang="en-US" dirty="0">
+                <a:latin typeface="標楷體" panose="03000509000000000000" pitchFamily="65" charset="-120"/>
+                <a:ea typeface="標楷體" panose="03000509000000000000" pitchFamily="65" charset="-120"/>
+              </a:rPr>
+              <a:t>訓練結果</a:t>
+            </a:r>
+          </a:p>
+        </p:txBody>
+      </p:sp>
+      <p:sp>
+        <p:nvSpPr>
+          <p:cNvPr id="3" name="內容版面配置區 2">
+            <a:extLst>
+              <a:ext uri="{FF2B5EF4-FFF2-40B4-BE49-F238E27FC236}">
+                <a16:creationId xmlns:a16="http://schemas.microsoft.com/office/drawing/2014/main" id="{4F67DE35-233E-8BFB-F61D-70E68E3AD860}"/>
+              </a:ext>
+            </a:extLst>
+          </p:cNvPr>
+          <p:cNvSpPr>
+            <a:spLocks noGrp="1"/>
+          </p:cNvSpPr>
+          <p:nvPr>
+            <p:ph idx="1"/>
+          </p:nvPr>
+        </p:nvSpPr>
+        <p:spPr/>
+        <p:txBody>
+          <a:bodyPr/>
+          <a:lstStyle/>
+          <a:p>
+            <a:endParaRPr lang="zh-TW" altLang="en-US" dirty="0"/>
+          </a:p>
+        </p:txBody>
+      </p:sp>
+      <p:sp>
+        <p:nvSpPr>
+          <p:cNvPr id="4" name="投影片編號版面配置區 3">
+            <a:extLst>
+              <a:ext uri="{FF2B5EF4-FFF2-40B4-BE49-F238E27FC236}">
+                <a16:creationId xmlns:a16="http://schemas.microsoft.com/office/drawing/2014/main" id="{A7CFC3AE-C302-BEF1-96DB-5D601E3DDC58}"/>
+              </a:ext>
+            </a:extLst>
+          </p:cNvPr>
+          <p:cNvSpPr>
+            <a:spLocks noGrp="1"/>
+          </p:cNvSpPr>
+          <p:nvPr>
+            <p:ph type="sldNum" sz="quarter" idx="12"/>
+          </p:nvPr>
+        </p:nvSpPr>
+        <p:spPr/>
+        <p:txBody>
+          <a:bodyPr/>
+          <a:lstStyle/>
+          <a:p>
+            <a:fld id="{983C7559-4B51-43AB-8024-A24F832BBAF1}" type="slidenum">
+              <a:rPr lang="zh-TW" altLang="en-US" smtClean="0"/>
+              <a:t>9</a:t>
+            </a:fld>
+            <a:endParaRPr lang="zh-TW" altLang="en-US"/>
+          </a:p>
+        </p:txBody>
+      </p:sp>
+      <p:pic>
+        <p:nvPicPr>
+          <p:cNvPr id="6" name="圖片 5">
+            <a:extLst>
+              <a:ext uri="{FF2B5EF4-FFF2-40B4-BE49-F238E27FC236}">
+                <a16:creationId xmlns:a16="http://schemas.microsoft.com/office/drawing/2014/main" id="{99D3717A-66F6-26BB-F176-560ECAA4ED33}"/>
+              </a:ext>
+            </a:extLst>
+          </p:cNvPr>
+          <p:cNvPicPr>
+            <a:picLocks noChangeAspect="1"/>
+          </p:cNvPicPr>
+          <p:nvPr/>
+        </p:nvPicPr>
+        <p:blipFill>
+          <a:blip r:embed="rId2"/>
+          <a:stretch>
+            <a:fillRect/>
+          </a:stretch>
+        </p:blipFill>
+        <p:spPr>
+          <a:xfrm>
+            <a:off x="1845579" y="1355637"/>
+            <a:ext cx="8500841" cy="5502363"/>
+          </a:xfrm>
+          <a:prstGeom prst="rect">
+            <a:avLst/>
+          </a:prstGeom>
+        </p:spPr>
+      </p:pic>
+    </p:spTree>
+    <p:extLst>
+      <p:ext uri="{BB962C8B-B14F-4D97-AF65-F5344CB8AC3E}">
+        <p14:creationId xmlns:p14="http://schemas.microsoft.com/office/powerpoint/2010/main" val="1443865462"/>
       </p:ext>
     </p:extLst>
   </p:cSld>
